--- a/evermal_MTD2015.pptx
+++ b/evermal_MTD2015.pptx
@@ -5,47 +5,48 @@
     <p:sldMasterId id="2147483648" r:id="rId1"/>
   </p:sldMasterIdLst>
   <p:notesMasterIdLst>
-    <p:notesMasterId r:id="rId40"/>
+    <p:notesMasterId r:id="rId41"/>
   </p:notesMasterIdLst>
   <p:sldIdLst>
     <p:sldId id="257" r:id="rId2"/>
     <p:sldId id="258" r:id="rId3"/>
     <p:sldId id="352" r:id="rId4"/>
-    <p:sldId id="261" r:id="rId5"/>
-    <p:sldId id="309" r:id="rId6"/>
-    <p:sldId id="269" r:id="rId7"/>
-    <p:sldId id="356" r:id="rId8"/>
-    <p:sldId id="341" r:id="rId9"/>
-    <p:sldId id="363" r:id="rId10"/>
-    <p:sldId id="358" r:id="rId11"/>
-    <p:sldId id="366" r:id="rId12"/>
-    <p:sldId id="281" r:id="rId13"/>
-    <p:sldId id="364" r:id="rId14"/>
-    <p:sldId id="347" r:id="rId15"/>
-    <p:sldId id="290" r:id="rId16"/>
-    <p:sldId id="365" r:id="rId17"/>
-    <p:sldId id="317" r:id="rId18"/>
-    <p:sldId id="294" r:id="rId19"/>
-    <p:sldId id="362" r:id="rId20"/>
-    <p:sldId id="327" r:id="rId21"/>
-    <p:sldId id="349" r:id="rId22"/>
-    <p:sldId id="336" r:id="rId23"/>
-    <p:sldId id="342" r:id="rId24"/>
-    <p:sldId id="321" r:id="rId25"/>
-    <p:sldId id="350" r:id="rId26"/>
-    <p:sldId id="296" r:id="rId27"/>
-    <p:sldId id="315" r:id="rId28"/>
-    <p:sldId id="334" r:id="rId29"/>
-    <p:sldId id="335" r:id="rId30"/>
-    <p:sldId id="333" r:id="rId31"/>
-    <p:sldId id="302" r:id="rId32"/>
-    <p:sldId id="320" r:id="rId33"/>
-    <p:sldId id="328" r:id="rId34"/>
-    <p:sldId id="329" r:id="rId35"/>
-    <p:sldId id="351" r:id="rId36"/>
-    <p:sldId id="272" r:id="rId37"/>
-    <p:sldId id="359" r:id="rId38"/>
-    <p:sldId id="345" r:id="rId39"/>
+    <p:sldId id="367" r:id="rId5"/>
+    <p:sldId id="261" r:id="rId6"/>
+    <p:sldId id="309" r:id="rId7"/>
+    <p:sldId id="269" r:id="rId8"/>
+    <p:sldId id="356" r:id="rId9"/>
+    <p:sldId id="341" r:id="rId10"/>
+    <p:sldId id="363" r:id="rId11"/>
+    <p:sldId id="358" r:id="rId12"/>
+    <p:sldId id="366" r:id="rId13"/>
+    <p:sldId id="281" r:id="rId14"/>
+    <p:sldId id="364" r:id="rId15"/>
+    <p:sldId id="347" r:id="rId16"/>
+    <p:sldId id="290" r:id="rId17"/>
+    <p:sldId id="365" r:id="rId18"/>
+    <p:sldId id="317" r:id="rId19"/>
+    <p:sldId id="294" r:id="rId20"/>
+    <p:sldId id="362" r:id="rId21"/>
+    <p:sldId id="327" r:id="rId22"/>
+    <p:sldId id="349" r:id="rId23"/>
+    <p:sldId id="336" r:id="rId24"/>
+    <p:sldId id="342" r:id="rId25"/>
+    <p:sldId id="321" r:id="rId26"/>
+    <p:sldId id="350" r:id="rId27"/>
+    <p:sldId id="296" r:id="rId28"/>
+    <p:sldId id="315" r:id="rId29"/>
+    <p:sldId id="334" r:id="rId30"/>
+    <p:sldId id="335" r:id="rId31"/>
+    <p:sldId id="333" r:id="rId32"/>
+    <p:sldId id="302" r:id="rId33"/>
+    <p:sldId id="320" r:id="rId34"/>
+    <p:sldId id="328" r:id="rId35"/>
+    <p:sldId id="329" r:id="rId36"/>
+    <p:sldId id="351" r:id="rId37"/>
+    <p:sldId id="272" r:id="rId38"/>
+    <p:sldId id="359" r:id="rId39"/>
+    <p:sldId id="345" r:id="rId40"/>
   </p:sldIdLst>
   <p:sldSz cx="9144000" cy="6858000" type="screen4x3"/>
   <p:notesSz cx="6858000" cy="9144000"/>
@@ -367,11 +368,11 @@
         </c:dLbls>
         <c:gapWidth val="150"/>
         <c:overlap val="100"/>
-        <c:axId val="-2147401096"/>
-        <c:axId val="2125067432"/>
+        <c:axId val="2120952520"/>
+        <c:axId val="2120949624"/>
       </c:barChart>
       <c:catAx>
-        <c:axId val="-2147401096"/>
+        <c:axId val="2120952520"/>
         <c:scaling>
           <c:orientation val="minMax"/>
         </c:scaling>
@@ -380,7 +381,7 @@
         <c:majorTickMark val="out"/>
         <c:minorTickMark val="none"/>
         <c:tickLblPos val="nextTo"/>
-        <c:crossAx val="2125067432"/>
+        <c:crossAx val="2120949624"/>
         <c:crosses val="autoZero"/>
         <c:auto val="1"/>
         <c:lblAlgn val="ctr"/>
@@ -388,7 +389,7 @@
         <c:noMultiLvlLbl val="0"/>
       </c:catAx>
       <c:valAx>
-        <c:axId val="2125067432"/>
+        <c:axId val="2120949624"/>
         <c:scaling>
           <c:orientation val="minMax"/>
           <c:max val="40.0"/>
@@ -400,7 +401,7 @@
         <c:majorTickMark val="out"/>
         <c:minorTickMark val="none"/>
         <c:tickLblPos val="nextTo"/>
-        <c:crossAx val="-2147401096"/>
+        <c:crossAx val="2120952520"/>
         <c:crosses val="autoZero"/>
         <c:crossBetween val="between"/>
       </c:valAx>
@@ -645,11 +646,11 @@
         </c:dLbls>
         <c:gapWidth val="150"/>
         <c:overlap val="100"/>
-        <c:axId val="-2147199688"/>
-        <c:axId val="-2147159944"/>
+        <c:axId val="2120888744"/>
+        <c:axId val="2120884984"/>
       </c:barChart>
       <c:catAx>
-        <c:axId val="-2147199688"/>
+        <c:axId val="2120888744"/>
         <c:scaling>
           <c:orientation val="minMax"/>
         </c:scaling>
@@ -658,7 +659,7 @@
         <c:majorTickMark val="out"/>
         <c:minorTickMark val="none"/>
         <c:tickLblPos val="nextTo"/>
-        <c:crossAx val="-2147159944"/>
+        <c:crossAx val="2120884984"/>
         <c:crosses val="autoZero"/>
         <c:auto val="1"/>
         <c:lblAlgn val="ctr"/>
@@ -666,7 +667,7 @@
         <c:noMultiLvlLbl val="0"/>
       </c:catAx>
       <c:valAx>
-        <c:axId val="-2147159944"/>
+        <c:axId val="2120884984"/>
         <c:scaling>
           <c:orientation val="minMax"/>
           <c:max val="40.0"/>
@@ -678,7 +679,7 @@
         <c:majorTickMark val="out"/>
         <c:minorTickMark val="none"/>
         <c:tickLblPos val="nextTo"/>
-        <c:crossAx val="-2147199688"/>
+        <c:crossAx val="2120888744"/>
         <c:crosses val="autoZero"/>
         <c:crossBetween val="between"/>
       </c:valAx>
@@ -824,11 +825,11 @@
           <c:showBubbleSize val="0"/>
         </c:dLbls>
         <c:gapWidth val="150"/>
-        <c:axId val="-2146483080"/>
-        <c:axId val="-2146486536"/>
+        <c:axId val="2120584024"/>
+        <c:axId val="2120576888"/>
       </c:barChart>
       <c:catAx>
-        <c:axId val="-2146483080"/>
+        <c:axId val="2120584024"/>
         <c:scaling>
           <c:orientation val="minMax"/>
         </c:scaling>
@@ -847,7 +848,7 @@
             <a:endParaRPr lang="en-US"/>
           </a:p>
         </c:txPr>
-        <c:crossAx val="-2146486536"/>
+        <c:crossAx val="2120576888"/>
         <c:crosses val="autoZero"/>
         <c:auto val="1"/>
         <c:lblAlgn val="ctr"/>
@@ -855,7 +856,7 @@
         <c:noMultiLvlLbl val="0"/>
       </c:catAx>
       <c:valAx>
-        <c:axId val="-2146486536"/>
+        <c:axId val="2120576888"/>
         <c:scaling>
           <c:orientation val="minMax"/>
           <c:max val="100.0"/>
@@ -891,7 +892,7 @@
         <c:majorTickMark val="out"/>
         <c:minorTickMark val="none"/>
         <c:tickLblPos val="nextTo"/>
-        <c:crossAx val="-2146483080"/>
+        <c:crossAx val="2120584024"/>
         <c:crosses val="autoZero"/>
         <c:crossBetween val="between"/>
       </c:valAx>
@@ -1083,11 +1084,11 @@
           <c:showBubbleSize val="0"/>
         </c:dLbls>
         <c:gapWidth val="150"/>
-        <c:axId val="2127483400"/>
-        <c:axId val="2126826424"/>
+        <c:axId val="2128473704"/>
+        <c:axId val="2128469608"/>
       </c:barChart>
       <c:catAx>
-        <c:axId val="2127483400"/>
+        <c:axId val="2128473704"/>
         <c:scaling>
           <c:orientation val="minMax"/>
         </c:scaling>
@@ -1106,7 +1107,7 @@
             <a:endParaRPr lang="en-US"/>
           </a:p>
         </c:txPr>
-        <c:crossAx val="2126826424"/>
+        <c:crossAx val="2128469608"/>
         <c:crosses val="autoZero"/>
         <c:auto val="1"/>
         <c:lblAlgn val="ctr"/>
@@ -1114,7 +1115,7 @@
         <c:noMultiLvlLbl val="0"/>
       </c:catAx>
       <c:valAx>
-        <c:axId val="2126826424"/>
+        <c:axId val="2128469608"/>
         <c:scaling>
           <c:orientation val="minMax"/>
         </c:scaling>
@@ -1125,7 +1126,7 @@
         <c:majorTickMark val="out"/>
         <c:minorTickMark val="none"/>
         <c:tickLblPos val="nextTo"/>
-        <c:crossAx val="2127483400"/>
+        <c:crossAx val="2128473704"/>
         <c:crosses val="autoZero"/>
         <c:crossBetween val="between"/>
       </c:valAx>
@@ -4919,7 +4920,7 @@
           <a:p>
             <a:fld id="{7822C80D-7B66-4056-B5C0-4B5838DCF442}" type="datetimeFigureOut">
               <a:rPr lang="en-US" smtClean="0"/>
-              <a:t>15-09-11</a:t>
+              <a:t>15-09-14</a:t>
             </a:fld>
             <a:endParaRPr lang="en-US"/>
           </a:p>
@@ -5312,19 +5313,9 @@
         </p:nvSpPr>
         <p:spPr/>
         <p:txBody>
-          <a:bodyPr>
-            <a:normAutofit/>
-          </a:bodyPr>
-          <a:lstStyle/>
-          <a:p>
-            <a:r>
-              <a:rPr lang="en-US" dirty="0" smtClean="0"/>
-              <a:t>How is this slide related to previous</a:t>
-            </a:r>
-            <a:r>
-              <a:rPr lang="en-US" baseline="0" dirty="0" smtClean="0"/>
-              <a:t> one? </a:t>
-            </a:r>
+          <a:bodyPr/>
+          <a:lstStyle/>
+          <a:p>
             <a:endParaRPr lang="en-US" dirty="0"/>
           </a:p>
         </p:txBody>
@@ -5344,16 +5335,20 @@
           <a:bodyPr/>
           <a:lstStyle/>
           <a:p>
-            <a:fld id="{615DDCD5-70FA-4DAD-914E-3B82A70D0680}" type="slidenum">
+            <a:fld id="{E6ED7E99-8F0C-4C27-A997-5B1A3AD8947C}" type="slidenum">
               <a:rPr lang="en-US" smtClean="0"/>
-              <a:pPr/>
-              <a:t>11</a:t>
+              <a:t>10</a:t>
             </a:fld>
             <a:endParaRPr lang="en-US"/>
           </a:p>
         </p:txBody>
       </p:sp>
     </p:spTree>
+    <p:extLst>
+      <p:ext uri="{BB962C8B-B14F-4D97-AF65-F5344CB8AC3E}">
+        <p14:creationId xmlns:p14="http://schemas.microsoft.com/office/powerpoint/2010/main" val="1912563071"/>
+      </p:ext>
+    </p:extLst>
   </p:cSld>
   <p:clrMapOvr>
     <a:masterClrMapping/>
@@ -5407,9 +5402,14 @@
           </a:bodyPr>
           <a:lstStyle/>
           <a:p>
-            <a:pPr marL="228600" indent="-228600">
-              <a:buAutoNum type="arabicPeriod"/>
-            </a:pPr>
+            <a:r>
+              <a:rPr lang="en-US" dirty="0" smtClean="0"/>
+              <a:t>How is this slide related to previous</a:t>
+            </a:r>
+            <a:r>
+              <a:rPr lang="en-US" baseline="0" dirty="0" smtClean="0"/>
+              <a:t> one? </a:t>
+            </a:r>
             <a:endParaRPr lang="en-US" dirty="0"/>
           </a:p>
         </p:txBody>
@@ -5487,152 +5487,14 @@
         </p:nvSpPr>
         <p:spPr/>
         <p:txBody>
-          <a:bodyPr/>
-          <a:lstStyle/>
-          <a:p>
-            <a:r>
-              <a:rPr lang="en-US" dirty="0" smtClean="0"/>
-              <a:t>Way</a:t>
-            </a:r>
-            <a:r>
-              <a:rPr lang="en-US" baseline="0" dirty="0" smtClean="0"/>
-              <a:t> too many terms that are not  defined:</a:t>
-            </a:r>
-          </a:p>
-          <a:p>
-            <a:pPr marL="171450" indent="-171450">
-              <a:buFontTx/>
-              <a:buChar char="-"/>
+          <a:bodyPr>
+            <a:normAutofit/>
+          </a:bodyPr>
+          <a:lstStyle/>
+          <a:p>
+            <a:pPr marL="228600" indent="-228600">
+              <a:buAutoNum type="arabicPeriod"/>
             </a:pPr>
-            <a:r>
-              <a:rPr lang="en-US" baseline="0" dirty="0" smtClean="0"/>
-              <a:t>Predictive power</a:t>
-            </a:r>
-          </a:p>
-          <a:p>
-            <a:pPr marL="171450" indent="-171450">
-              <a:buFontTx/>
-              <a:buChar char="-"/>
-            </a:pPr>
-            <a:r>
-              <a:rPr lang="en-US" baseline="0" dirty="0" smtClean="0"/>
-              <a:t>- relative impact</a:t>
-            </a:r>
-          </a:p>
-          <a:p>
-            <a:pPr marL="171450" indent="-171450">
-              <a:buFontTx/>
-              <a:buChar char="-"/>
-            </a:pPr>
-            <a:r>
-              <a:rPr lang="en-US" baseline="0" dirty="0" smtClean="0"/>
-              <a:t>-effort saving</a:t>
-            </a:r>
-          </a:p>
-          <a:p>
-            <a:pPr marL="171450" indent="-171450">
-              <a:buFontTx/>
-              <a:buChar char="-"/>
-            </a:pPr>
-            <a:endParaRPr lang="en-US" baseline="0" dirty="0" smtClean="0"/>
-          </a:p>
-          <a:p>
-            <a:pPr marL="171450" indent="-171450">
-              <a:buFontTx/>
-              <a:buChar char="-"/>
-            </a:pPr>
-            <a:r>
-              <a:rPr lang="en-US" baseline="0" dirty="0" smtClean="0"/>
-              <a:t>Just remove all green stuff for now – you need to sell your work for now not the exact technique the exact </a:t>
-            </a:r>
-            <a:r>
-              <a:rPr lang="en-US" baseline="0" dirty="0" err="1" smtClean="0"/>
-              <a:t>techqniue</a:t>
-            </a:r>
-            <a:r>
-              <a:rPr lang="en-US" baseline="0" dirty="0" smtClean="0"/>
-              <a:t> needs to be presented and detailed later on.</a:t>
-            </a:r>
-          </a:p>
-          <a:p>
-            <a:pPr marL="171450" indent="-171450">
-              <a:buFontTx/>
-              <a:buChar char="-"/>
-            </a:pPr>
-            <a:endParaRPr lang="en-US" baseline="0" dirty="0" smtClean="0"/>
-          </a:p>
-          <a:p>
-            <a:pPr marL="171450" indent="-171450">
-              <a:buFontTx/>
-              <a:buChar char="-"/>
-            </a:pPr>
-            <a:r>
-              <a:rPr lang="en-US" baseline="0" dirty="0" smtClean="0"/>
-              <a:t>Avoid Green text very hard on the eyes</a:t>
-            </a:r>
-          </a:p>
-          <a:p>
-            <a:pPr marL="171450" indent="-171450">
-              <a:buFontTx/>
-              <a:buChar char="-"/>
-            </a:pPr>
-            <a:endParaRPr lang="en-US" baseline="0" dirty="0" smtClean="0"/>
-          </a:p>
-          <a:p>
-            <a:pPr marL="171450" indent="-171450">
-              <a:buFontTx/>
-              <a:buChar char="-"/>
-            </a:pPr>
-            <a:r>
-              <a:rPr lang="en-US" baseline="0" dirty="0" smtClean="0"/>
-              <a:t> Also you never get back to these questions? These questions need to be answered later in your presentation (so the presentation should be around that structure and your conclusion should highlight these answers too)</a:t>
-            </a:r>
-          </a:p>
-          <a:p>
-            <a:endParaRPr lang="en-US" baseline="0" dirty="0" smtClean="0"/>
-          </a:p>
-          <a:p>
-            <a:pPr marL="171450" indent="-171450">
-              <a:buFontTx/>
-              <a:buChar char="-"/>
-            </a:pPr>
-            <a:r>
-              <a:rPr lang="en-US" baseline="0" dirty="0" smtClean="0"/>
-              <a:t>The black magic picture means that your methodology is black magic</a:t>
-            </a:r>
-          </a:p>
-          <a:p>
-            <a:pPr marL="171450" indent="-171450">
-              <a:buFontTx/>
-              <a:buChar char="-"/>
-            </a:pPr>
-            <a:r>
-              <a:rPr lang="en-US" baseline="0" dirty="0" smtClean="0"/>
-              <a:t>Predictors are a way to study this thing – your paper is not about predictors it is about studying what makes things happen. You are using prediction models as a tool for your study.</a:t>
-            </a:r>
-          </a:p>
-          <a:p>
-            <a:pPr marL="171450" indent="-171450">
-              <a:buFontTx/>
-              <a:buChar char="-"/>
-            </a:pPr>
-            <a:endParaRPr lang="en-US" baseline="0" dirty="0" smtClean="0"/>
-          </a:p>
-          <a:p>
-            <a:pPr marL="171450" indent="-171450">
-              <a:buFontTx/>
-              <a:buChar char="-"/>
-            </a:pPr>
-            <a:r>
-              <a:rPr lang="en-US" baseline="0" dirty="0" smtClean="0"/>
-              <a:t>What are the best predictors </a:t>
-            </a:r>
-            <a:r>
-              <a:rPr lang="en-US" baseline="0" dirty="0" smtClean="0">
-                <a:sym typeface="Wingdings" pitchFamily="2" charset="2"/>
-              </a:rPr>
-              <a:t> What </a:t>
-            </a:r>
             <a:endParaRPr lang="en-US" dirty="0"/>
           </a:p>
         </p:txBody>
@@ -5652,8 +5514,9 @@
           <a:bodyPr/>
           <a:lstStyle/>
           <a:p>
-            <a:fld id="{E6ED7E99-8F0C-4C27-A997-5B1A3AD8947C}" type="slidenum">
+            <a:fld id="{615DDCD5-70FA-4DAD-914E-3B82A70D0680}" type="slidenum">
               <a:rPr lang="en-US" smtClean="0"/>
+              <a:pPr/>
               <a:t>13</a:t>
             </a:fld>
             <a:endParaRPr lang="en-US"/>
@@ -5661,11 +5524,6 @@
         </p:txBody>
       </p:sp>
     </p:spTree>
-    <p:extLst>
-      <p:ext uri="{BB962C8B-B14F-4D97-AF65-F5344CB8AC3E}">
-        <p14:creationId xmlns:p14="http://schemas.microsoft.com/office/powerpoint/2010/main" val="1912563071"/>
-      </p:ext>
-    </p:extLst>
   </p:cSld>
   <p:clrMapOvr>
     <a:masterClrMapping/>
@@ -5714,35 +5572,151 @@
         </p:nvSpPr>
         <p:spPr/>
         <p:txBody>
-          <a:bodyPr>
-            <a:normAutofit/>
-          </a:bodyPr>
+          <a:bodyPr/>
           <a:lstStyle/>
           <a:p>
             <a:r>
               <a:rPr lang="en-US" dirty="0" smtClean="0"/>
-              <a:t>Factors… may be say Causes?</a:t>
-            </a:r>
-          </a:p>
-          <a:p>
-            <a:endParaRPr lang="en-US" dirty="0" smtClean="0"/>
-          </a:p>
-          <a:p>
-            <a:r>
-              <a:rPr lang="en-US" dirty="0" smtClean="0"/>
-              <a:t>What is this graph? ?How is it</a:t>
+              <a:t>Way</a:t>
             </a:r>
             <a:r>
               <a:rPr lang="en-US" baseline="0" dirty="0" smtClean="0"/>
-              <a:t> measured? What is your Y-axis? Need </a:t>
+              <a:t> too many terms that are not  defined:</a:t>
+            </a:r>
+          </a:p>
+          <a:p>
+            <a:pPr marL="171450" indent="-171450">
+              <a:buFontTx/>
+              <a:buChar char="-"/>
+            </a:pPr>
+            <a:r>
+              <a:rPr lang="en-US" baseline="0" dirty="0" smtClean="0"/>
+              <a:t>Predictive power</a:t>
+            </a:r>
+          </a:p>
+          <a:p>
+            <a:pPr marL="171450" indent="-171450">
+              <a:buFontTx/>
+              <a:buChar char="-"/>
+            </a:pPr>
+            <a:r>
+              <a:rPr lang="en-US" baseline="0" dirty="0" smtClean="0"/>
+              <a:t>- relative impact</a:t>
+            </a:r>
+          </a:p>
+          <a:p>
+            <a:pPr marL="171450" indent="-171450">
+              <a:buFontTx/>
+              <a:buChar char="-"/>
+            </a:pPr>
+            <a:r>
+              <a:rPr lang="en-US" baseline="0" dirty="0" smtClean="0"/>
+              <a:t>-effort saving</a:t>
+            </a:r>
+          </a:p>
+          <a:p>
+            <a:pPr marL="171450" indent="-171450">
+              <a:buFontTx/>
+              <a:buChar char="-"/>
+            </a:pPr>
+            <a:endParaRPr lang="en-US" baseline="0" dirty="0" smtClean="0"/>
+          </a:p>
+          <a:p>
+            <a:pPr marL="171450" indent="-171450">
+              <a:buFontTx/>
+              <a:buChar char="-"/>
+            </a:pPr>
+            <a:r>
+              <a:rPr lang="en-US" baseline="0" dirty="0" smtClean="0"/>
+              <a:t>Just remove all green stuff for now – you need to sell your work for now not the exact technique the exact </a:t>
             </a:r>
             <a:r>
               <a:rPr lang="en-US" baseline="0" dirty="0" err="1" smtClean="0"/>
-              <a:t>aslide</a:t>
+              <a:t>techqniue</a:t>
             </a:r>
             <a:r>
               <a:rPr lang="en-US" baseline="0" dirty="0" smtClean="0"/>
-              <a:t> before to explain how this graph is generated and what is the intuition behind it?</a:t>
+              <a:t> needs to be presented and detailed later on.</a:t>
+            </a:r>
+          </a:p>
+          <a:p>
+            <a:pPr marL="171450" indent="-171450">
+              <a:buFontTx/>
+              <a:buChar char="-"/>
+            </a:pPr>
+            <a:endParaRPr lang="en-US" baseline="0" dirty="0" smtClean="0"/>
+          </a:p>
+          <a:p>
+            <a:pPr marL="171450" indent="-171450">
+              <a:buFontTx/>
+              <a:buChar char="-"/>
+            </a:pPr>
+            <a:r>
+              <a:rPr lang="en-US" baseline="0" dirty="0" smtClean="0"/>
+              <a:t>Avoid Green text very hard on the eyes</a:t>
+            </a:r>
+          </a:p>
+          <a:p>
+            <a:pPr marL="171450" indent="-171450">
+              <a:buFontTx/>
+              <a:buChar char="-"/>
+            </a:pPr>
+            <a:endParaRPr lang="en-US" baseline="0" dirty="0" smtClean="0"/>
+          </a:p>
+          <a:p>
+            <a:pPr marL="171450" indent="-171450">
+              <a:buFontTx/>
+              <a:buChar char="-"/>
+            </a:pPr>
+            <a:r>
+              <a:rPr lang="en-US" baseline="0" dirty="0" smtClean="0"/>
+              <a:t> Also you never get back to these questions? These questions need to be answered later in your presentation (so the presentation should be around that structure and your conclusion should highlight these answers too)</a:t>
+            </a:r>
+          </a:p>
+          <a:p>
+            <a:endParaRPr lang="en-US" baseline="0" dirty="0" smtClean="0"/>
+          </a:p>
+          <a:p>
+            <a:pPr marL="171450" indent="-171450">
+              <a:buFontTx/>
+              <a:buChar char="-"/>
+            </a:pPr>
+            <a:r>
+              <a:rPr lang="en-US" baseline="0" dirty="0" smtClean="0"/>
+              <a:t>The black magic picture means that your methodology is black magic</a:t>
+            </a:r>
+          </a:p>
+          <a:p>
+            <a:pPr marL="171450" indent="-171450">
+              <a:buFontTx/>
+              <a:buChar char="-"/>
+            </a:pPr>
+            <a:r>
+              <a:rPr lang="en-US" baseline="0" dirty="0" smtClean="0"/>
+              <a:t>Predictors are a way to study this thing – your paper is not about predictors it is about studying what makes things happen. You are using prediction models as a tool for your study.</a:t>
+            </a:r>
+          </a:p>
+          <a:p>
+            <a:pPr marL="171450" indent="-171450">
+              <a:buFontTx/>
+              <a:buChar char="-"/>
+            </a:pPr>
+            <a:endParaRPr lang="en-US" baseline="0" dirty="0" smtClean="0"/>
+          </a:p>
+          <a:p>
+            <a:pPr marL="171450" indent="-171450">
+              <a:buFontTx/>
+              <a:buChar char="-"/>
+            </a:pPr>
+            <a:r>
+              <a:rPr lang="en-US" baseline="0" dirty="0" smtClean="0"/>
+              <a:t>What are the best predictors </a:t>
+            </a:r>
+            <a:r>
+              <a:rPr lang="en-US" baseline="0" dirty="0" smtClean="0">
+                <a:sym typeface="Wingdings" pitchFamily="2" charset="2"/>
+              </a:rPr>
+              <a:t> What </a:t>
             </a:r>
             <a:endParaRPr lang="en-US" dirty="0"/>
           </a:p>
@@ -5763,16 +5737,20 @@
           <a:bodyPr/>
           <a:lstStyle/>
           <a:p>
-            <a:fld id="{615DDCD5-70FA-4DAD-914E-3B82A70D0680}" type="slidenum">
+            <a:fld id="{E6ED7E99-8F0C-4C27-A997-5B1A3AD8947C}" type="slidenum">
               <a:rPr lang="en-US" smtClean="0"/>
-              <a:pPr/>
-              <a:t>15</a:t>
+              <a:t>14</a:t>
             </a:fld>
             <a:endParaRPr lang="en-US"/>
           </a:p>
         </p:txBody>
       </p:sp>
     </p:spTree>
+    <p:extLst>
+      <p:ext uri="{BB962C8B-B14F-4D97-AF65-F5344CB8AC3E}">
+        <p14:creationId xmlns:p14="http://schemas.microsoft.com/office/powerpoint/2010/main" val="1912563071"/>
+      </p:ext>
+    </p:extLst>
   </p:cSld>
   <p:clrMapOvr>
     <a:masterClrMapping/>
@@ -5821,151 +5799,35 @@
         </p:nvSpPr>
         <p:spPr/>
         <p:txBody>
-          <a:bodyPr/>
+          <a:bodyPr>
+            <a:normAutofit/>
+          </a:bodyPr>
           <a:lstStyle/>
           <a:p>
             <a:r>
               <a:rPr lang="en-US" dirty="0" smtClean="0"/>
-              <a:t>Way</a:t>
+              <a:t>Factors… may be say Causes?</a:t>
+            </a:r>
+          </a:p>
+          <a:p>
+            <a:endParaRPr lang="en-US" dirty="0" smtClean="0"/>
+          </a:p>
+          <a:p>
+            <a:r>
+              <a:rPr lang="en-US" dirty="0" smtClean="0"/>
+              <a:t>What is this graph? ?How is it</a:t>
             </a:r>
             <a:r>
               <a:rPr lang="en-US" baseline="0" dirty="0" smtClean="0"/>
-              <a:t> too many terms that are not  defined:</a:t>
-            </a:r>
-          </a:p>
-          <a:p>
-            <a:pPr marL="171450" indent="-171450">
-              <a:buFontTx/>
-              <a:buChar char="-"/>
-            </a:pPr>
+              <a:t> measured? What is your Y-axis? Need </a:t>
+            </a:r>
+            <a:r>
+              <a:rPr lang="en-US" baseline="0" dirty="0" err="1" smtClean="0"/>
+              <a:t>aslide</a:t>
+            </a:r>
             <a:r>
               <a:rPr lang="en-US" baseline="0" dirty="0" smtClean="0"/>
-              <a:t>Predictive power</a:t>
-            </a:r>
-          </a:p>
-          <a:p>
-            <a:pPr marL="171450" indent="-171450">
-              <a:buFontTx/>
-              <a:buChar char="-"/>
-            </a:pPr>
-            <a:r>
-              <a:rPr lang="en-US" baseline="0" dirty="0" smtClean="0"/>
-              <a:t>- relative impact</a:t>
-            </a:r>
-          </a:p>
-          <a:p>
-            <a:pPr marL="171450" indent="-171450">
-              <a:buFontTx/>
-              <a:buChar char="-"/>
-            </a:pPr>
-            <a:r>
-              <a:rPr lang="en-US" baseline="0" dirty="0" smtClean="0"/>
-              <a:t>-effort saving</a:t>
-            </a:r>
-          </a:p>
-          <a:p>
-            <a:pPr marL="171450" indent="-171450">
-              <a:buFontTx/>
-              <a:buChar char="-"/>
-            </a:pPr>
-            <a:endParaRPr lang="en-US" baseline="0" dirty="0" smtClean="0"/>
-          </a:p>
-          <a:p>
-            <a:pPr marL="171450" indent="-171450">
-              <a:buFontTx/>
-              <a:buChar char="-"/>
-            </a:pPr>
-            <a:r>
-              <a:rPr lang="en-US" baseline="0" dirty="0" smtClean="0"/>
-              <a:t>Just remove all green stuff for now – you need to sell your work for now not the exact technique the exact </a:t>
-            </a:r>
-            <a:r>
-              <a:rPr lang="en-US" baseline="0" dirty="0" err="1" smtClean="0"/>
-              <a:t>techqniue</a:t>
-            </a:r>
-            <a:r>
-              <a:rPr lang="en-US" baseline="0" dirty="0" smtClean="0"/>
-              <a:t> needs to be presented and detailed later on.</a:t>
-            </a:r>
-          </a:p>
-          <a:p>
-            <a:pPr marL="171450" indent="-171450">
-              <a:buFontTx/>
-              <a:buChar char="-"/>
-            </a:pPr>
-            <a:endParaRPr lang="en-US" baseline="0" dirty="0" smtClean="0"/>
-          </a:p>
-          <a:p>
-            <a:pPr marL="171450" indent="-171450">
-              <a:buFontTx/>
-              <a:buChar char="-"/>
-            </a:pPr>
-            <a:r>
-              <a:rPr lang="en-US" baseline="0" dirty="0" smtClean="0"/>
-              <a:t>Avoid Green text very hard on the eyes</a:t>
-            </a:r>
-          </a:p>
-          <a:p>
-            <a:pPr marL="171450" indent="-171450">
-              <a:buFontTx/>
-              <a:buChar char="-"/>
-            </a:pPr>
-            <a:endParaRPr lang="en-US" baseline="0" dirty="0" smtClean="0"/>
-          </a:p>
-          <a:p>
-            <a:pPr marL="171450" indent="-171450">
-              <a:buFontTx/>
-              <a:buChar char="-"/>
-            </a:pPr>
-            <a:r>
-              <a:rPr lang="en-US" baseline="0" dirty="0" smtClean="0"/>
-              <a:t> Also you never get back to these questions? These questions need to be answered later in your presentation (so the presentation should be around that structure and your conclusion should highlight these answers too)</a:t>
-            </a:r>
-          </a:p>
-          <a:p>
-            <a:endParaRPr lang="en-US" baseline="0" dirty="0" smtClean="0"/>
-          </a:p>
-          <a:p>
-            <a:pPr marL="171450" indent="-171450">
-              <a:buFontTx/>
-              <a:buChar char="-"/>
-            </a:pPr>
-            <a:r>
-              <a:rPr lang="en-US" baseline="0" dirty="0" smtClean="0"/>
-              <a:t>The black magic picture means that your methodology is black magic</a:t>
-            </a:r>
-          </a:p>
-          <a:p>
-            <a:pPr marL="171450" indent="-171450">
-              <a:buFontTx/>
-              <a:buChar char="-"/>
-            </a:pPr>
-            <a:r>
-              <a:rPr lang="en-US" baseline="0" dirty="0" smtClean="0"/>
-              <a:t>Predictors are a way to study this thing – your paper is not about predictors it is about studying what makes things happen. You are using prediction models as a tool for your study.</a:t>
-            </a:r>
-          </a:p>
-          <a:p>
-            <a:pPr marL="171450" indent="-171450">
-              <a:buFontTx/>
-              <a:buChar char="-"/>
-            </a:pPr>
-            <a:endParaRPr lang="en-US" baseline="0" dirty="0" smtClean="0"/>
-          </a:p>
-          <a:p>
-            <a:pPr marL="171450" indent="-171450">
-              <a:buFontTx/>
-              <a:buChar char="-"/>
-            </a:pPr>
-            <a:r>
-              <a:rPr lang="en-US" baseline="0" dirty="0" smtClean="0"/>
-              <a:t>What are the best predictors </a:t>
-            </a:r>
-            <a:r>
-              <a:rPr lang="en-US" baseline="0" dirty="0" smtClean="0">
-                <a:sym typeface="Wingdings" pitchFamily="2" charset="2"/>
-              </a:rPr>
-              <a:t> What </a:t>
+              <a:t> before to explain how this graph is generated and what is the intuition behind it?</a:t>
             </a:r>
             <a:endParaRPr lang="en-US" dirty="0"/>
           </a:p>
@@ -5986,8 +5848,9 @@
           <a:bodyPr/>
           <a:lstStyle/>
           <a:p>
-            <a:fld id="{E6ED7E99-8F0C-4C27-A997-5B1A3AD8947C}" type="slidenum">
+            <a:fld id="{615DDCD5-70FA-4DAD-914E-3B82A70D0680}" type="slidenum">
               <a:rPr lang="en-US" smtClean="0"/>
+              <a:pPr/>
               <a:t>16</a:t>
             </a:fld>
             <a:endParaRPr lang="en-US"/>
@@ -5995,11 +5858,6 @@
         </p:txBody>
       </p:sp>
     </p:spTree>
-    <p:extLst>
-      <p:ext uri="{BB962C8B-B14F-4D97-AF65-F5344CB8AC3E}">
-        <p14:creationId xmlns:p14="http://schemas.microsoft.com/office/powerpoint/2010/main" val="1912563071"/>
-      </p:ext>
-    </p:extLst>
   </p:cSld>
   <p:clrMapOvr>
     <a:masterClrMapping/>
@@ -6048,11 +5906,152 @@
         </p:nvSpPr>
         <p:spPr/>
         <p:txBody>
-          <a:bodyPr>
-            <a:normAutofit/>
-          </a:bodyPr>
-          <a:lstStyle/>
-          <a:p>
+          <a:bodyPr/>
+          <a:lstStyle/>
+          <a:p>
+            <a:r>
+              <a:rPr lang="en-US" dirty="0" smtClean="0"/>
+              <a:t>Way</a:t>
+            </a:r>
+            <a:r>
+              <a:rPr lang="en-US" baseline="0" dirty="0" smtClean="0"/>
+              <a:t> too many terms that are not  defined:</a:t>
+            </a:r>
+          </a:p>
+          <a:p>
+            <a:pPr marL="171450" indent="-171450">
+              <a:buFontTx/>
+              <a:buChar char="-"/>
+            </a:pPr>
+            <a:r>
+              <a:rPr lang="en-US" baseline="0" dirty="0" smtClean="0"/>
+              <a:t>Predictive power</a:t>
+            </a:r>
+          </a:p>
+          <a:p>
+            <a:pPr marL="171450" indent="-171450">
+              <a:buFontTx/>
+              <a:buChar char="-"/>
+            </a:pPr>
+            <a:r>
+              <a:rPr lang="en-US" baseline="0" dirty="0" smtClean="0"/>
+              <a:t>- relative impact</a:t>
+            </a:r>
+          </a:p>
+          <a:p>
+            <a:pPr marL="171450" indent="-171450">
+              <a:buFontTx/>
+              <a:buChar char="-"/>
+            </a:pPr>
+            <a:r>
+              <a:rPr lang="en-US" baseline="0" dirty="0" smtClean="0"/>
+              <a:t>-effort saving</a:t>
+            </a:r>
+          </a:p>
+          <a:p>
+            <a:pPr marL="171450" indent="-171450">
+              <a:buFontTx/>
+              <a:buChar char="-"/>
+            </a:pPr>
+            <a:endParaRPr lang="en-US" baseline="0" dirty="0" smtClean="0"/>
+          </a:p>
+          <a:p>
+            <a:pPr marL="171450" indent="-171450">
+              <a:buFontTx/>
+              <a:buChar char="-"/>
+            </a:pPr>
+            <a:r>
+              <a:rPr lang="en-US" baseline="0" dirty="0" smtClean="0"/>
+              <a:t>Just remove all green stuff for now – you need to sell your work for now not the exact technique the exact </a:t>
+            </a:r>
+            <a:r>
+              <a:rPr lang="en-US" baseline="0" dirty="0" err="1" smtClean="0"/>
+              <a:t>techqniue</a:t>
+            </a:r>
+            <a:r>
+              <a:rPr lang="en-US" baseline="0" dirty="0" smtClean="0"/>
+              <a:t> needs to be presented and detailed later on.</a:t>
+            </a:r>
+          </a:p>
+          <a:p>
+            <a:pPr marL="171450" indent="-171450">
+              <a:buFontTx/>
+              <a:buChar char="-"/>
+            </a:pPr>
+            <a:endParaRPr lang="en-US" baseline="0" dirty="0" smtClean="0"/>
+          </a:p>
+          <a:p>
+            <a:pPr marL="171450" indent="-171450">
+              <a:buFontTx/>
+              <a:buChar char="-"/>
+            </a:pPr>
+            <a:r>
+              <a:rPr lang="en-US" baseline="0" dirty="0" smtClean="0"/>
+              <a:t>Avoid Green text very hard on the eyes</a:t>
+            </a:r>
+          </a:p>
+          <a:p>
+            <a:pPr marL="171450" indent="-171450">
+              <a:buFontTx/>
+              <a:buChar char="-"/>
+            </a:pPr>
+            <a:endParaRPr lang="en-US" baseline="0" dirty="0" smtClean="0"/>
+          </a:p>
+          <a:p>
+            <a:pPr marL="171450" indent="-171450">
+              <a:buFontTx/>
+              <a:buChar char="-"/>
+            </a:pPr>
+            <a:r>
+              <a:rPr lang="en-US" baseline="0" dirty="0" smtClean="0"/>
+              <a:t> Also you never get back to these questions? These questions need to be answered later in your presentation (so the presentation should be around that structure and your conclusion should highlight these answers too)</a:t>
+            </a:r>
+          </a:p>
+          <a:p>
+            <a:endParaRPr lang="en-US" baseline="0" dirty="0" smtClean="0"/>
+          </a:p>
+          <a:p>
+            <a:pPr marL="171450" indent="-171450">
+              <a:buFontTx/>
+              <a:buChar char="-"/>
+            </a:pPr>
+            <a:r>
+              <a:rPr lang="en-US" baseline="0" dirty="0" smtClean="0"/>
+              <a:t>The black magic picture means that your methodology is black magic</a:t>
+            </a:r>
+          </a:p>
+          <a:p>
+            <a:pPr marL="171450" indent="-171450">
+              <a:buFontTx/>
+              <a:buChar char="-"/>
+            </a:pPr>
+            <a:r>
+              <a:rPr lang="en-US" baseline="0" dirty="0" smtClean="0"/>
+              <a:t>Predictors are a way to study this thing – your paper is not about predictors it is about studying what makes things happen. You are using prediction models as a tool for your study.</a:t>
+            </a:r>
+          </a:p>
+          <a:p>
+            <a:pPr marL="171450" indent="-171450">
+              <a:buFontTx/>
+              <a:buChar char="-"/>
+            </a:pPr>
+            <a:endParaRPr lang="en-US" baseline="0" dirty="0" smtClean="0"/>
+          </a:p>
+          <a:p>
+            <a:pPr marL="171450" indent="-171450">
+              <a:buFontTx/>
+              <a:buChar char="-"/>
+            </a:pPr>
+            <a:r>
+              <a:rPr lang="en-US" baseline="0" dirty="0" smtClean="0"/>
+              <a:t>What are the best predictors </a:t>
+            </a:r>
+            <a:r>
+              <a:rPr lang="en-US" baseline="0" dirty="0" smtClean="0">
+                <a:sym typeface="Wingdings" pitchFamily="2" charset="2"/>
+              </a:rPr>
+              <a:t> What </a:t>
+            </a:r>
             <a:endParaRPr lang="en-US" dirty="0"/>
           </a:p>
         </p:txBody>
@@ -6072,9 +6071,8 @@
           <a:bodyPr/>
           <a:lstStyle/>
           <a:p>
-            <a:fld id="{615DDCD5-70FA-4DAD-914E-3B82A70D0680}" type="slidenum">
+            <a:fld id="{E6ED7E99-8F0C-4C27-A997-5B1A3AD8947C}" type="slidenum">
               <a:rPr lang="en-US" smtClean="0"/>
-              <a:pPr/>
               <a:t>17</a:t>
             </a:fld>
             <a:endParaRPr lang="en-US"/>
@@ -6082,6 +6080,11 @@
         </p:txBody>
       </p:sp>
     </p:spTree>
+    <p:extLst>
+      <p:ext uri="{BB962C8B-B14F-4D97-AF65-F5344CB8AC3E}">
+        <p14:creationId xmlns:p14="http://schemas.microsoft.com/office/powerpoint/2010/main" val="1912563071"/>
+      </p:ext>
+    </p:extLst>
   </p:cSld>
   <p:clrMapOvr>
     <a:masterClrMapping/>
@@ -6135,20 +6138,6 @@
           </a:bodyPr>
           <a:lstStyle/>
           <a:p>
-            <a:r>
-              <a:rPr lang="en-US" dirty="0" smtClean="0"/>
-              <a:t>I do not</a:t>
-            </a:r>
-            <a:r>
-              <a:rPr lang="en-US" baseline="0" dirty="0" smtClean="0"/>
-              <a:t> get how you measured effort savings? </a:t>
-            </a:r>
-          </a:p>
-          <a:p>
-            <a:r>
-              <a:rPr lang="en-US" baseline="0" dirty="0" smtClean="0"/>
-              <a:t>What do you mean by File or LOC? Need a slide before this to explain what you are doing? In the last slide you said you are comparing false positives.. I do not see that I just see File and LOC</a:t>
-            </a:r>
             <a:endParaRPr lang="en-US" dirty="0"/>
           </a:p>
         </p:txBody>
@@ -6226,9 +6215,25 @@
         </p:nvSpPr>
         <p:spPr/>
         <p:txBody>
-          <a:bodyPr/>
-          <a:lstStyle/>
-          <a:p>
+          <a:bodyPr>
+            <a:normAutofit/>
+          </a:bodyPr>
+          <a:lstStyle/>
+          <a:p>
+            <a:r>
+              <a:rPr lang="en-US" dirty="0" smtClean="0"/>
+              <a:t>I do not</a:t>
+            </a:r>
+            <a:r>
+              <a:rPr lang="en-US" baseline="0" dirty="0" smtClean="0"/>
+              <a:t> get how you measured effort savings? </a:t>
+            </a:r>
+          </a:p>
+          <a:p>
+            <a:r>
+              <a:rPr lang="en-US" baseline="0" dirty="0" smtClean="0"/>
+              <a:t>What do you mean by File or LOC? Need a slide before this to explain what you are doing? In the last slide you said you are comparing false positives.. I do not see that I just see File and LOC</a:t>
+            </a:r>
             <a:endParaRPr lang="en-US" dirty="0"/>
           </a:p>
         </p:txBody>
@@ -6248,8 +6253,9 @@
           <a:bodyPr/>
           <a:lstStyle/>
           <a:p>
-            <a:fld id="{E6ED7E99-8F0C-4C27-A997-5B1A3AD8947C}" type="slidenum">
+            <a:fld id="{615DDCD5-70FA-4DAD-914E-3B82A70D0680}" type="slidenum">
               <a:rPr lang="en-US" smtClean="0"/>
+              <a:pPr/>
               <a:t>19</a:t>
             </a:fld>
             <a:endParaRPr lang="en-US"/>
@@ -6257,11 +6263,6 @@
         </p:txBody>
       </p:sp>
     </p:spTree>
-    <p:extLst>
-      <p:ext uri="{BB962C8B-B14F-4D97-AF65-F5344CB8AC3E}">
-        <p14:creationId xmlns:p14="http://schemas.microsoft.com/office/powerpoint/2010/main" val="1912563071"/>
-      </p:ext>
-    </p:extLst>
   </p:cSld>
   <p:clrMapOvr>
     <a:masterClrMapping/>
@@ -6332,9 +6333,9 @@
           <a:bodyPr/>
           <a:lstStyle/>
           <a:p>
-            <a:fld id="{2AB7F10F-8C69-4650-9BAB-C3AF03ED57C6}" type="slidenum">
+            <a:fld id="{E6ED7E99-8F0C-4C27-A997-5B1A3AD8947C}" type="slidenum">
               <a:rPr lang="en-US" smtClean="0"/>
-              <a:t>22</a:t>
+              <a:t>20</a:t>
             </a:fld>
             <a:endParaRPr lang="en-US"/>
           </a:p>
@@ -6343,7 +6344,7 @@
     </p:spTree>
     <p:extLst>
       <p:ext uri="{BB962C8B-B14F-4D97-AF65-F5344CB8AC3E}">
-        <p14:creationId xmlns:p14="http://schemas.microsoft.com/office/powerpoint/2010/main" val="3844643663"/>
+        <p14:creationId xmlns:p14="http://schemas.microsoft.com/office/powerpoint/2010/main" val="1912563071"/>
       </p:ext>
     </p:extLst>
   </p:cSld>
@@ -6394,44 +6395,9 @@
         </p:nvSpPr>
         <p:spPr/>
         <p:txBody>
-          <a:bodyPr>
-            <a:normAutofit/>
-          </a:bodyPr>
-          <a:lstStyle/>
-          <a:p>
-            <a:r>
-              <a:rPr lang="en-US" dirty="0" smtClean="0"/>
-              <a:t>Have one model box</a:t>
-            </a:r>
-          </a:p>
-          <a:p>
-            <a:endParaRPr lang="en-US" dirty="0" smtClean="0"/>
-          </a:p>
-          <a:p>
-            <a:r>
-              <a:rPr lang="en-US" dirty="0" smtClean="0"/>
-              <a:t>Then have </a:t>
-            </a:r>
-            <a:r>
-              <a:rPr lang="en-US" dirty="0" err="1" smtClean="0"/>
-              <a:t>angeled</a:t>
-            </a:r>
-            <a:r>
-              <a:rPr lang="en-US" dirty="0" smtClean="0"/>
-              <a:t> input so both inputs</a:t>
-            </a:r>
-            <a:r>
-              <a:rPr lang="en-US" baseline="0" dirty="0" smtClean="0"/>
-              <a:t> and output are visible.. </a:t>
-            </a:r>
-            <a:r>
-              <a:rPr lang="en-US" baseline="0" dirty="0" err="1" smtClean="0"/>
-              <a:t>Ie</a:t>
-            </a:r>
-            <a:r>
-              <a:rPr lang="en-US" baseline="0" dirty="0" smtClean="0"/>
-              <a:t>. have two lines in and two lines out.</a:t>
-            </a:r>
+          <a:bodyPr/>
+          <a:lstStyle/>
+          <a:p>
             <a:endParaRPr lang="en-US" dirty="0"/>
           </a:p>
         </p:txBody>
@@ -6451,9 +6417,8 @@
           <a:bodyPr/>
           <a:lstStyle/>
           <a:p>
-            <a:fld id="{615DDCD5-70FA-4DAD-914E-3B82A70D0680}" type="slidenum">
+            <a:fld id="{2AB7F10F-8C69-4650-9BAB-C3AF03ED57C6}" type="slidenum">
               <a:rPr lang="en-US" smtClean="0"/>
-              <a:pPr/>
               <a:t>23</a:t>
             </a:fld>
             <a:endParaRPr lang="en-US"/>
@@ -6461,6 +6426,11 @@
         </p:txBody>
       </p:sp>
     </p:spTree>
+    <p:extLst>
+      <p:ext uri="{BB962C8B-B14F-4D97-AF65-F5344CB8AC3E}">
+        <p14:creationId xmlns:p14="http://schemas.microsoft.com/office/powerpoint/2010/main" val="3844643663"/>
+      </p:ext>
+    </p:extLst>
   </p:cSld>
   <p:clrMapOvr>
     <a:masterClrMapping/>
@@ -6514,6 +6484,64 @@
           </a:bodyPr>
           <a:lstStyle/>
           <a:p>
+            <a:r>
+              <a:rPr lang="en-US" dirty="0" smtClean="0"/>
+              <a:t>We know that many factors can cause technical debt,</a:t>
+            </a:r>
+            <a:r>
+              <a:rPr lang="en-US" baseline="0" dirty="0" smtClean="0"/>
+              <a:t> such as:</a:t>
+            </a:r>
+          </a:p>
+          <a:p>
+            <a:pPr marL="0" indent="0">
+              <a:buFontTx/>
+              <a:buNone/>
+            </a:pPr>
+            <a:r>
+              <a:rPr lang="en-US" baseline="0" dirty="0" smtClean="0"/>
+              <a:t>[Click] Short deadlines </a:t>
+            </a:r>
+          </a:p>
+          <a:p>
+            <a:pPr marL="0" indent="0">
+              <a:buFontTx/>
+              <a:buNone/>
+            </a:pPr>
+            <a:r>
+              <a:rPr lang="en-US" baseline="0" dirty="0" smtClean="0"/>
+              <a:t>[Click] Complex changes</a:t>
+            </a:r>
+          </a:p>
+          <a:p>
+            <a:pPr marL="0" indent="0">
+              <a:buFontTx/>
+              <a:buNone/>
+            </a:pPr>
+            <a:r>
+              <a:rPr lang="en-US" baseline="0" dirty="0" smtClean="0"/>
+              <a:t>[Click] Lack of proper knowledge </a:t>
+            </a:r>
+          </a:p>
+          <a:p>
+            <a:pPr marL="0" indent="0">
+              <a:buFontTx/>
+              <a:buNone/>
+            </a:pPr>
+            <a:r>
+              <a:rPr lang="en-US" baseline="0" dirty="0" smtClean="0"/>
+              <a:t>[Click] Are common causes of Technical Debt. Once we know that these factors are likely unavoidable [Click] How cab we keep track of technical debt in our projects. </a:t>
+            </a:r>
+          </a:p>
+          <a:p>
+            <a:pPr marL="0" indent="0">
+              <a:buFontTx/>
+              <a:buNone/>
+            </a:pPr>
+            <a:r>
+              <a:rPr lang="en-US" baseline="0" dirty="0" smtClean="0"/>
+              <a:t> </a:t>
+            </a:r>
             <a:endParaRPr lang="en-US" dirty="0"/>
           </a:p>
         </p:txBody>
@@ -6596,6 +6624,39 @@
           </a:bodyPr>
           <a:lstStyle/>
           <a:p>
+            <a:r>
+              <a:rPr lang="en-US" dirty="0" smtClean="0"/>
+              <a:t>Have one model box</a:t>
+            </a:r>
+          </a:p>
+          <a:p>
+            <a:endParaRPr lang="en-US" dirty="0" smtClean="0"/>
+          </a:p>
+          <a:p>
+            <a:r>
+              <a:rPr lang="en-US" dirty="0" smtClean="0"/>
+              <a:t>Then have </a:t>
+            </a:r>
+            <a:r>
+              <a:rPr lang="en-US" dirty="0" err="1" smtClean="0"/>
+              <a:t>angeled</a:t>
+            </a:r>
+            <a:r>
+              <a:rPr lang="en-US" dirty="0" smtClean="0"/>
+              <a:t> input so both inputs</a:t>
+            </a:r>
+            <a:r>
+              <a:rPr lang="en-US" baseline="0" dirty="0" smtClean="0"/>
+              <a:t> and output are visible.. </a:t>
+            </a:r>
+            <a:r>
+              <a:rPr lang="en-US" baseline="0" dirty="0" err="1" smtClean="0"/>
+              <a:t>Ie</a:t>
+            </a:r>
+            <a:r>
+              <a:rPr lang="en-US" baseline="0" dirty="0" smtClean="0"/>
+              <a:t>. have two lines in and two lines out.</a:t>
+            </a:r>
             <a:endParaRPr lang="en-US" dirty="0"/>
           </a:p>
         </p:txBody>
@@ -6673,7 +6734,9 @@
         </p:nvSpPr>
         <p:spPr/>
         <p:txBody>
-          <a:bodyPr/>
+          <a:bodyPr>
+            <a:normAutofit/>
+          </a:bodyPr>
           <a:lstStyle/>
           <a:p>
             <a:endParaRPr lang="en-US" dirty="0"/>
@@ -6695,8 +6758,9 @@
           <a:bodyPr/>
           <a:lstStyle/>
           <a:p>
-            <a:fld id="{E6ED7E99-8F0C-4C27-A997-5B1A3AD8947C}" type="slidenum">
+            <a:fld id="{615DDCD5-70FA-4DAD-914E-3B82A70D0680}" type="slidenum">
               <a:rPr lang="en-US" smtClean="0"/>
+              <a:pPr/>
               <a:t>25</a:t>
             </a:fld>
             <a:endParaRPr lang="en-US"/>
@@ -6704,11 +6768,6 @@
         </p:txBody>
       </p:sp>
     </p:spTree>
-    <p:extLst>
-      <p:ext uri="{BB962C8B-B14F-4D97-AF65-F5344CB8AC3E}">
-        <p14:creationId xmlns:p14="http://schemas.microsoft.com/office/powerpoint/2010/main" val="1912563071"/>
-      </p:ext>
-    </p:extLst>
   </p:cSld>
   <p:clrMapOvr>
     <a:masterClrMapping/>
@@ -6760,14 +6819,6 @@
           <a:bodyPr/>
           <a:lstStyle/>
           <a:p>
-            <a:r>
-              <a:rPr lang="en-US" dirty="0" smtClean="0"/>
-              <a:t>I would use</a:t>
-            </a:r>
-            <a:r>
-              <a:rPr lang="en-US" baseline="0" dirty="0" smtClean="0"/>
-              <a:t> the overview running slide here and have below each point – the take home</a:t>
-            </a:r>
             <a:endParaRPr lang="en-US" dirty="0"/>
           </a:p>
         </p:txBody>
@@ -6787,7 +6838,7 @@
           <a:bodyPr/>
           <a:lstStyle/>
           <a:p>
-            <a:fld id="{2AB7F10F-8C69-4650-9BAB-C3AF03ED57C6}" type="slidenum">
+            <a:fld id="{E6ED7E99-8F0C-4C27-A997-5B1A3AD8947C}" type="slidenum">
               <a:rPr lang="en-US" smtClean="0"/>
               <a:t>26</a:t>
             </a:fld>
@@ -6798,7 +6849,7 @@
     </p:spTree>
     <p:extLst>
       <p:ext uri="{BB962C8B-B14F-4D97-AF65-F5344CB8AC3E}">
-        <p14:creationId xmlns:p14="http://schemas.microsoft.com/office/powerpoint/2010/main" val="874477467"/>
+        <p14:creationId xmlns:p14="http://schemas.microsoft.com/office/powerpoint/2010/main" val="1912563071"/>
       </p:ext>
     </p:extLst>
   </p:cSld>
@@ -6852,6 +6903,14 @@
           <a:bodyPr/>
           <a:lstStyle/>
           <a:p>
+            <a:r>
+              <a:rPr lang="en-US" dirty="0" smtClean="0"/>
+              <a:t>I would use</a:t>
+            </a:r>
+            <a:r>
+              <a:rPr lang="en-US" baseline="0" dirty="0" smtClean="0"/>
+              <a:t> the overview running slide here and have below each point – the take home</a:t>
+            </a:r>
             <a:endParaRPr lang="en-US" dirty="0"/>
           </a:p>
         </p:txBody>
@@ -6871,7 +6930,7 @@
           <a:bodyPr/>
           <a:lstStyle/>
           <a:p>
-            <a:fld id="{E6ED7E99-8F0C-4C27-A997-5B1A3AD8947C}" type="slidenum">
+            <a:fld id="{2AB7F10F-8C69-4650-9BAB-C3AF03ED57C6}" type="slidenum">
               <a:rPr lang="en-US" smtClean="0"/>
               <a:t>27</a:t>
             </a:fld>
@@ -6882,7 +6941,7 @@
     </p:spTree>
     <p:extLst>
       <p:ext uri="{BB962C8B-B14F-4D97-AF65-F5344CB8AC3E}">
-        <p14:creationId xmlns:p14="http://schemas.microsoft.com/office/powerpoint/2010/main" val="2400778921"/>
+        <p14:creationId xmlns:p14="http://schemas.microsoft.com/office/powerpoint/2010/main" val="874477467"/>
       </p:ext>
     </p:extLst>
   </p:cSld>
@@ -6933,12 +6992,10 @@
         </p:nvSpPr>
         <p:spPr/>
         <p:txBody>
-          <a:bodyPr>
-            <a:normAutofit/>
-          </a:bodyPr>
-          <a:lstStyle/>
-          <a:p>
-            <a:endParaRPr lang="en-US"/>
+          <a:bodyPr/>
+          <a:lstStyle/>
+          <a:p>
+            <a:endParaRPr lang="en-US" dirty="0"/>
           </a:p>
         </p:txBody>
       </p:sp>
@@ -6957,9 +7014,8 @@
           <a:bodyPr/>
           <a:lstStyle/>
           <a:p>
-            <a:fld id="{615DDCD5-70FA-4DAD-914E-3B82A70D0680}" type="slidenum">
+            <a:fld id="{E6ED7E99-8F0C-4C27-A997-5B1A3AD8947C}" type="slidenum">
               <a:rPr lang="en-US" smtClean="0"/>
-              <a:pPr/>
               <a:t>28</a:t>
             </a:fld>
             <a:endParaRPr lang="en-US"/>
@@ -6967,6 +7023,11 @@
         </p:txBody>
       </p:sp>
     </p:spTree>
+    <p:extLst>
+      <p:ext uri="{BB962C8B-B14F-4D97-AF65-F5344CB8AC3E}">
+        <p14:creationId xmlns:p14="http://schemas.microsoft.com/office/powerpoint/2010/main" val="2400778921"/>
+      </p:ext>
+    </p:extLst>
   </p:cSld>
   <p:clrMapOvr>
     <a:masterClrMapping/>
@@ -7594,15 +7655,7 @@
           </a:bodyPr>
           <a:lstStyle/>
           <a:p>
-            <a:r>
-              <a:rPr lang="en-US" dirty="0" smtClean="0"/>
-              <a:t>Put a basic model of how defect prediction works and how people use it, so</a:t>
-            </a:r>
-            <a:r>
-              <a:rPr lang="en-US" baseline="0" dirty="0" smtClean="0"/>
-              <a:t> attendees understand what defect prediction is about – not everyone knows this stuff</a:t>
-            </a:r>
-            <a:endParaRPr lang="en-US" dirty="0"/>
+            <a:endParaRPr lang="en-US"/>
           </a:p>
         </p:txBody>
       </p:sp>
@@ -7686,11 +7739,11 @@
           <a:p>
             <a:r>
               <a:rPr lang="en-US" dirty="0" smtClean="0"/>
-              <a:t>How is this slide related to previous</a:t>
+              <a:t>Put a basic model of how defect prediction works and how people use it, so</a:t>
             </a:r>
             <a:r>
               <a:rPr lang="en-US" baseline="0" dirty="0" smtClean="0"/>
-              <a:t> one? </a:t>
+              <a:t> attendees understand what defect prediction is about – not everyone knows this stuff</a:t>
             </a:r>
             <a:endParaRPr lang="en-US" dirty="0"/>
           </a:p>
@@ -7769,6 +7822,96 @@
         </p:nvSpPr>
         <p:spPr/>
         <p:txBody>
+          <a:bodyPr>
+            <a:normAutofit/>
+          </a:bodyPr>
+          <a:lstStyle/>
+          <a:p>
+            <a:r>
+              <a:rPr lang="en-US" dirty="0" smtClean="0"/>
+              <a:t>How is this slide related to previous</a:t>
+            </a:r>
+            <a:r>
+              <a:rPr lang="en-US" baseline="0" dirty="0" smtClean="0"/>
+              <a:t> one? </a:t>
+            </a:r>
+            <a:endParaRPr lang="en-US" dirty="0"/>
+          </a:p>
+        </p:txBody>
+      </p:sp>
+      <p:sp>
+        <p:nvSpPr>
+          <p:cNvPr id="4" name="Slide Number Placeholder 3"/>
+          <p:cNvSpPr>
+            <a:spLocks noGrp="1"/>
+          </p:cNvSpPr>
+          <p:nvPr>
+            <p:ph type="sldNum" sz="quarter" idx="10"/>
+          </p:nvPr>
+        </p:nvSpPr>
+        <p:spPr/>
+        <p:txBody>
+          <a:bodyPr/>
+          <a:lstStyle/>
+          <a:p>
+            <a:fld id="{615DDCD5-70FA-4DAD-914E-3B82A70D0680}" type="slidenum">
+              <a:rPr lang="en-US" smtClean="0"/>
+              <a:pPr/>
+              <a:t>37</a:t>
+            </a:fld>
+            <a:endParaRPr lang="en-US"/>
+          </a:p>
+        </p:txBody>
+      </p:sp>
+    </p:spTree>
+  </p:cSld>
+  <p:clrMapOvr>
+    <a:masterClrMapping/>
+  </p:clrMapOvr>
+</p:notes>
+</file>
+
+<file path=ppt/notesSlides/notesSlide34.xml><?xml version="1.0" encoding="utf-8"?>
+<p:notes xmlns:a="http://schemas.openxmlformats.org/drawingml/2006/main" xmlns:r="http://schemas.openxmlformats.org/officeDocument/2006/relationships" xmlns:p="http://schemas.openxmlformats.org/presentationml/2006/main">
+  <p:cSld>
+    <p:spTree>
+      <p:nvGrpSpPr>
+        <p:cNvPr id="1" name=""/>
+        <p:cNvGrpSpPr/>
+        <p:nvPr/>
+      </p:nvGrpSpPr>
+      <p:grpSpPr>
+        <a:xfrm>
+          <a:off x="0" y="0"/>
+          <a:ext cx="0" cy="0"/>
+          <a:chOff x="0" y="0"/>
+          <a:chExt cx="0" cy="0"/>
+        </a:xfrm>
+      </p:grpSpPr>
+      <p:sp>
+        <p:nvSpPr>
+          <p:cNvPr id="2" name="Slide Image Placeholder 1"/>
+          <p:cNvSpPr>
+            <a:spLocks noGrp="1" noRot="1" noChangeAspect="1"/>
+          </p:cNvSpPr>
+          <p:nvPr>
+            <p:ph type="sldImg"/>
+          </p:nvPr>
+        </p:nvSpPr>
+        <p:spPr/>
+      </p:sp>
+      <p:sp>
+        <p:nvSpPr>
+          <p:cNvPr id="3" name="Notes Placeholder 2"/>
+          <p:cNvSpPr>
+            <a:spLocks noGrp="1"/>
+          </p:cNvSpPr>
+          <p:nvPr>
+            <p:ph type="body" idx="1"/>
+          </p:nvPr>
+        </p:nvSpPr>
+        <p:spPr/>
+        <p:txBody>
           <a:bodyPr/>
           <a:lstStyle/>
           <a:p>
@@ -7855,7 +7998,7 @@
           <a:p>
             <a:fld id="{2AB7F10F-8C69-4650-9BAB-C3AF03ED57C6}" type="slidenum">
               <a:rPr lang="en-US" smtClean="0"/>
-              <a:t>38</a:t>
+              <a:t>39</a:t>
             </a:fld>
             <a:endParaRPr lang="en-US"/>
           </a:p>
@@ -7920,7 +8063,7 @@
           </a:bodyPr>
           <a:lstStyle/>
           <a:p>
-            <a:endParaRPr lang="en-US"/>
+            <a:endParaRPr lang="en-US" dirty="0"/>
           </a:p>
         </p:txBody>
       </p:sp>
@@ -7997,10 +8140,12 @@
         </p:nvSpPr>
         <p:spPr/>
         <p:txBody>
-          <a:bodyPr/>
-          <a:lstStyle/>
-          <a:p>
-            <a:endParaRPr lang="en-US" dirty="0"/>
+          <a:bodyPr>
+            <a:normAutofit/>
+          </a:bodyPr>
+          <a:lstStyle/>
+          <a:p>
+            <a:endParaRPr lang="en-US"/>
           </a:p>
         </p:txBody>
       </p:sp>
@@ -8019,8 +8164,9 @@
           <a:bodyPr/>
           <a:lstStyle/>
           <a:p>
-            <a:fld id="{2AB7F10F-8C69-4650-9BAB-C3AF03ED57C6}" type="slidenum">
+            <a:fld id="{615DDCD5-70FA-4DAD-914E-3B82A70D0680}" type="slidenum">
               <a:rPr lang="en-US" smtClean="0"/>
+              <a:pPr/>
               <a:t>5</a:t>
             </a:fld>
             <a:endParaRPr lang="en-US"/>
@@ -8028,11 +8174,6 @@
         </p:txBody>
       </p:sp>
     </p:spTree>
-    <p:extLst>
-      <p:ext uri="{BB962C8B-B14F-4D97-AF65-F5344CB8AC3E}">
-        <p14:creationId xmlns:p14="http://schemas.microsoft.com/office/powerpoint/2010/main" val="3935785873"/>
-      </p:ext>
-    </p:extLst>
   </p:cSld>
   <p:clrMapOvr>
     <a:masterClrMapping/>
@@ -8081,12 +8222,10 @@
         </p:nvSpPr>
         <p:spPr/>
         <p:txBody>
-          <a:bodyPr>
-            <a:normAutofit/>
-          </a:bodyPr>
-          <a:lstStyle/>
-          <a:p>
-            <a:endParaRPr lang="en-US"/>
+          <a:bodyPr/>
+          <a:lstStyle/>
+          <a:p>
+            <a:endParaRPr lang="en-US" dirty="0"/>
           </a:p>
         </p:txBody>
       </p:sp>
@@ -8105,9 +8244,8 @@
           <a:bodyPr/>
           <a:lstStyle/>
           <a:p>
-            <a:fld id="{615DDCD5-70FA-4DAD-914E-3B82A70D0680}" type="slidenum">
+            <a:fld id="{2AB7F10F-8C69-4650-9BAB-C3AF03ED57C6}" type="slidenum">
               <a:rPr lang="en-US" smtClean="0"/>
-              <a:pPr/>
               <a:t>6</a:t>
             </a:fld>
             <a:endParaRPr lang="en-US"/>
@@ -8115,6 +8253,11 @@
         </p:txBody>
       </p:sp>
     </p:spTree>
+    <p:extLst>
+      <p:ext uri="{BB962C8B-B14F-4D97-AF65-F5344CB8AC3E}">
+        <p14:creationId xmlns:p14="http://schemas.microsoft.com/office/powerpoint/2010/main" val="3935785873"/>
+      </p:ext>
+    </p:extLst>
   </p:cSld>
   <p:clrMapOvr>
     <a:masterClrMapping/>
@@ -8163,10 +8306,12 @@
         </p:nvSpPr>
         <p:spPr/>
         <p:txBody>
-          <a:bodyPr/>
-          <a:lstStyle/>
-          <a:p>
-            <a:endParaRPr lang="en-US" dirty="0"/>
+          <a:bodyPr>
+            <a:normAutofit/>
+          </a:bodyPr>
+          <a:lstStyle/>
+          <a:p>
+            <a:endParaRPr lang="en-US"/>
           </a:p>
         </p:txBody>
       </p:sp>
@@ -8185,8 +8330,9 @@
           <a:bodyPr/>
           <a:lstStyle/>
           <a:p>
-            <a:fld id="{E6ED7E99-8F0C-4C27-A997-5B1A3AD8947C}" type="slidenum">
+            <a:fld id="{615DDCD5-70FA-4DAD-914E-3B82A70D0680}" type="slidenum">
               <a:rPr lang="en-US" smtClean="0"/>
+              <a:pPr/>
               <a:t>7</a:t>
             </a:fld>
             <a:endParaRPr lang="en-US"/>
@@ -8194,11 +8340,6 @@
         </p:txBody>
       </p:sp>
     </p:spTree>
-    <p:extLst>
-      <p:ext uri="{BB962C8B-B14F-4D97-AF65-F5344CB8AC3E}">
-        <p14:creationId xmlns:p14="http://schemas.microsoft.com/office/powerpoint/2010/main" val="1912563071"/>
-      </p:ext>
-    </p:extLst>
   </p:cSld>
   <p:clrMapOvr>
     <a:masterClrMapping/>
@@ -8247,12 +8388,10 @@
         </p:nvSpPr>
         <p:spPr/>
         <p:txBody>
-          <a:bodyPr>
-            <a:normAutofit/>
-          </a:bodyPr>
-          <a:lstStyle/>
-          <a:p>
-            <a:endParaRPr lang="en-US" dirty="0" smtClean="0"/>
+          <a:bodyPr/>
+          <a:lstStyle/>
+          <a:p>
+            <a:endParaRPr lang="en-US" dirty="0"/>
           </a:p>
         </p:txBody>
       </p:sp>
@@ -8271,9 +8410,8 @@
           <a:bodyPr/>
           <a:lstStyle/>
           <a:p>
-            <a:fld id="{615DDCD5-70FA-4DAD-914E-3B82A70D0680}" type="slidenum">
+            <a:fld id="{E6ED7E99-8F0C-4C27-A997-5B1A3AD8947C}" type="slidenum">
               <a:rPr lang="en-US" smtClean="0"/>
-              <a:pPr/>
               <a:t>8</a:t>
             </a:fld>
             <a:endParaRPr lang="en-US"/>
@@ -8281,6 +8419,11 @@
         </p:txBody>
       </p:sp>
     </p:spTree>
+    <p:extLst>
+      <p:ext uri="{BB962C8B-B14F-4D97-AF65-F5344CB8AC3E}">
+        <p14:creationId xmlns:p14="http://schemas.microsoft.com/office/powerpoint/2010/main" val="1912563071"/>
+      </p:ext>
+    </p:extLst>
   </p:cSld>
   <p:clrMapOvr>
     <a:masterClrMapping/>
@@ -8329,10 +8472,12 @@
         </p:nvSpPr>
         <p:spPr/>
         <p:txBody>
-          <a:bodyPr/>
-          <a:lstStyle/>
-          <a:p>
-            <a:endParaRPr lang="en-US" dirty="0"/>
+          <a:bodyPr>
+            <a:normAutofit/>
+          </a:bodyPr>
+          <a:lstStyle/>
+          <a:p>
+            <a:endParaRPr lang="en-US" dirty="0" smtClean="0"/>
           </a:p>
         </p:txBody>
       </p:sp>
@@ -8351,8 +8496,9 @@
           <a:bodyPr/>
           <a:lstStyle/>
           <a:p>
-            <a:fld id="{E6ED7E99-8F0C-4C27-A997-5B1A3AD8947C}" type="slidenum">
+            <a:fld id="{615DDCD5-70FA-4DAD-914E-3B82A70D0680}" type="slidenum">
               <a:rPr lang="en-US" smtClean="0"/>
+              <a:pPr/>
               <a:t>9</a:t>
             </a:fld>
             <a:endParaRPr lang="en-US"/>
@@ -8360,11 +8506,6 @@
         </p:txBody>
       </p:sp>
     </p:spTree>
-    <p:extLst>
-      <p:ext uri="{BB962C8B-B14F-4D97-AF65-F5344CB8AC3E}">
-        <p14:creationId xmlns:p14="http://schemas.microsoft.com/office/powerpoint/2010/main" val="1912563071"/>
-      </p:ext>
-    </p:extLst>
   </p:cSld>
   <p:clrMapOvr>
     <a:masterClrMapping/>
@@ -8553,7 +8694,7 @@
           <a:p>
             <a:fld id="{E74D2AA0-0B78-413C-ADDA-356376AB8C18}" type="datetime1">
               <a:rPr lang="en-US" smtClean="0"/>
-              <a:t>15-09-11</a:t>
+              <a:t>15-09-14</a:t>
             </a:fld>
             <a:endParaRPr lang="en-US"/>
           </a:p>
@@ -8723,7 +8864,7 @@
           <a:p>
             <a:fld id="{7D60F9F7-C409-4ECA-9FBE-D0EB9FCCAED1}" type="datetime1">
               <a:rPr lang="en-US" smtClean="0"/>
-              <a:t>15-09-11</a:t>
+              <a:t>15-09-14</a:t>
             </a:fld>
             <a:endParaRPr lang="en-US"/>
           </a:p>
@@ -8903,7 +9044,7 @@
           <a:p>
             <a:fld id="{5DADBEDD-1009-40F8-97B1-22035AE2BDFB}" type="datetime1">
               <a:rPr lang="en-US" smtClean="0"/>
-              <a:t>15-09-11</a:t>
+              <a:t>15-09-14</a:t>
             </a:fld>
             <a:endParaRPr lang="en-US"/>
           </a:p>
@@ -9073,7 +9214,7 @@
           <a:p>
             <a:fld id="{E39F5408-76C5-47F2-83C0-A2FF62D2D22E}" type="datetime1">
               <a:rPr lang="en-US" smtClean="0"/>
-              <a:t>15-09-11</a:t>
+              <a:t>15-09-14</a:t>
             </a:fld>
             <a:endParaRPr lang="en-US"/>
           </a:p>
@@ -9319,7 +9460,7 @@
           <a:p>
             <a:fld id="{594550B6-3746-45CB-8A7A-A790C7E014CF}" type="datetime1">
               <a:rPr lang="en-US" smtClean="0"/>
-              <a:t>15-09-11</a:t>
+              <a:t>15-09-14</a:t>
             </a:fld>
             <a:endParaRPr lang="en-US"/>
           </a:p>
@@ -9607,7 +9748,7 @@
           <a:p>
             <a:fld id="{AC89A5E4-73D2-4075-A54C-BC67DEE35A58}" type="datetime1">
               <a:rPr lang="en-US" smtClean="0"/>
-              <a:t>15-09-11</a:t>
+              <a:t>15-09-14</a:t>
             </a:fld>
             <a:endParaRPr lang="en-US"/>
           </a:p>
@@ -10029,7 +10170,7 @@
           <a:p>
             <a:fld id="{577323D9-BC63-4B53-BC59-4D04BBE5B583}" type="datetime1">
               <a:rPr lang="en-US" smtClean="0"/>
-              <a:t>15-09-11</a:t>
+              <a:t>15-09-14</a:t>
             </a:fld>
             <a:endParaRPr lang="en-US"/>
           </a:p>
@@ -10147,7 +10288,7 @@
           <a:p>
             <a:fld id="{17B18866-457E-457D-9D3A-1D6674F5B452}" type="datetime1">
               <a:rPr lang="en-US" smtClean="0"/>
-              <a:t>15-09-11</a:t>
+              <a:t>15-09-14</a:t>
             </a:fld>
             <a:endParaRPr lang="en-US"/>
           </a:p>
@@ -10242,7 +10383,7 @@
           <a:p>
             <a:fld id="{426035C5-1C1E-47FB-B995-541F19E3707A}" type="datetime1">
               <a:rPr lang="en-US" smtClean="0"/>
-              <a:t>15-09-11</a:t>
+              <a:t>15-09-14</a:t>
             </a:fld>
             <a:endParaRPr lang="en-US"/>
           </a:p>
@@ -10519,7 +10660,7 @@
           <a:p>
             <a:fld id="{9AD43BF0-A7E9-4F36-90FC-795F3C656C52}" type="datetime1">
               <a:rPr lang="en-US" smtClean="0"/>
-              <a:t>15-09-11</a:t>
+              <a:t>15-09-14</a:t>
             </a:fld>
             <a:endParaRPr lang="en-US"/>
           </a:p>
@@ -10772,7 +10913,7 @@
           <a:p>
             <a:fld id="{3B7A8E21-6F96-45A7-AF29-3B4F28A30A9C}" type="datetime1">
               <a:rPr lang="en-US" smtClean="0"/>
-              <a:t>15-09-11</a:t>
+              <a:t>15-09-14</a:t>
             </a:fld>
             <a:endParaRPr lang="en-US"/>
           </a:p>
@@ -10985,7 +11126,7 @@
           <a:p>
             <a:fld id="{0801BC05-E60A-4859-8F74-E03A3216BDB4}" type="datetime1">
               <a:rPr lang="en-US" smtClean="0"/>
-              <a:t>15-09-11</a:t>
+              <a:t>15-09-14</a:t>
             </a:fld>
             <a:endParaRPr lang="en-US"/>
           </a:p>
@@ -11391,11 +11532,6 @@
               </a:rPr>
               <a:t>Detecting and Quantifying Different Types of Self-Admitted Technical Debt</a:t>
             </a:r>
-            <a:endParaRPr lang="en-US" b="1" dirty="0">
-              <a:solidFill>
-                <a:srgbClr val="C00000"/>
-              </a:solidFill>
-            </a:endParaRPr>
           </a:p>
         </p:txBody>
       </p:sp>
@@ -11451,7 +11587,7 @@
         </p:blipFill>
         <p:spPr>
           <a:xfrm>
-            <a:off x="4800600" y="5181600"/>
+            <a:off x="4953000" y="5181600"/>
             <a:ext cx="3656594" cy="1524000"/>
           </a:xfrm>
           <a:prstGeom prst="rect">
@@ -11660,11 +11796,6 @@
               </a:rPr>
               <a:t>and Emad Shihab</a:t>
             </a:r>
-            <a:endParaRPr lang="en-US" sz="2000" dirty="0" smtClean="0">
-              <a:solidFill>
-                <a:schemeClr val="tx1"/>
-              </a:solidFill>
-            </a:endParaRPr>
           </a:p>
         </p:txBody>
       </p:sp>
@@ -11707,6 +11838,521 @@
       </p:grpSpPr>
       <p:sp>
         <p:nvSpPr>
+          <p:cNvPr id="2" name="Rectangle 1"/>
+          <p:cNvSpPr/>
+          <p:nvPr/>
+        </p:nvSpPr>
+        <p:spPr>
+          <a:xfrm>
+            <a:off x="4267200" y="1378803"/>
+            <a:ext cx="3657600" cy="2202597"/>
+          </a:xfrm>
+          <a:prstGeom prst="rect">
+            <a:avLst/>
+          </a:prstGeom>
+          <a:solidFill>
+            <a:schemeClr val="accent2">
+              <a:alpha val="29000"/>
+            </a:schemeClr>
+          </a:solidFill>
+        </p:spPr>
+        <p:style>
+          <a:lnRef idx="2">
+            <a:schemeClr val="accent1">
+              <a:shade val="50000"/>
+            </a:schemeClr>
+          </a:lnRef>
+          <a:fillRef idx="1">
+            <a:schemeClr val="accent1"/>
+          </a:fillRef>
+          <a:effectRef idx="0">
+            <a:schemeClr val="accent1"/>
+          </a:effectRef>
+          <a:fontRef idx="minor">
+            <a:schemeClr val="lt1"/>
+          </a:fontRef>
+        </p:style>
+        <p:txBody>
+          <a:bodyPr rtlCol="0" anchor="ctr"/>
+          <a:lstStyle/>
+          <a:p>
+            <a:pPr algn="ctr"/>
+            <a:endParaRPr lang="en-US"/>
+          </a:p>
+        </p:txBody>
+      </p:sp>
+      <p:cxnSp>
+        <p:nvCxnSpPr>
+          <p:cNvPr id="7" name="Straight Connector 6"/>
+          <p:cNvCxnSpPr/>
+          <p:nvPr/>
+        </p:nvCxnSpPr>
+        <p:spPr>
+          <a:xfrm>
+            <a:off x="609600" y="3581400"/>
+            <a:ext cx="7315200" cy="0"/>
+          </a:xfrm>
+          <a:prstGeom prst="line">
+            <a:avLst/>
+          </a:prstGeom>
+        </p:spPr>
+        <p:style>
+          <a:lnRef idx="1">
+            <a:schemeClr val="accent1"/>
+          </a:lnRef>
+          <a:fillRef idx="0">
+            <a:schemeClr val="accent1"/>
+          </a:fillRef>
+          <a:effectRef idx="0">
+            <a:schemeClr val="accent1"/>
+          </a:effectRef>
+          <a:fontRef idx="minor">
+            <a:schemeClr val="tx1"/>
+          </a:fontRef>
+        </p:style>
+      </p:cxnSp>
+      <p:cxnSp>
+        <p:nvCxnSpPr>
+          <p:cNvPr id="14" name="Straight Connector 13"/>
+          <p:cNvCxnSpPr/>
+          <p:nvPr/>
+        </p:nvCxnSpPr>
+        <p:spPr>
+          <a:xfrm>
+            <a:off x="4267200" y="1371600"/>
+            <a:ext cx="0" cy="4412397"/>
+          </a:xfrm>
+          <a:prstGeom prst="line">
+            <a:avLst/>
+          </a:prstGeom>
+        </p:spPr>
+        <p:style>
+          <a:lnRef idx="1">
+            <a:schemeClr val="accent1"/>
+          </a:lnRef>
+          <a:fillRef idx="0">
+            <a:schemeClr val="accent1"/>
+          </a:fillRef>
+          <a:effectRef idx="0">
+            <a:schemeClr val="accent1"/>
+          </a:effectRef>
+          <a:fontRef idx="minor">
+            <a:schemeClr val="tx1"/>
+          </a:fontRef>
+        </p:style>
+      </p:cxnSp>
+      <p:sp>
+        <p:nvSpPr>
+          <p:cNvPr id="16" name="TextBox 15"/>
+          <p:cNvSpPr txBox="1"/>
+          <p:nvPr/>
+        </p:nvSpPr>
+        <p:spPr>
+          <a:xfrm>
+            <a:off x="533400" y="1378803"/>
+            <a:ext cx="1436227" cy="707886"/>
+          </a:xfrm>
+          <a:prstGeom prst="rect">
+            <a:avLst/>
+          </a:prstGeom>
+          <a:noFill/>
+        </p:spPr>
+        <p:txBody>
+          <a:bodyPr wrap="none" rtlCol="0">
+            <a:spAutoFit/>
+          </a:bodyPr>
+          <a:lstStyle/>
+          <a:p>
+            <a:r>
+              <a:rPr lang="en-US" sz="4000" b="1" dirty="0" smtClean="0">
+                <a:solidFill>
+                  <a:schemeClr val="bg1">
+                    <a:lumMod val="65000"/>
+                  </a:schemeClr>
+                </a:solidFill>
+              </a:rPr>
+              <a:t>Part 1</a:t>
+            </a:r>
+            <a:endParaRPr lang="en-US" sz="4000" b="1" dirty="0">
+              <a:solidFill>
+                <a:schemeClr val="bg1">
+                  <a:lumMod val="65000"/>
+                </a:schemeClr>
+              </a:solidFill>
+            </a:endParaRPr>
+          </a:p>
+        </p:txBody>
+      </p:sp>
+      <p:sp>
+        <p:nvSpPr>
+          <p:cNvPr id="20" name="TextBox 19"/>
+          <p:cNvSpPr txBox="1"/>
+          <p:nvPr/>
+        </p:nvSpPr>
+        <p:spPr>
+          <a:xfrm>
+            <a:off x="4431173" y="1295400"/>
+            <a:ext cx="1436227" cy="707886"/>
+          </a:xfrm>
+          <a:prstGeom prst="rect">
+            <a:avLst/>
+          </a:prstGeom>
+          <a:noFill/>
+        </p:spPr>
+        <p:txBody>
+          <a:bodyPr wrap="none" rtlCol="0">
+            <a:spAutoFit/>
+          </a:bodyPr>
+          <a:lstStyle/>
+          <a:p>
+            <a:r>
+              <a:rPr lang="en-US" sz="4000" b="1" dirty="0">
+                <a:solidFill>
+                  <a:schemeClr val="bg1">
+                    <a:lumMod val="65000"/>
+                  </a:schemeClr>
+                </a:solidFill>
+              </a:rPr>
+              <a:t>Part 2</a:t>
+            </a:r>
+          </a:p>
+        </p:txBody>
+      </p:sp>
+      <p:sp>
+        <p:nvSpPr>
+          <p:cNvPr id="21" name="TextBox 20"/>
+          <p:cNvSpPr txBox="1"/>
+          <p:nvPr/>
+        </p:nvSpPr>
+        <p:spPr>
+          <a:xfrm>
+            <a:off x="533400" y="3635514"/>
+            <a:ext cx="1436227" cy="707886"/>
+          </a:xfrm>
+          <a:prstGeom prst="rect">
+            <a:avLst/>
+          </a:prstGeom>
+          <a:noFill/>
+        </p:spPr>
+        <p:txBody>
+          <a:bodyPr wrap="none" rtlCol="0">
+            <a:spAutoFit/>
+          </a:bodyPr>
+          <a:lstStyle/>
+          <a:p>
+            <a:r>
+              <a:rPr lang="en-US" sz="4000" b="1" dirty="0">
+                <a:solidFill>
+                  <a:schemeClr val="bg1">
+                    <a:lumMod val="65000"/>
+                  </a:schemeClr>
+                </a:solidFill>
+              </a:rPr>
+              <a:t>Part 3</a:t>
+            </a:r>
+          </a:p>
+        </p:txBody>
+      </p:sp>
+      <p:sp>
+        <p:nvSpPr>
+          <p:cNvPr id="22" name="TextBox 21"/>
+          <p:cNvSpPr txBox="1"/>
+          <p:nvPr/>
+        </p:nvSpPr>
+        <p:spPr>
+          <a:xfrm>
+            <a:off x="4419600" y="3635514"/>
+            <a:ext cx="1436227" cy="707886"/>
+          </a:xfrm>
+          <a:prstGeom prst="rect">
+            <a:avLst/>
+          </a:prstGeom>
+          <a:noFill/>
+        </p:spPr>
+        <p:txBody>
+          <a:bodyPr wrap="none" rtlCol="0">
+            <a:spAutoFit/>
+          </a:bodyPr>
+          <a:lstStyle/>
+          <a:p>
+            <a:r>
+              <a:rPr lang="en-US" sz="4000" b="1" dirty="0">
+                <a:solidFill>
+                  <a:schemeClr val="bg1">
+                    <a:lumMod val="65000"/>
+                  </a:schemeClr>
+                </a:solidFill>
+              </a:rPr>
+              <a:t>Part 4</a:t>
+            </a:r>
+          </a:p>
+        </p:txBody>
+      </p:sp>
+      <p:sp>
+        <p:nvSpPr>
+          <p:cNvPr id="17" name="TextBox 16"/>
+          <p:cNvSpPr txBox="1"/>
+          <p:nvPr/>
+        </p:nvSpPr>
+        <p:spPr>
+          <a:xfrm>
+            <a:off x="609600" y="2369403"/>
+            <a:ext cx="3429000" cy="830997"/>
+          </a:xfrm>
+          <a:prstGeom prst="rect">
+            <a:avLst/>
+          </a:prstGeom>
+          <a:noFill/>
+        </p:spPr>
+        <p:txBody>
+          <a:bodyPr wrap="square" rtlCol="0">
+            <a:spAutoFit/>
+          </a:bodyPr>
+          <a:lstStyle/>
+          <a:p>
+            <a:r>
+              <a:rPr lang="en-US" sz="2400" b="1" dirty="0" smtClean="0">
+                <a:solidFill>
+                  <a:schemeClr val="bg1">
+                    <a:lumMod val="65000"/>
+                  </a:schemeClr>
+                </a:solidFill>
+              </a:rPr>
+              <a:t>Exploratory Study of Breakages and Surprises</a:t>
+            </a:r>
+            <a:endParaRPr lang="en-US" sz="2400" b="1" dirty="0">
+              <a:solidFill>
+                <a:schemeClr val="bg1">
+                  <a:lumMod val="65000"/>
+                </a:schemeClr>
+              </a:solidFill>
+            </a:endParaRPr>
+          </a:p>
+        </p:txBody>
+      </p:sp>
+      <p:sp>
+        <p:nvSpPr>
+          <p:cNvPr id="24" name="TextBox 23"/>
+          <p:cNvSpPr txBox="1"/>
+          <p:nvPr/>
+        </p:nvSpPr>
+        <p:spPr>
+          <a:xfrm>
+            <a:off x="4267200" y="2369403"/>
+            <a:ext cx="3810000" cy="1015663"/>
+          </a:xfrm>
+          <a:prstGeom prst="rect">
+            <a:avLst/>
+          </a:prstGeom>
+          <a:noFill/>
+        </p:spPr>
+        <p:txBody>
+          <a:bodyPr wrap="square" rtlCol="0">
+            <a:spAutoFit/>
+          </a:bodyPr>
+          <a:lstStyle/>
+          <a:p>
+            <a:r>
+              <a:rPr lang="en-US" sz="3200" b="1" dirty="0" smtClean="0"/>
+              <a:t>Prediction</a:t>
+            </a:r>
+            <a:r>
+              <a:rPr lang="en-US" sz="2800" dirty="0" smtClean="0"/>
+              <a:t> of Breakages and Surprises</a:t>
+            </a:r>
+            <a:endParaRPr lang="en-US" sz="2800" dirty="0"/>
+          </a:p>
+        </p:txBody>
+      </p:sp>
+      <p:sp>
+        <p:nvSpPr>
+          <p:cNvPr id="25" name="TextBox 24"/>
+          <p:cNvSpPr txBox="1"/>
+          <p:nvPr/>
+        </p:nvSpPr>
+        <p:spPr>
+          <a:xfrm>
+            <a:off x="609600" y="4648200"/>
+            <a:ext cx="3429000" cy="1200329"/>
+          </a:xfrm>
+          <a:prstGeom prst="rect">
+            <a:avLst/>
+          </a:prstGeom>
+          <a:noFill/>
+        </p:spPr>
+        <p:txBody>
+          <a:bodyPr wrap="square" rtlCol="0">
+            <a:spAutoFit/>
+          </a:bodyPr>
+          <a:lstStyle/>
+          <a:p>
+            <a:r>
+              <a:rPr lang="en-US" sz="2400" b="1" dirty="0" smtClean="0">
+                <a:solidFill>
+                  <a:schemeClr val="bg1">
+                    <a:lumMod val="65000"/>
+                  </a:schemeClr>
+                </a:solidFill>
+              </a:rPr>
+              <a:t>Understanding Prediction Models of Breakages and Surprises</a:t>
+            </a:r>
+            <a:endParaRPr lang="en-US" sz="2400" b="1" dirty="0">
+              <a:solidFill>
+                <a:schemeClr val="bg1">
+                  <a:lumMod val="65000"/>
+                </a:schemeClr>
+              </a:solidFill>
+            </a:endParaRPr>
+          </a:p>
+        </p:txBody>
+      </p:sp>
+      <p:sp>
+        <p:nvSpPr>
+          <p:cNvPr id="26" name="TextBox 25"/>
+          <p:cNvSpPr txBox="1"/>
+          <p:nvPr/>
+        </p:nvSpPr>
+        <p:spPr>
+          <a:xfrm>
+            <a:off x="4648200" y="4648200"/>
+            <a:ext cx="3429000" cy="830997"/>
+          </a:xfrm>
+          <a:prstGeom prst="rect">
+            <a:avLst/>
+          </a:prstGeom>
+          <a:noFill/>
+        </p:spPr>
+        <p:txBody>
+          <a:bodyPr wrap="square" rtlCol="0">
+            <a:spAutoFit/>
+          </a:bodyPr>
+          <a:lstStyle/>
+          <a:p>
+            <a:r>
+              <a:rPr lang="en-US" sz="2400" b="1" dirty="0" smtClean="0">
+                <a:solidFill>
+                  <a:schemeClr val="bg1">
+                    <a:lumMod val="65000"/>
+                  </a:schemeClr>
+                </a:solidFill>
+              </a:rPr>
+              <a:t>Value of Focusing on Breakages and Surprises</a:t>
+            </a:r>
+            <a:endParaRPr lang="en-US" sz="2400" b="1" dirty="0">
+              <a:solidFill>
+                <a:schemeClr val="bg1">
+                  <a:lumMod val="65000"/>
+                </a:schemeClr>
+              </a:solidFill>
+            </a:endParaRPr>
+          </a:p>
+        </p:txBody>
+      </p:sp>
+      <p:sp>
+        <p:nvSpPr>
+          <p:cNvPr id="27" name="Title 1"/>
+          <p:cNvSpPr>
+            <a:spLocks noGrp="1"/>
+          </p:cNvSpPr>
+          <p:nvPr>
+            <p:ph type="title"/>
+          </p:nvPr>
+        </p:nvSpPr>
+        <p:spPr>
+          <a:xfrm>
+            <a:off x="152400" y="76200"/>
+            <a:ext cx="8458200" cy="1143000"/>
+          </a:xfrm>
+        </p:spPr>
+        <p:txBody>
+          <a:bodyPr>
+            <a:normAutofit/>
+          </a:bodyPr>
+          <a:lstStyle/>
+          <a:p>
+            <a:pPr algn="l" fontAlgn="base">
+              <a:spcAft>
+                <a:spcPct val="0"/>
+              </a:spcAft>
+            </a:pPr>
+            <a:r>
+              <a:rPr lang="en-US" b="1" dirty="0" smtClean="0">
+                <a:solidFill>
+                  <a:srgbClr val="C00000"/>
+                </a:solidFill>
+              </a:rPr>
+              <a:t>Predicting Breakages and Surprises</a:t>
+            </a:r>
+            <a:endParaRPr lang="en-US" b="1" dirty="0">
+              <a:solidFill>
+                <a:srgbClr val="C00000"/>
+              </a:solidFill>
+            </a:endParaRPr>
+          </a:p>
+        </p:txBody>
+      </p:sp>
+      <p:sp>
+        <p:nvSpPr>
+          <p:cNvPr id="3" name="Slide Number Placeholder 2"/>
+          <p:cNvSpPr>
+            <a:spLocks noGrp="1"/>
+          </p:cNvSpPr>
+          <p:nvPr>
+            <p:ph type="sldNum" sz="quarter" idx="12"/>
+          </p:nvPr>
+        </p:nvSpPr>
+        <p:spPr/>
+        <p:txBody>
+          <a:bodyPr/>
+          <a:lstStyle/>
+          <a:p>
+            <a:fld id="{60927F4E-78AB-4E26-A0B2-E6DA284CA8FF}" type="slidenum">
+              <a:rPr lang="en-US" smtClean="0"/>
+              <a:t>10</a:t>
+            </a:fld>
+            <a:endParaRPr lang="en-US"/>
+          </a:p>
+        </p:txBody>
+      </p:sp>
+    </p:spTree>
+    <p:extLst>
+      <p:ext uri="{BB962C8B-B14F-4D97-AF65-F5344CB8AC3E}">
+        <p14:creationId xmlns:p14="http://schemas.microsoft.com/office/powerpoint/2010/main" val="1310236955"/>
+      </p:ext>
+    </p:extLst>
+  </p:cSld>
+  <p:clrMapOvr>
+    <a:masterClrMapping/>
+  </p:clrMapOvr>
+  <p:timing>
+    <p:tnLst>
+      <p:par>
+        <p:cTn xmlns:p14="http://schemas.microsoft.com/office/powerpoint/2010/main" id="1" dur="indefinite" restart="never" nodeType="tmRoot"/>
+      </p:par>
+    </p:tnLst>
+  </p:timing>
+</p:sld>
+</file>
+
+<file path=ppt/slides/slide11.xml><?xml version="1.0" encoding="utf-8"?>
+<p:sld xmlns:a="http://schemas.openxmlformats.org/drawingml/2006/main" xmlns:r="http://schemas.openxmlformats.org/officeDocument/2006/relationships" xmlns:p="http://schemas.openxmlformats.org/presentationml/2006/main">
+  <p:cSld>
+    <p:spTree>
+      <p:nvGrpSpPr>
+        <p:cNvPr id="1" name=""/>
+        <p:cNvGrpSpPr/>
+        <p:nvPr/>
+      </p:nvGrpSpPr>
+      <p:grpSpPr>
+        <a:xfrm>
+          <a:off x="0" y="0"/>
+          <a:ext cx="0" cy="0"/>
+          <a:chOff x="0" y="0"/>
+          <a:chExt cx="0" cy="0"/>
+        </a:xfrm>
+      </p:grpSpPr>
+      <p:sp>
+        <p:nvSpPr>
           <p:cNvPr id="2" name="Title 1"/>
           <p:cNvSpPr>
             <a:spLocks noGrp="1"/>
@@ -12127,7 +12773,7 @@
           <a:p>
             <a:fld id="{60927F4E-78AB-4E26-A0B2-E6DA284CA8FF}" type="slidenum">
               <a:rPr lang="en-US" smtClean="0"/>
-              <a:t>10</a:t>
+              <a:t>11</a:t>
             </a:fld>
             <a:endParaRPr lang="en-US"/>
           </a:p>
@@ -12358,7 +13004,7 @@
 </p:sld>
 </file>
 
-<file path=ppt/slides/slide11.xml><?xml version="1.0" encoding="utf-8"?>
+<file path=ppt/slides/slide12.xml><?xml version="1.0" encoding="utf-8"?>
 <p:sld xmlns:a="http://schemas.openxmlformats.org/drawingml/2006/main" xmlns:r="http://schemas.openxmlformats.org/officeDocument/2006/relationships" xmlns:p="http://schemas.openxmlformats.org/presentationml/2006/main">
   <p:cSld>
     <p:spTree>
@@ -12820,7 +13466,7 @@
           <a:p>
             <a:fld id="{60927F4E-78AB-4E26-A0B2-E6DA284CA8FF}" type="slidenum">
               <a:rPr lang="en-US" smtClean="0"/>
-              <a:t>11</a:t>
+              <a:t>12</a:t>
             </a:fld>
             <a:endParaRPr lang="en-US"/>
           </a:p>
@@ -13246,7 +13892,7 @@
 </p:sld>
 </file>
 
-<file path=ppt/slides/slide12.xml><?xml version="1.0" encoding="utf-8"?>
+<file path=ppt/slides/slide13.xml><?xml version="1.0" encoding="utf-8"?>
 <p:sld xmlns:a="http://schemas.openxmlformats.org/drawingml/2006/main" xmlns:r="http://schemas.openxmlformats.org/officeDocument/2006/relationships" xmlns:p="http://schemas.openxmlformats.org/presentationml/2006/main">
   <p:cSld>
     <p:spTree>
@@ -14165,7 +14811,7 @@
           <a:p>
             <a:fld id="{60927F4E-78AB-4E26-A0B2-E6DA284CA8FF}" type="slidenum">
               <a:rPr lang="en-US" smtClean="0"/>
-              <a:t>12</a:t>
+              <a:t>13</a:t>
             </a:fld>
             <a:endParaRPr lang="en-US"/>
           </a:p>
@@ -15045,7 +15691,7 @@
 </p:sld>
 </file>
 
-<file path=ppt/slides/slide13.xml><?xml version="1.0" encoding="utf-8"?>
+<file path=ppt/slides/slide14.xml><?xml version="1.0" encoding="utf-8"?>
 <p:sld xmlns:a="http://schemas.openxmlformats.org/drawingml/2006/main" xmlns:r="http://schemas.openxmlformats.org/officeDocument/2006/relationships" xmlns:p="http://schemas.openxmlformats.org/presentationml/2006/main">
   <p:cSld>
     <p:spTree>
@@ -15534,7 +16180,7 @@
           <a:p>
             <a:fld id="{60927F4E-78AB-4E26-A0B2-E6DA284CA8FF}" type="slidenum">
               <a:rPr lang="en-US" smtClean="0"/>
-              <a:t>13</a:t>
+              <a:t>14</a:t>
             </a:fld>
             <a:endParaRPr lang="en-US"/>
           </a:p>
@@ -15560,7 +16206,7 @@
 </p:sld>
 </file>
 
-<file path=ppt/slides/slide14.xml><?xml version="1.0" encoding="utf-8"?>
+<file path=ppt/slides/slide15.xml><?xml version="1.0" encoding="utf-8"?>
 <p:sld xmlns:a="http://schemas.openxmlformats.org/drawingml/2006/main" xmlns:r="http://schemas.openxmlformats.org/officeDocument/2006/relationships" xmlns:p="http://schemas.openxmlformats.org/presentationml/2006/main">
   <p:cSld>
     <p:spTree>
@@ -16339,7 +16985,7 @@
           <a:p>
             <a:fld id="{60927F4E-78AB-4E26-A0B2-E6DA284CA8FF}" type="slidenum">
               <a:rPr lang="en-US" smtClean="0"/>
-              <a:t>14</a:t>
+              <a:t>15</a:t>
             </a:fld>
             <a:endParaRPr lang="en-US"/>
           </a:p>
@@ -16882,7 +17528,7 @@
 </p:sld>
 </file>
 
-<file path=ppt/slides/slide15.xml><?xml version="1.0" encoding="utf-8"?>
+<file path=ppt/slides/slide16.xml><?xml version="1.0" encoding="utf-8"?>
 <p:sld xmlns:a="http://schemas.openxmlformats.org/drawingml/2006/main" xmlns:r="http://schemas.openxmlformats.org/officeDocument/2006/relationships" xmlns:p="http://schemas.openxmlformats.org/presentationml/2006/main">
   <p:cSld>
     <p:spTree>
@@ -17439,7 +18085,7 @@
           <a:p>
             <a:fld id="{60927F4E-78AB-4E26-A0B2-E6DA284CA8FF}" type="slidenum">
               <a:rPr lang="en-US" smtClean="0"/>
-              <a:t>15</a:t>
+              <a:t>16</a:t>
             </a:fld>
             <a:endParaRPr lang="en-US"/>
           </a:p>
@@ -17672,7 +18318,7 @@
 </p:sld>
 </file>
 
-<file path=ppt/slides/slide16.xml><?xml version="1.0" encoding="utf-8"?>
+<file path=ppt/slides/slide17.xml><?xml version="1.0" encoding="utf-8"?>
 <p:sld xmlns:a="http://schemas.openxmlformats.org/drawingml/2006/main" xmlns:r="http://schemas.openxmlformats.org/officeDocument/2006/relationships" xmlns:p="http://schemas.openxmlformats.org/presentationml/2006/main">
   <p:cSld>
     <p:spTree>
@@ -18161,7 +18807,7 @@
           <a:p>
             <a:fld id="{60927F4E-78AB-4E26-A0B2-E6DA284CA8FF}" type="slidenum">
               <a:rPr lang="en-US" smtClean="0"/>
-              <a:t>16</a:t>
+              <a:t>17</a:t>
             </a:fld>
             <a:endParaRPr lang="en-US"/>
           </a:p>
@@ -18187,7 +18833,7 @@
 </p:sld>
 </file>
 
-<file path=ppt/slides/slide17.xml><?xml version="1.0" encoding="utf-8"?>
+<file path=ppt/slides/slide18.xml><?xml version="1.0" encoding="utf-8"?>
 <p:sld xmlns:a="http://schemas.openxmlformats.org/drawingml/2006/main" xmlns:r="http://schemas.openxmlformats.org/officeDocument/2006/relationships" xmlns:p="http://schemas.openxmlformats.org/presentationml/2006/main">
   <p:cSld>
     <p:spTree>
@@ -19072,7 +19718,7 @@
           <a:p>
             <a:fld id="{60927F4E-78AB-4E26-A0B2-E6DA284CA8FF}" type="slidenum">
               <a:rPr lang="en-US" smtClean="0"/>
-              <a:t>17</a:t>
+              <a:t>18</a:t>
             </a:fld>
             <a:endParaRPr lang="en-US"/>
           </a:p>
@@ -19933,7 +20579,7 @@
 </p:sld>
 </file>
 
-<file path=ppt/slides/slide18.xml><?xml version="1.0" encoding="utf-8"?>
+<file path=ppt/slides/slide19.xml><?xml version="1.0" encoding="utf-8"?>
 <p:sld xmlns:a="http://schemas.openxmlformats.org/drawingml/2006/main" xmlns:r="http://schemas.openxmlformats.org/officeDocument/2006/relationships" xmlns:p="http://schemas.openxmlformats.org/presentationml/2006/main">
   <p:cSld>
     <p:spTree>
@@ -20205,7 +20851,7 @@
           <a:p>
             <a:fld id="{60927F4E-78AB-4E26-A0B2-E6DA284CA8FF}" type="slidenum">
               <a:rPr lang="en-US" smtClean="0"/>
-              <a:t>18</a:t>
+              <a:t>19</a:t>
             </a:fld>
             <a:endParaRPr lang="en-US"/>
           </a:p>
@@ -20356,880 +21002,6 @@
 </p:sld>
 </file>
 
-<file path=ppt/slides/slide19.xml><?xml version="1.0" encoding="utf-8"?>
-<p:sld xmlns:a="http://schemas.openxmlformats.org/drawingml/2006/main" xmlns:r="http://schemas.openxmlformats.org/officeDocument/2006/relationships" xmlns:p="http://schemas.openxmlformats.org/presentationml/2006/main">
-  <p:cSld>
-    <p:spTree>
-      <p:nvGrpSpPr>
-        <p:cNvPr id="1" name=""/>
-        <p:cNvGrpSpPr/>
-        <p:nvPr/>
-      </p:nvGrpSpPr>
-      <p:grpSpPr>
-        <a:xfrm>
-          <a:off x="0" y="0"/>
-          <a:ext cx="0" cy="0"/>
-          <a:chOff x="0" y="0"/>
-          <a:chExt cx="0" cy="0"/>
-        </a:xfrm>
-      </p:grpSpPr>
-      <p:sp>
-        <p:nvSpPr>
-          <p:cNvPr id="27" name="Title 1"/>
-          <p:cNvSpPr>
-            <a:spLocks noGrp="1"/>
-          </p:cNvSpPr>
-          <p:nvPr>
-            <p:ph type="title"/>
-          </p:nvPr>
-        </p:nvSpPr>
-        <p:spPr>
-          <a:xfrm>
-            <a:off x="152400" y="76200"/>
-            <a:ext cx="8458200" cy="1143000"/>
-          </a:xfrm>
-        </p:spPr>
-        <p:txBody>
-          <a:bodyPr>
-            <a:normAutofit/>
-          </a:bodyPr>
-          <a:lstStyle/>
-          <a:p>
-            <a:pPr algn="l" fontAlgn="base">
-              <a:spcAft>
-                <a:spcPct val="0"/>
-              </a:spcAft>
-            </a:pPr>
-            <a:r>
-              <a:rPr lang="en-US" b="1" dirty="0" smtClean="0">
-                <a:solidFill>
-                  <a:srgbClr val="C00000"/>
-                </a:solidFill>
-              </a:rPr>
-              <a:t>Take Home Messages</a:t>
-            </a:r>
-            <a:endParaRPr lang="en-US" b="1" dirty="0">
-              <a:solidFill>
-                <a:srgbClr val="C00000"/>
-              </a:solidFill>
-            </a:endParaRPr>
-          </a:p>
-        </p:txBody>
-      </p:sp>
-      <p:sp>
-        <p:nvSpPr>
-          <p:cNvPr id="3" name="TextBox 2"/>
-          <p:cNvSpPr txBox="1"/>
-          <p:nvPr/>
-        </p:nvSpPr>
-        <p:spPr>
-          <a:xfrm>
-            <a:off x="609601" y="1524000"/>
-            <a:ext cx="8229600" cy="954107"/>
-          </a:xfrm>
-          <a:prstGeom prst="rect">
-            <a:avLst/>
-          </a:prstGeom>
-          <a:noFill/>
-        </p:spPr>
-        <p:txBody>
-          <a:bodyPr wrap="square" rtlCol="0">
-            <a:spAutoFit/>
-          </a:bodyPr>
-          <a:lstStyle/>
-          <a:p>
-            <a:r>
-              <a:rPr lang="en-US" sz="2800" dirty="0" smtClean="0"/>
-              <a:t>1. Breakages  and Surprises are </a:t>
-            </a:r>
-            <a:r>
-              <a:rPr lang="en-US" sz="2800" b="1" dirty="0" smtClean="0"/>
-              <a:t>different. </a:t>
-            </a:r>
-            <a:r>
-              <a:rPr lang="en-US" sz="2800" dirty="0" smtClean="0"/>
-              <a:t>Occur in 2%      </a:t>
-            </a:r>
-            <a:br>
-              <a:rPr lang="en-US" sz="2800" dirty="0" smtClean="0"/>
-            </a:br>
-            <a:r>
-              <a:rPr lang="en-US" sz="2800" dirty="0" smtClean="0"/>
-              <a:t>     of files</a:t>
-            </a:r>
-            <a:r>
-              <a:rPr lang="en-US" sz="2800" b="1" dirty="0" smtClean="0"/>
-              <a:t>, hard to predict</a:t>
-            </a:r>
-            <a:endParaRPr lang="en-US" sz="2800" dirty="0"/>
-          </a:p>
-        </p:txBody>
-      </p:sp>
-      <p:sp>
-        <p:nvSpPr>
-          <p:cNvPr id="18" name="TextBox 17"/>
-          <p:cNvSpPr txBox="1"/>
-          <p:nvPr/>
-        </p:nvSpPr>
-        <p:spPr>
-          <a:xfrm>
-            <a:off x="609600" y="2905780"/>
-            <a:ext cx="8229600" cy="523220"/>
-          </a:xfrm>
-          <a:prstGeom prst="rect">
-            <a:avLst/>
-          </a:prstGeom>
-          <a:noFill/>
-        </p:spPr>
-        <p:txBody>
-          <a:bodyPr wrap="square" rtlCol="0">
-            <a:spAutoFit/>
-          </a:bodyPr>
-          <a:lstStyle/>
-          <a:p>
-            <a:r>
-              <a:rPr lang="en-US" sz="2800" dirty="0" smtClean="0"/>
-              <a:t>2. Achieve </a:t>
-            </a:r>
-            <a:r>
-              <a:rPr lang="en-US" sz="2800" b="1" dirty="0" smtClean="0"/>
-              <a:t>2-3X improvement in precision, high recall</a:t>
-            </a:r>
-            <a:endParaRPr lang="en-US" sz="2800" dirty="0"/>
-          </a:p>
-        </p:txBody>
-      </p:sp>
-      <p:sp>
-        <p:nvSpPr>
-          <p:cNvPr id="19" name="TextBox 18"/>
-          <p:cNvSpPr txBox="1"/>
-          <p:nvPr/>
-        </p:nvSpPr>
-        <p:spPr>
-          <a:xfrm>
-            <a:off x="4724399" y="4368225"/>
-            <a:ext cx="4648201" cy="523220"/>
-          </a:xfrm>
-          <a:prstGeom prst="rect">
-            <a:avLst/>
-          </a:prstGeom>
-          <a:noFill/>
-        </p:spPr>
-        <p:txBody>
-          <a:bodyPr wrap="square" rtlCol="0">
-            <a:spAutoFit/>
-          </a:bodyPr>
-          <a:lstStyle/>
-          <a:p>
-            <a:r>
-              <a:rPr lang="en-US" sz="2800" b="1" dirty="0" smtClean="0"/>
-              <a:t>Co-change and Time metrics</a:t>
-            </a:r>
-            <a:endParaRPr lang="en-US" sz="2800" b="1" dirty="0"/>
-          </a:p>
-        </p:txBody>
-      </p:sp>
-      <p:sp>
-        <p:nvSpPr>
-          <p:cNvPr id="23" name="TextBox 22"/>
-          <p:cNvSpPr txBox="1"/>
-          <p:nvPr/>
-        </p:nvSpPr>
-        <p:spPr>
-          <a:xfrm>
-            <a:off x="609600" y="5257800"/>
-            <a:ext cx="8229600" cy="523220"/>
-          </a:xfrm>
-          <a:prstGeom prst="rect">
-            <a:avLst/>
-          </a:prstGeom>
-          <a:noFill/>
-        </p:spPr>
-        <p:txBody>
-          <a:bodyPr wrap="square" rtlCol="0">
-            <a:spAutoFit/>
-          </a:bodyPr>
-          <a:lstStyle/>
-          <a:p>
-            <a:r>
-              <a:rPr lang="en-US" sz="2800" dirty="0" smtClean="0"/>
-              <a:t>4. Building specialized models </a:t>
-            </a:r>
-            <a:r>
-              <a:rPr lang="en-US" sz="2800" b="1" dirty="0" smtClean="0"/>
-              <a:t>saves 40-50% effort</a:t>
-            </a:r>
-            <a:endParaRPr lang="en-US" sz="2800" b="1" dirty="0"/>
-          </a:p>
-        </p:txBody>
-      </p:sp>
-      <p:sp>
-        <p:nvSpPr>
-          <p:cNvPr id="8" name="TextBox 7"/>
-          <p:cNvSpPr txBox="1"/>
-          <p:nvPr/>
-        </p:nvSpPr>
-        <p:spPr>
-          <a:xfrm>
-            <a:off x="3886200" y="3810000"/>
-            <a:ext cx="609600" cy="646331"/>
-          </a:xfrm>
-          <a:prstGeom prst="rect">
-            <a:avLst/>
-          </a:prstGeom>
-          <a:noFill/>
-        </p:spPr>
-        <p:txBody>
-          <a:bodyPr wrap="square" rtlCol="0">
-            <a:spAutoFit/>
-          </a:bodyPr>
-          <a:lstStyle/>
-          <a:p>
-            <a:r>
-              <a:rPr lang="en-US" sz="3600" dirty="0" smtClean="0">
-                <a:sym typeface="Wingdings" pitchFamily="2" charset="2"/>
-              </a:rPr>
-              <a:t></a:t>
-            </a:r>
-            <a:endParaRPr lang="en-US" sz="3600" dirty="0"/>
-          </a:p>
-        </p:txBody>
-      </p:sp>
-      <p:sp>
-        <p:nvSpPr>
-          <p:cNvPr id="2" name="TextBox 1"/>
-          <p:cNvSpPr txBox="1"/>
-          <p:nvPr/>
-        </p:nvSpPr>
-        <p:spPr>
-          <a:xfrm>
-            <a:off x="5105400" y="3834825"/>
-            <a:ext cx="3055773" cy="523220"/>
-          </a:xfrm>
-          <a:prstGeom prst="rect">
-            <a:avLst/>
-          </a:prstGeom>
-          <a:noFill/>
-        </p:spPr>
-        <p:txBody>
-          <a:bodyPr wrap="none" rtlCol="0">
-            <a:spAutoFit/>
-          </a:bodyPr>
-          <a:lstStyle/>
-          <a:p>
-            <a:r>
-              <a:rPr lang="en-US" sz="2800" b="1" dirty="0"/>
-              <a:t>Traditional metrics </a:t>
-            </a:r>
-            <a:endParaRPr lang="en-US" sz="2800" dirty="0"/>
-          </a:p>
-        </p:txBody>
-      </p:sp>
-      <p:sp>
-        <p:nvSpPr>
-          <p:cNvPr id="4" name="TextBox 3"/>
-          <p:cNvSpPr txBox="1"/>
-          <p:nvPr/>
-        </p:nvSpPr>
-        <p:spPr>
-          <a:xfrm>
-            <a:off x="676031" y="3834825"/>
-            <a:ext cx="2067169" cy="523220"/>
-          </a:xfrm>
-          <a:prstGeom prst="rect">
-            <a:avLst/>
-          </a:prstGeom>
-          <a:noFill/>
-        </p:spPr>
-        <p:txBody>
-          <a:bodyPr wrap="none" rtlCol="0">
-            <a:spAutoFit/>
-          </a:bodyPr>
-          <a:lstStyle/>
-          <a:p>
-            <a:r>
-              <a:rPr lang="en-US" sz="2800" b="1" dirty="0" smtClean="0"/>
-              <a:t>3. Breakages</a:t>
-            </a:r>
-            <a:endParaRPr lang="en-US" sz="2800" b="1" dirty="0"/>
-          </a:p>
-        </p:txBody>
-      </p:sp>
-      <p:sp>
-        <p:nvSpPr>
-          <p:cNvPr id="6" name="TextBox 5"/>
-          <p:cNvSpPr txBox="1"/>
-          <p:nvPr/>
-        </p:nvSpPr>
-        <p:spPr>
-          <a:xfrm>
-            <a:off x="990600" y="4444425"/>
-            <a:ext cx="1550424" cy="523220"/>
-          </a:xfrm>
-          <a:prstGeom prst="rect">
-            <a:avLst/>
-          </a:prstGeom>
-          <a:noFill/>
-        </p:spPr>
-        <p:txBody>
-          <a:bodyPr wrap="none" rtlCol="0">
-            <a:spAutoFit/>
-          </a:bodyPr>
-          <a:lstStyle/>
-          <a:p>
-            <a:r>
-              <a:rPr lang="en-US" sz="2800" b="1" dirty="0" smtClean="0"/>
-              <a:t>Surprises</a:t>
-            </a:r>
-            <a:endParaRPr lang="en-US" sz="2800" b="1" dirty="0"/>
-          </a:p>
-        </p:txBody>
-      </p:sp>
-      <p:sp>
-        <p:nvSpPr>
-          <p:cNvPr id="12" name="TextBox 11"/>
-          <p:cNvSpPr txBox="1"/>
-          <p:nvPr/>
-        </p:nvSpPr>
-        <p:spPr>
-          <a:xfrm>
-            <a:off x="3886200" y="4382869"/>
-            <a:ext cx="609600" cy="646331"/>
-          </a:xfrm>
-          <a:prstGeom prst="rect">
-            <a:avLst/>
-          </a:prstGeom>
-          <a:noFill/>
-        </p:spPr>
-        <p:txBody>
-          <a:bodyPr wrap="square" rtlCol="0">
-            <a:spAutoFit/>
-          </a:bodyPr>
-          <a:lstStyle/>
-          <a:p>
-            <a:r>
-              <a:rPr lang="en-US" sz="3600" dirty="0" smtClean="0">
-                <a:sym typeface="Wingdings" pitchFamily="2" charset="2"/>
-              </a:rPr>
-              <a:t></a:t>
-            </a:r>
-            <a:endParaRPr lang="en-US" sz="3600" dirty="0"/>
-          </a:p>
-        </p:txBody>
-      </p:sp>
-      <p:sp>
-        <p:nvSpPr>
-          <p:cNvPr id="7" name="Slide Number Placeholder 6"/>
-          <p:cNvSpPr>
-            <a:spLocks noGrp="1"/>
-          </p:cNvSpPr>
-          <p:nvPr>
-            <p:ph type="sldNum" sz="quarter" idx="12"/>
-          </p:nvPr>
-        </p:nvSpPr>
-        <p:spPr/>
-        <p:txBody>
-          <a:bodyPr/>
-          <a:lstStyle/>
-          <a:p>
-            <a:fld id="{60927F4E-78AB-4E26-A0B2-E6DA284CA8FF}" type="slidenum">
-              <a:rPr lang="en-US" smtClean="0"/>
-              <a:t>19</a:t>
-            </a:fld>
-            <a:endParaRPr lang="en-US" dirty="0"/>
-          </a:p>
-        </p:txBody>
-      </p:sp>
-      <p:sp>
-        <p:nvSpPr>
-          <p:cNvPr id="5" name="TextBox 4"/>
-          <p:cNvSpPr txBox="1"/>
-          <p:nvPr/>
-        </p:nvSpPr>
-        <p:spPr>
-          <a:xfrm>
-            <a:off x="914400" y="6412468"/>
-            <a:ext cx="7387920" cy="369332"/>
-          </a:xfrm>
-          <a:prstGeom prst="rect">
-            <a:avLst/>
-          </a:prstGeom>
-          <a:noFill/>
-        </p:spPr>
-        <p:txBody>
-          <a:bodyPr wrap="none" rtlCol="0">
-            <a:spAutoFit/>
-          </a:bodyPr>
-          <a:lstStyle/>
-          <a:p>
-            <a:r>
-              <a:rPr lang="en-US" dirty="0">
-                <a:solidFill>
-                  <a:srgbClr val="FF0000"/>
-                </a:solidFill>
-              </a:rPr>
-              <a:t>http://research.cs.queensu.ca/home/emads/data/FSE2011/hid_artifact.html</a:t>
-            </a:r>
-          </a:p>
-        </p:txBody>
-      </p:sp>
-    </p:spTree>
-    <p:extLst>
-      <p:ext uri="{BB962C8B-B14F-4D97-AF65-F5344CB8AC3E}">
-        <p14:creationId xmlns:p14="http://schemas.microsoft.com/office/powerpoint/2010/main" val="3772275119"/>
-      </p:ext>
-    </p:extLst>
-  </p:cSld>
-  <p:clrMapOvr>
-    <a:masterClrMapping/>
-  </p:clrMapOvr>
-  <p:timing>
-    <p:tnLst>
-      <p:par>
-        <p:cTn xmlns:p14="http://schemas.microsoft.com/office/powerpoint/2010/main" id="1" dur="indefinite" restart="never" nodeType="tmRoot">
-          <p:childTnLst>
-            <p:seq concurrent="1" nextAc="seek">
-              <p:cTn id="2" dur="indefinite" nodeType="mainSeq">
-                <p:childTnLst>
-                  <p:par>
-                    <p:cTn id="3" fill="hold">
-                      <p:stCondLst>
-                        <p:cond delay="indefinite"/>
-                      </p:stCondLst>
-                      <p:childTnLst>
-                        <p:par>
-                          <p:cTn id="4" fill="hold">
-                            <p:stCondLst>
-                              <p:cond delay="0"/>
-                            </p:stCondLst>
-                            <p:childTnLst>
-                              <p:par>
-                                <p:cTn id="5" presetID="10" presetClass="entr" presetSubtype="0" fill="hold" grpId="0" nodeType="clickEffect">
-                                  <p:stCondLst>
-                                    <p:cond delay="0"/>
-                                  </p:stCondLst>
-                                  <p:childTnLst>
-                                    <p:set>
-                                      <p:cBhvr>
-                                        <p:cTn id="6" dur="1" fill="hold">
-                                          <p:stCondLst>
-                                            <p:cond delay="0"/>
-                                          </p:stCondLst>
-                                        </p:cTn>
-                                        <p:tgtEl>
-                                          <p:spTgt spid="3"/>
-                                        </p:tgtEl>
-                                        <p:attrNameLst>
-                                          <p:attrName>style.visibility</p:attrName>
-                                        </p:attrNameLst>
-                                      </p:cBhvr>
-                                      <p:to>
-                                        <p:strVal val="visible"/>
-                                      </p:to>
-                                    </p:set>
-                                    <p:animEffect transition="in" filter="fade">
-                                      <p:cBhvr>
-                                        <p:cTn id="7" dur="500"/>
-                                        <p:tgtEl>
-                                          <p:spTgt spid="3"/>
-                                        </p:tgtEl>
-                                      </p:cBhvr>
-                                    </p:animEffect>
-                                  </p:childTnLst>
-                                </p:cTn>
-                              </p:par>
-                            </p:childTnLst>
-                          </p:cTn>
-                        </p:par>
-                      </p:childTnLst>
-                    </p:cTn>
-                  </p:par>
-                  <p:par>
-                    <p:cTn id="8" fill="hold">
-                      <p:stCondLst>
-                        <p:cond delay="indefinite"/>
-                      </p:stCondLst>
-                      <p:childTnLst>
-                        <p:par>
-                          <p:cTn id="9" fill="hold">
-                            <p:stCondLst>
-                              <p:cond delay="0"/>
-                            </p:stCondLst>
-                            <p:childTnLst>
-                              <p:par>
-                                <p:cTn id="10" presetID="10" presetClass="entr" presetSubtype="0" fill="hold" grpId="0" nodeType="clickEffect">
-                                  <p:stCondLst>
-                                    <p:cond delay="0"/>
-                                  </p:stCondLst>
-                                  <p:childTnLst>
-                                    <p:set>
-                                      <p:cBhvr>
-                                        <p:cTn id="11" dur="1" fill="hold">
-                                          <p:stCondLst>
-                                            <p:cond delay="0"/>
-                                          </p:stCondLst>
-                                        </p:cTn>
-                                        <p:tgtEl>
-                                          <p:spTgt spid="18"/>
-                                        </p:tgtEl>
-                                        <p:attrNameLst>
-                                          <p:attrName>style.visibility</p:attrName>
-                                        </p:attrNameLst>
-                                      </p:cBhvr>
-                                      <p:to>
-                                        <p:strVal val="visible"/>
-                                      </p:to>
-                                    </p:set>
-                                    <p:animEffect transition="in" filter="fade">
-                                      <p:cBhvr>
-                                        <p:cTn id="12" dur="500"/>
-                                        <p:tgtEl>
-                                          <p:spTgt spid="18"/>
-                                        </p:tgtEl>
-                                      </p:cBhvr>
-                                    </p:animEffect>
-                                  </p:childTnLst>
-                                </p:cTn>
-                              </p:par>
-                            </p:childTnLst>
-                          </p:cTn>
-                        </p:par>
-                      </p:childTnLst>
-                    </p:cTn>
-                  </p:par>
-                  <p:par>
-                    <p:cTn id="13" fill="hold">
-                      <p:stCondLst>
-                        <p:cond delay="indefinite"/>
-                      </p:stCondLst>
-                      <p:childTnLst>
-                        <p:par>
-                          <p:cTn id="14" fill="hold">
-                            <p:stCondLst>
-                              <p:cond delay="0"/>
-                            </p:stCondLst>
-                            <p:childTnLst>
-                              <p:par>
-                                <p:cTn id="15" presetID="1" presetClass="entr" presetSubtype="0" fill="hold" grpId="0" nodeType="clickEffect">
-                                  <p:stCondLst>
-                                    <p:cond delay="0"/>
-                                  </p:stCondLst>
-                                  <p:childTnLst>
-                                    <p:set>
-                                      <p:cBhvr>
-                                        <p:cTn id="16" dur="1" fill="hold">
-                                          <p:stCondLst>
-                                            <p:cond delay="0"/>
-                                          </p:stCondLst>
-                                        </p:cTn>
-                                        <p:tgtEl>
-                                          <p:spTgt spid="4"/>
-                                        </p:tgtEl>
-                                        <p:attrNameLst>
-                                          <p:attrName>style.visibility</p:attrName>
-                                        </p:attrNameLst>
-                                      </p:cBhvr>
-                                      <p:to>
-                                        <p:strVal val="visible"/>
-                                      </p:to>
-                                    </p:set>
-                                  </p:childTnLst>
-                                </p:cTn>
-                              </p:par>
-                              <p:par>
-                                <p:cTn id="17" presetID="1" presetClass="entr" presetSubtype="0" fill="hold" grpId="0" nodeType="withEffect">
-                                  <p:stCondLst>
-                                    <p:cond delay="0"/>
-                                  </p:stCondLst>
-                                  <p:childTnLst>
-                                    <p:set>
-                                      <p:cBhvr>
-                                        <p:cTn id="18" dur="1" fill="hold">
-                                          <p:stCondLst>
-                                            <p:cond delay="0"/>
-                                          </p:stCondLst>
-                                        </p:cTn>
-                                        <p:tgtEl>
-                                          <p:spTgt spid="8"/>
-                                        </p:tgtEl>
-                                        <p:attrNameLst>
-                                          <p:attrName>style.visibility</p:attrName>
-                                        </p:attrNameLst>
-                                      </p:cBhvr>
-                                      <p:to>
-                                        <p:strVal val="visible"/>
-                                      </p:to>
-                                    </p:set>
-                                  </p:childTnLst>
-                                </p:cTn>
-                              </p:par>
-                              <p:par>
-                                <p:cTn id="19" presetID="1" presetClass="entr" presetSubtype="0" fill="hold" grpId="0" nodeType="withEffect">
-                                  <p:stCondLst>
-                                    <p:cond delay="0"/>
-                                  </p:stCondLst>
-                                  <p:childTnLst>
-                                    <p:set>
-                                      <p:cBhvr>
-                                        <p:cTn id="20" dur="1" fill="hold">
-                                          <p:stCondLst>
-                                            <p:cond delay="0"/>
-                                          </p:stCondLst>
-                                        </p:cTn>
-                                        <p:tgtEl>
-                                          <p:spTgt spid="2"/>
-                                        </p:tgtEl>
-                                        <p:attrNameLst>
-                                          <p:attrName>style.visibility</p:attrName>
-                                        </p:attrNameLst>
-                                      </p:cBhvr>
-                                      <p:to>
-                                        <p:strVal val="visible"/>
-                                      </p:to>
-                                    </p:set>
-                                  </p:childTnLst>
-                                </p:cTn>
-                              </p:par>
-                            </p:childTnLst>
-                          </p:cTn>
-                        </p:par>
-                      </p:childTnLst>
-                    </p:cTn>
-                  </p:par>
-                  <p:par>
-                    <p:cTn id="21" fill="hold">
-                      <p:stCondLst>
-                        <p:cond delay="indefinite"/>
-                      </p:stCondLst>
-                      <p:childTnLst>
-                        <p:par>
-                          <p:cTn id="22" fill="hold">
-                            <p:stCondLst>
-                              <p:cond delay="0"/>
-                            </p:stCondLst>
-                            <p:childTnLst>
-                              <p:par>
-                                <p:cTn id="23" presetID="1" presetClass="entr" presetSubtype="0" fill="hold" grpId="0" nodeType="clickEffect">
-                                  <p:stCondLst>
-                                    <p:cond delay="0"/>
-                                  </p:stCondLst>
-                                  <p:childTnLst>
-                                    <p:set>
-                                      <p:cBhvr>
-                                        <p:cTn id="24" dur="1" fill="hold">
-                                          <p:stCondLst>
-                                            <p:cond delay="0"/>
-                                          </p:stCondLst>
-                                        </p:cTn>
-                                        <p:tgtEl>
-                                          <p:spTgt spid="6"/>
-                                        </p:tgtEl>
-                                        <p:attrNameLst>
-                                          <p:attrName>style.visibility</p:attrName>
-                                        </p:attrNameLst>
-                                      </p:cBhvr>
-                                      <p:to>
-                                        <p:strVal val="visible"/>
-                                      </p:to>
-                                    </p:set>
-                                  </p:childTnLst>
-                                </p:cTn>
-                              </p:par>
-                              <p:par>
-                                <p:cTn id="25" presetID="1" presetClass="entr" presetSubtype="0" fill="hold" grpId="0" nodeType="withEffect">
-                                  <p:stCondLst>
-                                    <p:cond delay="0"/>
-                                  </p:stCondLst>
-                                  <p:childTnLst>
-                                    <p:set>
-                                      <p:cBhvr>
-                                        <p:cTn id="26" dur="1" fill="hold">
-                                          <p:stCondLst>
-                                            <p:cond delay="0"/>
-                                          </p:stCondLst>
-                                        </p:cTn>
-                                        <p:tgtEl>
-                                          <p:spTgt spid="12"/>
-                                        </p:tgtEl>
-                                        <p:attrNameLst>
-                                          <p:attrName>style.visibility</p:attrName>
-                                        </p:attrNameLst>
-                                      </p:cBhvr>
-                                      <p:to>
-                                        <p:strVal val="visible"/>
-                                      </p:to>
-                                    </p:set>
-                                  </p:childTnLst>
-                                </p:cTn>
-                              </p:par>
-                              <p:par>
-                                <p:cTn id="27" presetID="1" presetClass="entr" presetSubtype="0" fill="hold" grpId="0" nodeType="withEffect">
-                                  <p:stCondLst>
-                                    <p:cond delay="0"/>
-                                  </p:stCondLst>
-                                  <p:childTnLst>
-                                    <p:set>
-                                      <p:cBhvr>
-                                        <p:cTn id="28" dur="1" fill="hold">
-                                          <p:stCondLst>
-                                            <p:cond delay="0"/>
-                                          </p:stCondLst>
-                                        </p:cTn>
-                                        <p:tgtEl>
-                                          <p:spTgt spid="19"/>
-                                        </p:tgtEl>
-                                        <p:attrNameLst>
-                                          <p:attrName>style.visibility</p:attrName>
-                                        </p:attrNameLst>
-                                      </p:cBhvr>
-                                      <p:to>
-                                        <p:strVal val="visible"/>
-                                      </p:to>
-                                    </p:set>
-                                  </p:childTnLst>
-                                </p:cTn>
-                              </p:par>
-                            </p:childTnLst>
-                          </p:cTn>
-                        </p:par>
-                      </p:childTnLst>
-                    </p:cTn>
-                  </p:par>
-                  <p:par>
-                    <p:cTn id="29" fill="hold">
-                      <p:stCondLst>
-                        <p:cond delay="indefinite"/>
-                      </p:stCondLst>
-                      <p:childTnLst>
-                        <p:par>
-                          <p:cTn id="30" fill="hold">
-                            <p:stCondLst>
-                              <p:cond delay="0"/>
-                            </p:stCondLst>
-                            <p:childTnLst>
-                              <p:par>
-                                <p:cTn id="31" presetID="10" presetClass="entr" presetSubtype="0" fill="hold" grpId="0" nodeType="clickEffect">
-                                  <p:stCondLst>
-                                    <p:cond delay="0"/>
-                                  </p:stCondLst>
-                                  <p:childTnLst>
-                                    <p:set>
-                                      <p:cBhvr>
-                                        <p:cTn id="32" dur="1" fill="hold">
-                                          <p:stCondLst>
-                                            <p:cond delay="0"/>
-                                          </p:stCondLst>
-                                        </p:cTn>
-                                        <p:tgtEl>
-                                          <p:spTgt spid="23"/>
-                                        </p:tgtEl>
-                                        <p:attrNameLst>
-                                          <p:attrName>style.visibility</p:attrName>
-                                        </p:attrNameLst>
-                                      </p:cBhvr>
-                                      <p:to>
-                                        <p:strVal val="visible"/>
-                                      </p:to>
-                                    </p:set>
-                                    <p:animEffect transition="in" filter="fade">
-                                      <p:cBhvr>
-                                        <p:cTn id="33" dur="500"/>
-                                        <p:tgtEl>
-                                          <p:spTgt spid="23"/>
-                                        </p:tgtEl>
-                                      </p:cBhvr>
-                                    </p:animEffect>
-                                  </p:childTnLst>
-                                </p:cTn>
-                              </p:par>
-                            </p:childTnLst>
-                          </p:cTn>
-                        </p:par>
-                      </p:childTnLst>
-                    </p:cTn>
-                  </p:par>
-                  <p:par>
-                    <p:cTn id="34" fill="hold">
-                      <p:stCondLst>
-                        <p:cond delay="indefinite"/>
-                      </p:stCondLst>
-                      <p:childTnLst>
-                        <p:par>
-                          <p:cTn id="35" fill="hold">
-                            <p:stCondLst>
-                              <p:cond delay="0"/>
-                            </p:stCondLst>
-                            <p:childTnLst>
-                              <p:par>
-                                <p:cTn id="36" presetID="1" presetClass="entr" presetSubtype="0" fill="hold" grpId="0" nodeType="clickEffect">
-                                  <p:stCondLst>
-                                    <p:cond delay="0"/>
-                                  </p:stCondLst>
-                                  <p:childTnLst>
-                                    <p:set>
-                                      <p:cBhvr>
-                                        <p:cTn id="37" dur="1" fill="hold">
-                                          <p:stCondLst>
-                                            <p:cond delay="0"/>
-                                          </p:stCondLst>
-                                        </p:cTn>
-                                        <p:tgtEl>
-                                          <p:spTgt spid="5"/>
-                                        </p:tgtEl>
-                                        <p:attrNameLst>
-                                          <p:attrName>style.visibility</p:attrName>
-                                        </p:attrNameLst>
-                                      </p:cBhvr>
-                                      <p:to>
-                                        <p:strVal val="visible"/>
-                                      </p:to>
-                                    </p:set>
-                                  </p:childTnLst>
-                                </p:cTn>
-                              </p:par>
-                            </p:childTnLst>
-                          </p:cTn>
-                        </p:par>
-                      </p:childTnLst>
-                    </p:cTn>
-                  </p:par>
-                </p:childTnLst>
-              </p:cTn>
-              <p:prevCondLst>
-                <p:cond evt="onPrev" delay="0">
-                  <p:tgtEl>
-                    <p:sldTgt/>
-                  </p:tgtEl>
-                </p:cond>
-              </p:prevCondLst>
-              <p:nextCondLst>
-                <p:cond evt="onNext" delay="0">
-                  <p:tgtEl>
-                    <p:sldTgt/>
-                  </p:tgtEl>
-                </p:cond>
-              </p:nextCondLst>
-            </p:seq>
-          </p:childTnLst>
-        </p:cTn>
-      </p:par>
-    </p:tnLst>
-    <p:bldLst>
-      <p:bldP spid="3" grpId="0"/>
-      <p:bldP spid="18" grpId="0"/>
-      <p:bldP spid="19" grpId="0"/>
-      <p:bldP spid="23" grpId="0"/>
-      <p:bldP spid="8" grpId="0"/>
-      <p:bldP spid="2" grpId="0"/>
-      <p:bldP spid="4" grpId="0"/>
-      <p:bldP spid="6" grpId="0"/>
-      <p:bldP spid="12" grpId="0"/>
-      <p:bldP spid="5" grpId="0"/>
-    </p:bldLst>
-  </p:timing>
-</p:sld>
-</file>
-
 <file path=ppt/slides/slide2.xml><?xml version="1.0" encoding="utf-8"?>
 <p:sld xmlns:a="http://schemas.openxmlformats.org/drawingml/2006/main" xmlns:r="http://schemas.openxmlformats.org/officeDocument/2006/relationships" xmlns:p="http://schemas.openxmlformats.org/presentationml/2006/main">
   <p:cSld>
@@ -21275,7 +21047,15 @@
                   <a:srgbClr val="C00000"/>
                 </a:solidFill>
               </a:rPr>
-              <a:t>Technical Debt …</a:t>
+              <a:t>We know that </a:t>
+            </a:r>
+            <a:r>
+              <a:rPr lang="en-US" b="1" dirty="0" smtClean="0">
+                <a:solidFill>
+                  <a:srgbClr val="C00000"/>
+                </a:solidFill>
+              </a:rPr>
+              <a:t>…</a:t>
             </a:r>
             <a:endParaRPr lang="en-US" b="1" dirty="0">
               <a:solidFill>
@@ -21293,7 +21073,7 @@
         </p:nvSpPr>
         <p:spPr>
           <a:xfrm>
-            <a:off x="2514600" y="2249269"/>
+            <a:off x="2362200" y="1905000"/>
             <a:ext cx="5181600" cy="646331"/>
           </a:xfrm>
           <a:prstGeom prst="rect">
@@ -21308,25 +21088,12 @@
           <a:lstStyle/>
           <a:p>
             <a:r>
+              <a:rPr lang="en-US" sz="3600" b="1" dirty="0" smtClean="0"/>
+              <a:t>Short</a:t>
+            </a:r>
+            <a:r>
               <a:rPr lang="en-US" sz="3600" dirty="0" smtClean="0"/>
-              <a:t>Software </a:t>
-            </a:r>
-            <a:r>
-              <a:rPr lang="en-US" sz="3600" baseline="30000" dirty="0" smtClean="0">
-                <a:solidFill>
-                  <a:srgbClr val="C00000"/>
-                </a:solidFill>
-                <a:latin typeface="Comic Sans MS" pitchFamily="66" charset="0"/>
-              </a:rPr>
-              <a:t>^ </a:t>
-            </a:r>
-            <a:r>
-              <a:rPr lang="en-US" sz="3600" dirty="0" smtClean="0"/>
-              <a:t>has </a:t>
-            </a:r>
-            <a:r>
-              <a:rPr lang="en-US" sz="3600" b="1" dirty="0" smtClean="0"/>
-              <a:t>defects</a:t>
+              <a:t> deadlines</a:t>
             </a:r>
             <a:endParaRPr lang="en-US" sz="2800" dirty="0" smtClean="0"/>
           </a:p>
@@ -21334,14 +21101,37 @@
       </p:sp>
       <p:sp>
         <p:nvSpPr>
-          <p:cNvPr id="6" name="TextBox 5"/>
+          <p:cNvPr id="12" name="Slide Number Placeholder 11"/>
+          <p:cNvSpPr>
+            <a:spLocks noGrp="1"/>
+          </p:cNvSpPr>
+          <p:nvPr>
+            <p:ph type="sldNum" sz="quarter" idx="12"/>
+          </p:nvPr>
+        </p:nvSpPr>
+        <p:spPr/>
+        <p:txBody>
+          <a:bodyPr/>
+          <a:lstStyle/>
+          <a:p>
+            <a:fld id="{60927F4E-78AB-4E26-A0B2-E6DA284CA8FF}" type="slidenum">
+              <a:rPr lang="en-US" smtClean="0"/>
+              <a:t>2</a:t>
+            </a:fld>
+            <a:endParaRPr lang="en-US"/>
+          </a:p>
+        </p:txBody>
+      </p:sp>
+      <p:sp>
+        <p:nvSpPr>
+          <p:cNvPr id="13" name="TextBox 12"/>
           <p:cNvSpPr txBox="1"/>
           <p:nvPr/>
         </p:nvSpPr>
         <p:spPr>
-          <a:xfrm rot="1018685">
-            <a:off x="3319965" y="5217996"/>
-            <a:ext cx="1103187" cy="461665"/>
+          <a:xfrm>
+            <a:off x="2362200" y="2971800"/>
+            <a:ext cx="5181600" cy="646331"/>
           </a:xfrm>
           <a:prstGeom prst="rect">
             <a:avLst/>
@@ -21349,20 +21139,92 @@
           <a:noFill/>
         </p:spPr>
         <p:txBody>
-          <a:bodyPr wrap="none" rtlCol="0">
+          <a:bodyPr wrap="square" rtlCol="0">
             <a:spAutoFit/>
           </a:bodyPr>
           <a:lstStyle/>
           <a:p>
             <a:r>
-              <a:rPr lang="en-US" sz="2400" dirty="0" smtClean="0">
-                <a:solidFill>
-                  <a:srgbClr val="C00000"/>
-                </a:solidFill>
-                <a:latin typeface="Comic Sans MS" pitchFamily="66" charset="0"/>
-              </a:rPr>
-              <a:t>always</a:t>
-            </a:r>
+              <a:rPr lang="en-US" sz="3600" b="1" dirty="0" smtClean="0"/>
+              <a:t>Complex </a:t>
+            </a:r>
+            <a:r>
+              <a:rPr lang="en-US" sz="3600" dirty="0" smtClean="0"/>
+              <a:t>changes </a:t>
+            </a:r>
+            <a:endParaRPr lang="en-US" sz="2800" dirty="0" smtClean="0"/>
+          </a:p>
+        </p:txBody>
+      </p:sp>
+      <p:sp>
+        <p:nvSpPr>
+          <p:cNvPr id="14" name="TextBox 13"/>
+          <p:cNvSpPr txBox="1"/>
+          <p:nvPr/>
+        </p:nvSpPr>
+        <p:spPr>
+          <a:xfrm>
+            <a:off x="2362200" y="3886200"/>
+            <a:ext cx="5181600" cy="646331"/>
+          </a:xfrm>
+          <a:prstGeom prst="rect">
+            <a:avLst/>
+          </a:prstGeom>
+          <a:noFill/>
+        </p:spPr>
+        <p:txBody>
+          <a:bodyPr wrap="square" rtlCol="0">
+            <a:spAutoFit/>
+          </a:bodyPr>
+          <a:lstStyle/>
+          <a:p>
+            <a:r>
+              <a:rPr lang="en-US" sz="3600" b="1" dirty="0" smtClean="0"/>
+              <a:t>Lack</a:t>
+            </a:r>
+            <a:r>
+              <a:rPr lang="en-US" sz="3600" dirty="0" smtClean="0"/>
+              <a:t> of knowledge</a:t>
+            </a:r>
+            <a:endParaRPr lang="en-US" sz="2800" dirty="0" smtClean="0"/>
+          </a:p>
+        </p:txBody>
+      </p:sp>
+      <p:sp>
+        <p:nvSpPr>
+          <p:cNvPr id="15" name="TextBox 14"/>
+          <p:cNvSpPr txBox="1"/>
+          <p:nvPr/>
+        </p:nvSpPr>
+        <p:spPr>
+          <a:xfrm>
+            <a:off x="2362200" y="4800600"/>
+            <a:ext cx="5638800" cy="646331"/>
+          </a:xfrm>
+          <a:prstGeom prst="rect">
+            <a:avLst/>
+          </a:prstGeom>
+          <a:noFill/>
+        </p:spPr>
+        <p:txBody>
+          <a:bodyPr wrap="square" rtlCol="0">
+            <a:spAutoFit/>
+          </a:bodyPr>
+          <a:lstStyle/>
+          <a:p>
+            <a:r>
+              <a:rPr lang="en-US" sz="3600" dirty="0" smtClean="0"/>
+              <a:t>are </a:t>
+            </a:r>
+            <a:r>
+              <a:rPr lang="en-US" sz="3600" b="1" dirty="0" smtClean="0"/>
+              <a:t>causes</a:t>
+            </a:r>
+            <a:r>
+              <a:rPr lang="en-US" sz="3600" dirty="0" smtClean="0"/>
+              <a:t> of Technical Debt</a:t>
+            </a:r>
+            <a:endParaRPr lang="en-US" sz="2800" dirty="0" smtClean="0"/>
           </a:p>
         </p:txBody>
       </p:sp>
@@ -21374,8 +21236,8 @@
         </p:nvGrpSpPr>
         <p:grpSpPr>
           <a:xfrm>
-            <a:off x="838200" y="3352800"/>
-            <a:ext cx="7543800" cy="1295400"/>
+            <a:off x="762000" y="3048000"/>
+            <a:ext cx="7543800" cy="1447800"/>
             <a:chOff x="838200" y="4724400"/>
             <a:chExt cx="7543800" cy="1295400"/>
           </a:xfrm>
@@ -21451,7 +21313,23 @@
                     <a:schemeClr val="bg1"/>
                   </a:solidFill>
                 </a:rPr>
-                <a:t>How can we spend the limited resources to maximize quality?</a:t>
+                <a:t>How can we </a:t>
+              </a:r>
+              <a:r>
+                <a:rPr lang="en-US" sz="3200" b="1" dirty="0" smtClean="0">
+                  <a:solidFill>
+                    <a:schemeClr val="bg1"/>
+                  </a:solidFill>
+                </a:rPr>
+                <a:t>keep track of </a:t>
+              </a:r>
+              <a:r>
+                <a:rPr lang="en-US" sz="3200" b="1" dirty="0" smtClean="0">
+                  <a:solidFill>
+                    <a:schemeClr val="bg1"/>
+                  </a:solidFill>
+                </a:rPr>
+                <a:t> technical debt in our projects?</a:t>
               </a:r>
               <a:endParaRPr lang="en-US" sz="3200" b="1" dirty="0">
                 <a:solidFill>
@@ -21500,80 +21378,6 @@
           </p:txBody>
         </p:sp>
       </p:grpSp>
-      <p:sp>
-        <p:nvSpPr>
-          <p:cNvPr id="3" name="TextBox 2"/>
-          <p:cNvSpPr txBox="1"/>
-          <p:nvPr/>
-        </p:nvSpPr>
-        <p:spPr>
-          <a:xfrm>
-            <a:off x="1524000" y="5602069"/>
-            <a:ext cx="6357702" cy="646331"/>
-          </a:xfrm>
-          <a:prstGeom prst="rect">
-            <a:avLst/>
-          </a:prstGeom>
-          <a:noFill/>
-        </p:spPr>
-        <p:txBody>
-          <a:bodyPr wrap="none" rtlCol="0">
-            <a:spAutoFit/>
-          </a:bodyPr>
-          <a:lstStyle/>
-          <a:p>
-            <a:r>
-              <a:rPr lang="en-US" sz="3600" dirty="0"/>
-              <a:t>P</a:t>
-            </a:r>
-            <a:r>
-              <a:rPr lang="en-US" sz="3600" dirty="0" smtClean="0"/>
-              <a:t>rojects </a:t>
-            </a:r>
-            <a:r>
-              <a:rPr lang="en-US" sz="3600" baseline="30000" dirty="0">
-                <a:solidFill>
-                  <a:srgbClr val="C00000"/>
-                </a:solidFill>
-                <a:latin typeface="Comic Sans MS" pitchFamily="66" charset="0"/>
-              </a:rPr>
-              <a:t>^ </a:t>
-            </a:r>
-            <a:r>
-              <a:rPr lang="en-US" sz="3600" dirty="0"/>
-              <a:t>have </a:t>
-            </a:r>
-            <a:r>
-              <a:rPr lang="en-US" sz="3600" b="1" dirty="0"/>
-              <a:t>limited resources</a:t>
-            </a:r>
-            <a:endParaRPr lang="en-US" sz="3600" dirty="0"/>
-          </a:p>
-        </p:txBody>
-      </p:sp>
-      <p:sp>
-        <p:nvSpPr>
-          <p:cNvPr id="12" name="Slide Number Placeholder 11"/>
-          <p:cNvSpPr>
-            <a:spLocks noGrp="1"/>
-          </p:cNvSpPr>
-          <p:nvPr>
-            <p:ph type="sldNum" sz="quarter" idx="12"/>
-          </p:nvPr>
-        </p:nvSpPr>
-        <p:spPr/>
-        <p:txBody>
-          <a:bodyPr/>
-          <a:lstStyle/>
-          <a:p>
-            <a:fld id="{60927F4E-78AB-4E26-A0B2-E6DA284CA8FF}" type="slidenum">
-              <a:rPr lang="en-US" smtClean="0"/>
-              <a:t>2</a:t>
-            </a:fld>
-            <a:endParaRPr lang="en-US"/>
-          </a:p>
-        </p:txBody>
-      </p:sp>
     </p:spTree>
     <p:extLst>
       <p:ext uri="{BB962C8B-B14F-4D97-AF65-F5344CB8AC3E}">
@@ -21605,9 +21409,9 @@
                             </p:stCondLst>
                             <p:childTnLst>
                               <p:par>
-                                <p:cTn id="5" presetID="1" presetClass="entr" presetSubtype="0" fill="hold" grpId="0" nodeType="clickEffect">
+                                <p:cTn id="5" presetID="1" presetClass="entr" presetSubtype="0" fill="hold" grpId="2" nodeType="clickEffect">
                                   <p:stCondLst>
-                                    <p:cond delay="100"/>
+                                    <p:cond delay="0"/>
                                   </p:stCondLst>
                                   <p:childTnLst>
                                     <p:set>
@@ -21618,34 +21422,7 @@
                                           </p:stCondLst>
                                         </p:cTn>
                                         <p:tgtEl>
-                                          <p:spTgt spid="6"/>
-                                        </p:tgtEl>
-                                        <p:attrNameLst>
-                                          <p:attrName>style.visibility</p:attrName>
-                                        </p:attrNameLst>
-                                      </p:cBhvr>
-                                      <p:to>
-                                        <p:strVal val="visible"/>
-                                      </p:to>
-                                    </p:set>
-                                  </p:childTnLst>
-                                </p:cTn>
-                              </p:par>
-                              <p:par>
-                                <p:cTn id="7" presetID="1" presetClass="entr" presetSubtype="0" fill="hold" grpId="0" nodeType="withEffect">
-                                  <p:stCondLst>
-                                    <p:cond delay="0"/>
-                                  </p:stCondLst>
-                                  <p:childTnLst>
-                                    <p:set>
-                                      <p:cBhvr>
-                                        <p:cTn id="8" dur="1" fill="hold">
-                                          <p:stCondLst>
-                                            <p:cond delay="0"/>
-                                          </p:stCondLst>
-                                        </p:cTn>
-                                        <p:tgtEl>
-                                          <p:spTgt spid="3"/>
+                                          <p:spTgt spid="5"/>
                                         </p:tgtEl>
                                         <p:attrNameLst>
                                           <p:attrName>style.visibility</p:attrName>
@@ -21665,32 +21442,32 @@
                     </p:cTn>
                   </p:par>
                   <p:par>
-                    <p:cTn id="9" fill="hold">
+                    <p:cTn id="7" fill="hold">
                       <p:stCondLst>
                         <p:cond delay="indefinite"/>
                       </p:stCondLst>
                       <p:childTnLst>
                         <p:par>
-                          <p:cTn id="10" fill="hold">
+                          <p:cTn id="8" fill="hold">
                             <p:stCondLst>
                               <p:cond delay="0"/>
                             </p:stCondLst>
                             <p:childTnLst>
                               <p:par>
-                                <p:cTn id="11" presetID="2" presetClass="entr" presetSubtype="4" fill="hold" nodeType="clickEffect">
+                                <p:cTn id="9" presetID="1" presetClass="entr" presetSubtype="0" fill="hold" grpId="0" nodeType="clickEffect">
                                   <p:stCondLst>
                                     <p:cond delay="0"/>
                                   </p:stCondLst>
                                   <p:childTnLst>
                                     <p:set>
                                       <p:cBhvr>
-                                        <p:cTn id="12" dur="1" fill="hold">
+                                        <p:cTn id="10" dur="1" fill="hold">
                                           <p:stCondLst>
                                             <p:cond delay="0"/>
                                           </p:stCondLst>
                                         </p:cTn>
                                         <p:tgtEl>
-                                          <p:spTgt spid="11"/>
+                                          <p:spTgt spid="13"/>
                                         </p:tgtEl>
                                         <p:attrNameLst>
                                           <p:attrName>style.visibility</p:attrName>
@@ -21700,52 +21477,242 @@
                                         <p:strVal val="visible"/>
                                       </p:to>
                                     </p:set>
-                                    <p:anim calcmode="lin" valueType="num">
-                                      <p:cBhvr additive="base">
-                                        <p:cTn id="13" dur="500" fill="hold"/>
+                                  </p:childTnLst>
+                                </p:cTn>
+                              </p:par>
+                            </p:childTnLst>
+                          </p:cTn>
+                        </p:par>
+                      </p:childTnLst>
+                    </p:cTn>
+                  </p:par>
+                  <p:par>
+                    <p:cTn id="11" fill="hold">
+                      <p:stCondLst>
+                        <p:cond delay="indefinite"/>
+                      </p:stCondLst>
+                      <p:childTnLst>
+                        <p:par>
+                          <p:cTn id="12" fill="hold">
+                            <p:stCondLst>
+                              <p:cond delay="0"/>
+                            </p:stCondLst>
+                            <p:childTnLst>
+                              <p:par>
+                                <p:cTn id="13" presetID="1" presetClass="entr" presetSubtype="0" fill="hold" grpId="0" nodeType="clickEffect">
+                                  <p:stCondLst>
+                                    <p:cond delay="0"/>
+                                  </p:stCondLst>
+                                  <p:childTnLst>
+                                    <p:set>
+                                      <p:cBhvr>
+                                        <p:cTn id="14" dur="1" fill="hold">
+                                          <p:stCondLst>
+                                            <p:cond delay="0"/>
+                                          </p:stCondLst>
+                                        </p:cTn>
+                                        <p:tgtEl>
+                                          <p:spTgt spid="14"/>
+                                        </p:tgtEl>
+                                        <p:attrNameLst>
+                                          <p:attrName>style.visibility</p:attrName>
+                                        </p:attrNameLst>
+                                      </p:cBhvr>
+                                      <p:to>
+                                        <p:strVal val="visible"/>
+                                      </p:to>
+                                    </p:set>
+                                  </p:childTnLst>
+                                </p:cTn>
+                              </p:par>
+                            </p:childTnLst>
+                          </p:cTn>
+                        </p:par>
+                      </p:childTnLst>
+                    </p:cTn>
+                  </p:par>
+                  <p:par>
+                    <p:cTn id="15" fill="hold">
+                      <p:stCondLst>
+                        <p:cond delay="indefinite"/>
+                      </p:stCondLst>
+                      <p:childTnLst>
+                        <p:par>
+                          <p:cTn id="16" fill="hold">
+                            <p:stCondLst>
+                              <p:cond delay="0"/>
+                            </p:stCondLst>
+                            <p:childTnLst>
+                              <p:par>
+                                <p:cTn id="17" presetID="1" presetClass="entr" presetSubtype="0" fill="hold" grpId="0" nodeType="clickEffect">
+                                  <p:stCondLst>
+                                    <p:cond delay="0"/>
+                                  </p:stCondLst>
+                                  <p:childTnLst>
+                                    <p:set>
+                                      <p:cBhvr>
+                                        <p:cTn id="18" dur="1" fill="hold">
+                                          <p:stCondLst>
+                                            <p:cond delay="0"/>
+                                          </p:stCondLst>
+                                        </p:cTn>
+                                        <p:tgtEl>
+                                          <p:spTgt spid="15"/>
+                                        </p:tgtEl>
+                                        <p:attrNameLst>
+                                          <p:attrName>style.visibility</p:attrName>
+                                        </p:attrNameLst>
+                                      </p:cBhvr>
+                                      <p:to>
+                                        <p:strVal val="visible"/>
+                                      </p:to>
+                                    </p:set>
+                                  </p:childTnLst>
+                                </p:cTn>
+                              </p:par>
+                            </p:childTnLst>
+                          </p:cTn>
+                        </p:par>
+                      </p:childTnLst>
+                    </p:cTn>
+                  </p:par>
+                  <p:par>
+                    <p:cTn id="19" fill="hold">
+                      <p:stCondLst>
+                        <p:cond delay="indefinite"/>
+                      </p:stCondLst>
+                      <p:childTnLst>
+                        <p:par>
+                          <p:cTn id="20" fill="hold">
+                            <p:stCondLst>
+                              <p:cond delay="0"/>
+                            </p:stCondLst>
+                            <p:childTnLst>
+                              <p:par>
+                                <p:cTn id="21" presetID="3" presetClass="emph" presetSubtype="2" fill="hold" grpId="1" nodeType="clickEffect">
+                                  <p:stCondLst>
+                                    <p:cond delay="0"/>
+                                  </p:stCondLst>
+                                  <p:childTnLst>
+                                    <p:animClr clrSpc="rgb" dir="cw">
+                                      <p:cBhvr override="childStyle">
+                                        <p:cTn id="22" dur="10" fill="hold"/>
+                                        <p:tgtEl>
+                                          <p:spTgt spid="13"/>
+                                        </p:tgtEl>
+                                        <p:attrNameLst>
+                                          <p:attrName>style.color</p:attrName>
+                                        </p:attrNameLst>
+                                      </p:cBhvr>
+                                      <p:to>
+                                        <a:srgbClr val="818280"/>
+                                      </p:to>
+                                    </p:animClr>
+                                  </p:childTnLst>
+                                </p:cTn>
+                              </p:par>
+                              <p:par>
+                                <p:cTn id="23" presetID="3" presetClass="emph" presetSubtype="2" fill="hold" grpId="1" nodeType="withEffect">
+                                  <p:stCondLst>
+                                    <p:cond delay="0"/>
+                                  </p:stCondLst>
+                                  <p:childTnLst>
+                                    <p:animClr clrSpc="rgb" dir="cw">
+                                      <p:cBhvr override="childStyle">
+                                        <p:cTn id="24" dur="10" fill="hold"/>
+                                        <p:tgtEl>
+                                          <p:spTgt spid="5"/>
+                                        </p:tgtEl>
+                                        <p:attrNameLst>
+                                          <p:attrName>style.color</p:attrName>
+                                        </p:attrNameLst>
+                                      </p:cBhvr>
+                                      <p:to>
+                                        <a:srgbClr val="818280"/>
+                                      </p:to>
+                                    </p:animClr>
+                                  </p:childTnLst>
+                                </p:cTn>
+                              </p:par>
+                              <p:par>
+                                <p:cTn id="25" presetID="3" presetClass="emph" presetSubtype="2" fill="hold" grpId="1" nodeType="withEffect">
+                                  <p:stCondLst>
+                                    <p:cond delay="0"/>
+                                  </p:stCondLst>
+                                  <p:childTnLst>
+                                    <p:animClr clrSpc="rgb" dir="cw">
+                                      <p:cBhvr override="childStyle">
+                                        <p:cTn id="26" dur="10" fill="hold"/>
+                                        <p:tgtEl>
+                                          <p:spTgt spid="14"/>
+                                        </p:tgtEl>
+                                        <p:attrNameLst>
+                                          <p:attrName>style.color</p:attrName>
+                                        </p:attrNameLst>
+                                      </p:cBhvr>
+                                      <p:to>
+                                        <a:srgbClr val="818280"/>
+                                      </p:to>
+                                    </p:animClr>
+                                  </p:childTnLst>
+                                </p:cTn>
+                              </p:par>
+                              <p:par>
+                                <p:cTn id="27" presetID="3" presetClass="emph" presetSubtype="2" fill="hold" grpId="1" nodeType="withEffect">
+                                  <p:stCondLst>
+                                    <p:cond delay="0"/>
+                                  </p:stCondLst>
+                                  <p:childTnLst>
+                                    <p:animClr clrSpc="rgb" dir="cw">
+                                      <p:cBhvr override="childStyle">
+                                        <p:cTn id="28" dur="10" fill="hold"/>
+                                        <p:tgtEl>
+                                          <p:spTgt spid="15"/>
+                                        </p:tgtEl>
+                                        <p:attrNameLst>
+                                          <p:attrName>style.color</p:attrName>
+                                        </p:attrNameLst>
+                                      </p:cBhvr>
+                                      <p:to>
+                                        <a:srgbClr val="818280"/>
+                                      </p:to>
+                                    </p:animClr>
+                                  </p:childTnLst>
+                                </p:cTn>
+                              </p:par>
+                            </p:childTnLst>
+                          </p:cTn>
+                        </p:par>
+                        <p:par>
+                          <p:cTn id="29" fill="hold">
+                            <p:stCondLst>
+                              <p:cond delay="10"/>
+                            </p:stCondLst>
+                            <p:childTnLst>
+                              <p:par>
+                                <p:cTn id="30" presetID="1" presetClass="entr" presetSubtype="0" fill="hold" nodeType="afterEffect">
+                                  <p:stCondLst>
+                                    <p:cond delay="0"/>
+                                  </p:stCondLst>
+                                  <p:childTnLst>
+                                    <p:set>
+                                      <p:cBhvr>
+                                        <p:cTn id="31" dur="1" fill="hold">
+                                          <p:stCondLst>
+                                            <p:cond delay="0"/>
+                                          </p:stCondLst>
+                                        </p:cTn>
                                         <p:tgtEl>
                                           <p:spTgt spid="11"/>
                                         </p:tgtEl>
                                         <p:attrNameLst>
-                                          <p:attrName>ppt_x</p:attrName>
+                                          <p:attrName>style.visibility</p:attrName>
                                         </p:attrNameLst>
                                       </p:cBhvr>
-                                      <p:tavLst>
-                                        <p:tav tm="0">
-                                          <p:val>
-                                            <p:strVal val="#ppt_x"/>
-                                          </p:val>
-                                        </p:tav>
-                                        <p:tav tm="100000">
-                                          <p:val>
-                                            <p:strVal val="#ppt_x"/>
-                                          </p:val>
-                                        </p:tav>
-                                      </p:tavLst>
-                                    </p:anim>
-                                    <p:anim calcmode="lin" valueType="num">
-                                      <p:cBhvr additive="base">
-                                        <p:cTn id="14" dur="500" fill="hold"/>
-                                        <p:tgtEl>
-                                          <p:spTgt spid="11"/>
-                                        </p:tgtEl>
-                                        <p:attrNameLst>
-                                          <p:attrName>ppt_y</p:attrName>
-                                        </p:attrNameLst>
-                                      </p:cBhvr>
-                                      <p:tavLst>
-                                        <p:tav tm="0">
-                                          <p:val>
-                                            <p:strVal val="1+#ppt_h/2"/>
-                                          </p:val>
-                                        </p:tav>
-                                        <p:tav tm="100000">
-                                          <p:val>
-                                            <p:strVal val="#ppt_y"/>
-                                          </p:val>
-                                        </p:tav>
-                                      </p:tavLst>
-                                    </p:anim>
+                                      <p:to>
+                                        <p:strVal val="visible"/>
+                                      </p:to>
+                                    </p:set>
                                   </p:childTnLst>
                                 </p:cTn>
                               </p:par>
@@ -21777,8 +21744,14 @@
       </p:par>
     </p:tnLst>
     <p:bldLst>
-      <p:bldP spid="6" grpId="0"/>
-      <p:bldP spid="3" grpId="0"/>
+      <p:bldP spid="5" grpId="1"/>
+      <p:bldP spid="5" grpId="2"/>
+      <p:bldP spid="13" grpId="0"/>
+      <p:bldP spid="13" grpId="1"/>
+      <p:bldP spid="14" grpId="0"/>
+      <p:bldP spid="14" grpId="1"/>
+      <p:bldP spid="15" grpId="0"/>
+      <p:bldP spid="15" grpId="1"/>
     </p:bldLst>
   </p:timing>
 </p:sld>
@@ -21803,6 +21776,880 @@
       </p:grpSpPr>
       <p:sp>
         <p:nvSpPr>
+          <p:cNvPr id="27" name="Title 1"/>
+          <p:cNvSpPr>
+            <a:spLocks noGrp="1"/>
+          </p:cNvSpPr>
+          <p:nvPr>
+            <p:ph type="title"/>
+          </p:nvPr>
+        </p:nvSpPr>
+        <p:spPr>
+          <a:xfrm>
+            <a:off x="152400" y="76200"/>
+            <a:ext cx="8458200" cy="1143000"/>
+          </a:xfrm>
+        </p:spPr>
+        <p:txBody>
+          <a:bodyPr>
+            <a:normAutofit/>
+          </a:bodyPr>
+          <a:lstStyle/>
+          <a:p>
+            <a:pPr algn="l" fontAlgn="base">
+              <a:spcAft>
+                <a:spcPct val="0"/>
+              </a:spcAft>
+            </a:pPr>
+            <a:r>
+              <a:rPr lang="en-US" b="1" dirty="0" smtClean="0">
+                <a:solidFill>
+                  <a:srgbClr val="C00000"/>
+                </a:solidFill>
+              </a:rPr>
+              <a:t>Take Home Messages</a:t>
+            </a:r>
+            <a:endParaRPr lang="en-US" b="1" dirty="0">
+              <a:solidFill>
+                <a:srgbClr val="C00000"/>
+              </a:solidFill>
+            </a:endParaRPr>
+          </a:p>
+        </p:txBody>
+      </p:sp>
+      <p:sp>
+        <p:nvSpPr>
+          <p:cNvPr id="3" name="TextBox 2"/>
+          <p:cNvSpPr txBox="1"/>
+          <p:nvPr/>
+        </p:nvSpPr>
+        <p:spPr>
+          <a:xfrm>
+            <a:off x="609601" y="1524000"/>
+            <a:ext cx="8229600" cy="954107"/>
+          </a:xfrm>
+          <a:prstGeom prst="rect">
+            <a:avLst/>
+          </a:prstGeom>
+          <a:noFill/>
+        </p:spPr>
+        <p:txBody>
+          <a:bodyPr wrap="square" rtlCol="0">
+            <a:spAutoFit/>
+          </a:bodyPr>
+          <a:lstStyle/>
+          <a:p>
+            <a:r>
+              <a:rPr lang="en-US" sz="2800" dirty="0" smtClean="0"/>
+              <a:t>1. Breakages  and Surprises are </a:t>
+            </a:r>
+            <a:r>
+              <a:rPr lang="en-US" sz="2800" b="1" dirty="0" smtClean="0"/>
+              <a:t>different. </a:t>
+            </a:r>
+            <a:r>
+              <a:rPr lang="en-US" sz="2800" dirty="0" smtClean="0"/>
+              <a:t>Occur in 2%      </a:t>
+            </a:r>
+            <a:br>
+              <a:rPr lang="en-US" sz="2800" dirty="0" smtClean="0"/>
+            </a:br>
+            <a:r>
+              <a:rPr lang="en-US" sz="2800" dirty="0" smtClean="0"/>
+              <a:t>     of files</a:t>
+            </a:r>
+            <a:r>
+              <a:rPr lang="en-US" sz="2800" b="1" dirty="0" smtClean="0"/>
+              <a:t>, hard to predict</a:t>
+            </a:r>
+            <a:endParaRPr lang="en-US" sz="2800" dirty="0"/>
+          </a:p>
+        </p:txBody>
+      </p:sp>
+      <p:sp>
+        <p:nvSpPr>
+          <p:cNvPr id="18" name="TextBox 17"/>
+          <p:cNvSpPr txBox="1"/>
+          <p:nvPr/>
+        </p:nvSpPr>
+        <p:spPr>
+          <a:xfrm>
+            <a:off x="609600" y="2905780"/>
+            <a:ext cx="8229600" cy="523220"/>
+          </a:xfrm>
+          <a:prstGeom prst="rect">
+            <a:avLst/>
+          </a:prstGeom>
+          <a:noFill/>
+        </p:spPr>
+        <p:txBody>
+          <a:bodyPr wrap="square" rtlCol="0">
+            <a:spAutoFit/>
+          </a:bodyPr>
+          <a:lstStyle/>
+          <a:p>
+            <a:r>
+              <a:rPr lang="en-US" sz="2800" dirty="0" smtClean="0"/>
+              <a:t>2. Achieve </a:t>
+            </a:r>
+            <a:r>
+              <a:rPr lang="en-US" sz="2800" b="1" dirty="0" smtClean="0"/>
+              <a:t>2-3X improvement in precision, high recall</a:t>
+            </a:r>
+            <a:endParaRPr lang="en-US" sz="2800" dirty="0"/>
+          </a:p>
+        </p:txBody>
+      </p:sp>
+      <p:sp>
+        <p:nvSpPr>
+          <p:cNvPr id="19" name="TextBox 18"/>
+          <p:cNvSpPr txBox="1"/>
+          <p:nvPr/>
+        </p:nvSpPr>
+        <p:spPr>
+          <a:xfrm>
+            <a:off x="4724399" y="4368225"/>
+            <a:ext cx="4648201" cy="523220"/>
+          </a:xfrm>
+          <a:prstGeom prst="rect">
+            <a:avLst/>
+          </a:prstGeom>
+          <a:noFill/>
+        </p:spPr>
+        <p:txBody>
+          <a:bodyPr wrap="square" rtlCol="0">
+            <a:spAutoFit/>
+          </a:bodyPr>
+          <a:lstStyle/>
+          <a:p>
+            <a:r>
+              <a:rPr lang="en-US" sz="2800" b="1" dirty="0" smtClean="0"/>
+              <a:t>Co-change and Time metrics</a:t>
+            </a:r>
+            <a:endParaRPr lang="en-US" sz="2800" b="1" dirty="0"/>
+          </a:p>
+        </p:txBody>
+      </p:sp>
+      <p:sp>
+        <p:nvSpPr>
+          <p:cNvPr id="23" name="TextBox 22"/>
+          <p:cNvSpPr txBox="1"/>
+          <p:nvPr/>
+        </p:nvSpPr>
+        <p:spPr>
+          <a:xfrm>
+            <a:off x="609600" y="5257800"/>
+            <a:ext cx="8229600" cy="523220"/>
+          </a:xfrm>
+          <a:prstGeom prst="rect">
+            <a:avLst/>
+          </a:prstGeom>
+          <a:noFill/>
+        </p:spPr>
+        <p:txBody>
+          <a:bodyPr wrap="square" rtlCol="0">
+            <a:spAutoFit/>
+          </a:bodyPr>
+          <a:lstStyle/>
+          <a:p>
+            <a:r>
+              <a:rPr lang="en-US" sz="2800" dirty="0" smtClean="0"/>
+              <a:t>4. Building specialized models </a:t>
+            </a:r>
+            <a:r>
+              <a:rPr lang="en-US" sz="2800" b="1" dirty="0" smtClean="0"/>
+              <a:t>saves 40-50% effort</a:t>
+            </a:r>
+            <a:endParaRPr lang="en-US" sz="2800" b="1" dirty="0"/>
+          </a:p>
+        </p:txBody>
+      </p:sp>
+      <p:sp>
+        <p:nvSpPr>
+          <p:cNvPr id="8" name="TextBox 7"/>
+          <p:cNvSpPr txBox="1"/>
+          <p:nvPr/>
+        </p:nvSpPr>
+        <p:spPr>
+          <a:xfrm>
+            <a:off x="3886200" y="3810000"/>
+            <a:ext cx="609600" cy="646331"/>
+          </a:xfrm>
+          <a:prstGeom prst="rect">
+            <a:avLst/>
+          </a:prstGeom>
+          <a:noFill/>
+        </p:spPr>
+        <p:txBody>
+          <a:bodyPr wrap="square" rtlCol="0">
+            <a:spAutoFit/>
+          </a:bodyPr>
+          <a:lstStyle/>
+          <a:p>
+            <a:r>
+              <a:rPr lang="en-US" sz="3600" dirty="0" smtClean="0">
+                <a:sym typeface="Wingdings" pitchFamily="2" charset="2"/>
+              </a:rPr>
+              <a:t></a:t>
+            </a:r>
+            <a:endParaRPr lang="en-US" sz="3600" dirty="0"/>
+          </a:p>
+        </p:txBody>
+      </p:sp>
+      <p:sp>
+        <p:nvSpPr>
+          <p:cNvPr id="2" name="TextBox 1"/>
+          <p:cNvSpPr txBox="1"/>
+          <p:nvPr/>
+        </p:nvSpPr>
+        <p:spPr>
+          <a:xfrm>
+            <a:off x="5105400" y="3834825"/>
+            <a:ext cx="3055773" cy="523220"/>
+          </a:xfrm>
+          <a:prstGeom prst="rect">
+            <a:avLst/>
+          </a:prstGeom>
+          <a:noFill/>
+        </p:spPr>
+        <p:txBody>
+          <a:bodyPr wrap="none" rtlCol="0">
+            <a:spAutoFit/>
+          </a:bodyPr>
+          <a:lstStyle/>
+          <a:p>
+            <a:r>
+              <a:rPr lang="en-US" sz="2800" b="1" dirty="0"/>
+              <a:t>Traditional metrics </a:t>
+            </a:r>
+            <a:endParaRPr lang="en-US" sz="2800" dirty="0"/>
+          </a:p>
+        </p:txBody>
+      </p:sp>
+      <p:sp>
+        <p:nvSpPr>
+          <p:cNvPr id="4" name="TextBox 3"/>
+          <p:cNvSpPr txBox="1"/>
+          <p:nvPr/>
+        </p:nvSpPr>
+        <p:spPr>
+          <a:xfrm>
+            <a:off x="676031" y="3834825"/>
+            <a:ext cx="2067169" cy="523220"/>
+          </a:xfrm>
+          <a:prstGeom prst="rect">
+            <a:avLst/>
+          </a:prstGeom>
+          <a:noFill/>
+        </p:spPr>
+        <p:txBody>
+          <a:bodyPr wrap="none" rtlCol="0">
+            <a:spAutoFit/>
+          </a:bodyPr>
+          <a:lstStyle/>
+          <a:p>
+            <a:r>
+              <a:rPr lang="en-US" sz="2800" b="1" dirty="0" smtClean="0"/>
+              <a:t>3. Breakages</a:t>
+            </a:r>
+            <a:endParaRPr lang="en-US" sz="2800" b="1" dirty="0"/>
+          </a:p>
+        </p:txBody>
+      </p:sp>
+      <p:sp>
+        <p:nvSpPr>
+          <p:cNvPr id="6" name="TextBox 5"/>
+          <p:cNvSpPr txBox="1"/>
+          <p:nvPr/>
+        </p:nvSpPr>
+        <p:spPr>
+          <a:xfrm>
+            <a:off x="990600" y="4444425"/>
+            <a:ext cx="1550424" cy="523220"/>
+          </a:xfrm>
+          <a:prstGeom prst="rect">
+            <a:avLst/>
+          </a:prstGeom>
+          <a:noFill/>
+        </p:spPr>
+        <p:txBody>
+          <a:bodyPr wrap="none" rtlCol="0">
+            <a:spAutoFit/>
+          </a:bodyPr>
+          <a:lstStyle/>
+          <a:p>
+            <a:r>
+              <a:rPr lang="en-US" sz="2800" b="1" dirty="0" smtClean="0"/>
+              <a:t>Surprises</a:t>
+            </a:r>
+            <a:endParaRPr lang="en-US" sz="2800" b="1" dirty="0"/>
+          </a:p>
+        </p:txBody>
+      </p:sp>
+      <p:sp>
+        <p:nvSpPr>
+          <p:cNvPr id="12" name="TextBox 11"/>
+          <p:cNvSpPr txBox="1"/>
+          <p:nvPr/>
+        </p:nvSpPr>
+        <p:spPr>
+          <a:xfrm>
+            <a:off x="3886200" y="4382869"/>
+            <a:ext cx="609600" cy="646331"/>
+          </a:xfrm>
+          <a:prstGeom prst="rect">
+            <a:avLst/>
+          </a:prstGeom>
+          <a:noFill/>
+        </p:spPr>
+        <p:txBody>
+          <a:bodyPr wrap="square" rtlCol="0">
+            <a:spAutoFit/>
+          </a:bodyPr>
+          <a:lstStyle/>
+          <a:p>
+            <a:r>
+              <a:rPr lang="en-US" sz="3600" dirty="0" smtClean="0">
+                <a:sym typeface="Wingdings" pitchFamily="2" charset="2"/>
+              </a:rPr>
+              <a:t></a:t>
+            </a:r>
+            <a:endParaRPr lang="en-US" sz="3600" dirty="0"/>
+          </a:p>
+        </p:txBody>
+      </p:sp>
+      <p:sp>
+        <p:nvSpPr>
+          <p:cNvPr id="7" name="Slide Number Placeholder 6"/>
+          <p:cNvSpPr>
+            <a:spLocks noGrp="1"/>
+          </p:cNvSpPr>
+          <p:nvPr>
+            <p:ph type="sldNum" sz="quarter" idx="12"/>
+          </p:nvPr>
+        </p:nvSpPr>
+        <p:spPr/>
+        <p:txBody>
+          <a:bodyPr/>
+          <a:lstStyle/>
+          <a:p>
+            <a:fld id="{60927F4E-78AB-4E26-A0B2-E6DA284CA8FF}" type="slidenum">
+              <a:rPr lang="en-US" smtClean="0"/>
+              <a:t>20</a:t>
+            </a:fld>
+            <a:endParaRPr lang="en-US" dirty="0"/>
+          </a:p>
+        </p:txBody>
+      </p:sp>
+      <p:sp>
+        <p:nvSpPr>
+          <p:cNvPr id="5" name="TextBox 4"/>
+          <p:cNvSpPr txBox="1"/>
+          <p:nvPr/>
+        </p:nvSpPr>
+        <p:spPr>
+          <a:xfrm>
+            <a:off x="914400" y="6412468"/>
+            <a:ext cx="7387920" cy="369332"/>
+          </a:xfrm>
+          <a:prstGeom prst="rect">
+            <a:avLst/>
+          </a:prstGeom>
+          <a:noFill/>
+        </p:spPr>
+        <p:txBody>
+          <a:bodyPr wrap="none" rtlCol="0">
+            <a:spAutoFit/>
+          </a:bodyPr>
+          <a:lstStyle/>
+          <a:p>
+            <a:r>
+              <a:rPr lang="en-US" dirty="0">
+                <a:solidFill>
+                  <a:srgbClr val="FF0000"/>
+                </a:solidFill>
+              </a:rPr>
+              <a:t>http://research.cs.queensu.ca/home/emads/data/FSE2011/hid_artifact.html</a:t>
+            </a:r>
+          </a:p>
+        </p:txBody>
+      </p:sp>
+    </p:spTree>
+    <p:extLst>
+      <p:ext uri="{BB962C8B-B14F-4D97-AF65-F5344CB8AC3E}">
+        <p14:creationId xmlns:p14="http://schemas.microsoft.com/office/powerpoint/2010/main" val="3772275119"/>
+      </p:ext>
+    </p:extLst>
+  </p:cSld>
+  <p:clrMapOvr>
+    <a:masterClrMapping/>
+  </p:clrMapOvr>
+  <p:timing>
+    <p:tnLst>
+      <p:par>
+        <p:cTn xmlns:p14="http://schemas.microsoft.com/office/powerpoint/2010/main" id="1" dur="indefinite" restart="never" nodeType="tmRoot">
+          <p:childTnLst>
+            <p:seq concurrent="1" nextAc="seek">
+              <p:cTn id="2" dur="indefinite" nodeType="mainSeq">
+                <p:childTnLst>
+                  <p:par>
+                    <p:cTn id="3" fill="hold">
+                      <p:stCondLst>
+                        <p:cond delay="indefinite"/>
+                      </p:stCondLst>
+                      <p:childTnLst>
+                        <p:par>
+                          <p:cTn id="4" fill="hold">
+                            <p:stCondLst>
+                              <p:cond delay="0"/>
+                            </p:stCondLst>
+                            <p:childTnLst>
+                              <p:par>
+                                <p:cTn id="5" presetID="10" presetClass="entr" presetSubtype="0" fill="hold" grpId="0" nodeType="clickEffect">
+                                  <p:stCondLst>
+                                    <p:cond delay="0"/>
+                                  </p:stCondLst>
+                                  <p:childTnLst>
+                                    <p:set>
+                                      <p:cBhvr>
+                                        <p:cTn id="6" dur="1" fill="hold">
+                                          <p:stCondLst>
+                                            <p:cond delay="0"/>
+                                          </p:stCondLst>
+                                        </p:cTn>
+                                        <p:tgtEl>
+                                          <p:spTgt spid="3"/>
+                                        </p:tgtEl>
+                                        <p:attrNameLst>
+                                          <p:attrName>style.visibility</p:attrName>
+                                        </p:attrNameLst>
+                                      </p:cBhvr>
+                                      <p:to>
+                                        <p:strVal val="visible"/>
+                                      </p:to>
+                                    </p:set>
+                                    <p:animEffect transition="in" filter="fade">
+                                      <p:cBhvr>
+                                        <p:cTn id="7" dur="500"/>
+                                        <p:tgtEl>
+                                          <p:spTgt spid="3"/>
+                                        </p:tgtEl>
+                                      </p:cBhvr>
+                                    </p:animEffect>
+                                  </p:childTnLst>
+                                </p:cTn>
+                              </p:par>
+                            </p:childTnLst>
+                          </p:cTn>
+                        </p:par>
+                      </p:childTnLst>
+                    </p:cTn>
+                  </p:par>
+                  <p:par>
+                    <p:cTn id="8" fill="hold">
+                      <p:stCondLst>
+                        <p:cond delay="indefinite"/>
+                      </p:stCondLst>
+                      <p:childTnLst>
+                        <p:par>
+                          <p:cTn id="9" fill="hold">
+                            <p:stCondLst>
+                              <p:cond delay="0"/>
+                            </p:stCondLst>
+                            <p:childTnLst>
+                              <p:par>
+                                <p:cTn id="10" presetID="10" presetClass="entr" presetSubtype="0" fill="hold" grpId="0" nodeType="clickEffect">
+                                  <p:stCondLst>
+                                    <p:cond delay="0"/>
+                                  </p:stCondLst>
+                                  <p:childTnLst>
+                                    <p:set>
+                                      <p:cBhvr>
+                                        <p:cTn id="11" dur="1" fill="hold">
+                                          <p:stCondLst>
+                                            <p:cond delay="0"/>
+                                          </p:stCondLst>
+                                        </p:cTn>
+                                        <p:tgtEl>
+                                          <p:spTgt spid="18"/>
+                                        </p:tgtEl>
+                                        <p:attrNameLst>
+                                          <p:attrName>style.visibility</p:attrName>
+                                        </p:attrNameLst>
+                                      </p:cBhvr>
+                                      <p:to>
+                                        <p:strVal val="visible"/>
+                                      </p:to>
+                                    </p:set>
+                                    <p:animEffect transition="in" filter="fade">
+                                      <p:cBhvr>
+                                        <p:cTn id="12" dur="500"/>
+                                        <p:tgtEl>
+                                          <p:spTgt spid="18"/>
+                                        </p:tgtEl>
+                                      </p:cBhvr>
+                                    </p:animEffect>
+                                  </p:childTnLst>
+                                </p:cTn>
+                              </p:par>
+                            </p:childTnLst>
+                          </p:cTn>
+                        </p:par>
+                      </p:childTnLst>
+                    </p:cTn>
+                  </p:par>
+                  <p:par>
+                    <p:cTn id="13" fill="hold">
+                      <p:stCondLst>
+                        <p:cond delay="indefinite"/>
+                      </p:stCondLst>
+                      <p:childTnLst>
+                        <p:par>
+                          <p:cTn id="14" fill="hold">
+                            <p:stCondLst>
+                              <p:cond delay="0"/>
+                            </p:stCondLst>
+                            <p:childTnLst>
+                              <p:par>
+                                <p:cTn id="15" presetID="1" presetClass="entr" presetSubtype="0" fill="hold" grpId="0" nodeType="clickEffect">
+                                  <p:stCondLst>
+                                    <p:cond delay="0"/>
+                                  </p:stCondLst>
+                                  <p:childTnLst>
+                                    <p:set>
+                                      <p:cBhvr>
+                                        <p:cTn id="16" dur="1" fill="hold">
+                                          <p:stCondLst>
+                                            <p:cond delay="0"/>
+                                          </p:stCondLst>
+                                        </p:cTn>
+                                        <p:tgtEl>
+                                          <p:spTgt spid="4"/>
+                                        </p:tgtEl>
+                                        <p:attrNameLst>
+                                          <p:attrName>style.visibility</p:attrName>
+                                        </p:attrNameLst>
+                                      </p:cBhvr>
+                                      <p:to>
+                                        <p:strVal val="visible"/>
+                                      </p:to>
+                                    </p:set>
+                                  </p:childTnLst>
+                                </p:cTn>
+                              </p:par>
+                              <p:par>
+                                <p:cTn id="17" presetID="1" presetClass="entr" presetSubtype="0" fill="hold" grpId="0" nodeType="withEffect">
+                                  <p:stCondLst>
+                                    <p:cond delay="0"/>
+                                  </p:stCondLst>
+                                  <p:childTnLst>
+                                    <p:set>
+                                      <p:cBhvr>
+                                        <p:cTn id="18" dur="1" fill="hold">
+                                          <p:stCondLst>
+                                            <p:cond delay="0"/>
+                                          </p:stCondLst>
+                                        </p:cTn>
+                                        <p:tgtEl>
+                                          <p:spTgt spid="8"/>
+                                        </p:tgtEl>
+                                        <p:attrNameLst>
+                                          <p:attrName>style.visibility</p:attrName>
+                                        </p:attrNameLst>
+                                      </p:cBhvr>
+                                      <p:to>
+                                        <p:strVal val="visible"/>
+                                      </p:to>
+                                    </p:set>
+                                  </p:childTnLst>
+                                </p:cTn>
+                              </p:par>
+                              <p:par>
+                                <p:cTn id="19" presetID="1" presetClass="entr" presetSubtype="0" fill="hold" grpId="0" nodeType="withEffect">
+                                  <p:stCondLst>
+                                    <p:cond delay="0"/>
+                                  </p:stCondLst>
+                                  <p:childTnLst>
+                                    <p:set>
+                                      <p:cBhvr>
+                                        <p:cTn id="20" dur="1" fill="hold">
+                                          <p:stCondLst>
+                                            <p:cond delay="0"/>
+                                          </p:stCondLst>
+                                        </p:cTn>
+                                        <p:tgtEl>
+                                          <p:spTgt spid="2"/>
+                                        </p:tgtEl>
+                                        <p:attrNameLst>
+                                          <p:attrName>style.visibility</p:attrName>
+                                        </p:attrNameLst>
+                                      </p:cBhvr>
+                                      <p:to>
+                                        <p:strVal val="visible"/>
+                                      </p:to>
+                                    </p:set>
+                                  </p:childTnLst>
+                                </p:cTn>
+                              </p:par>
+                            </p:childTnLst>
+                          </p:cTn>
+                        </p:par>
+                      </p:childTnLst>
+                    </p:cTn>
+                  </p:par>
+                  <p:par>
+                    <p:cTn id="21" fill="hold">
+                      <p:stCondLst>
+                        <p:cond delay="indefinite"/>
+                      </p:stCondLst>
+                      <p:childTnLst>
+                        <p:par>
+                          <p:cTn id="22" fill="hold">
+                            <p:stCondLst>
+                              <p:cond delay="0"/>
+                            </p:stCondLst>
+                            <p:childTnLst>
+                              <p:par>
+                                <p:cTn id="23" presetID="1" presetClass="entr" presetSubtype="0" fill="hold" grpId="0" nodeType="clickEffect">
+                                  <p:stCondLst>
+                                    <p:cond delay="0"/>
+                                  </p:stCondLst>
+                                  <p:childTnLst>
+                                    <p:set>
+                                      <p:cBhvr>
+                                        <p:cTn id="24" dur="1" fill="hold">
+                                          <p:stCondLst>
+                                            <p:cond delay="0"/>
+                                          </p:stCondLst>
+                                        </p:cTn>
+                                        <p:tgtEl>
+                                          <p:spTgt spid="6"/>
+                                        </p:tgtEl>
+                                        <p:attrNameLst>
+                                          <p:attrName>style.visibility</p:attrName>
+                                        </p:attrNameLst>
+                                      </p:cBhvr>
+                                      <p:to>
+                                        <p:strVal val="visible"/>
+                                      </p:to>
+                                    </p:set>
+                                  </p:childTnLst>
+                                </p:cTn>
+                              </p:par>
+                              <p:par>
+                                <p:cTn id="25" presetID="1" presetClass="entr" presetSubtype="0" fill="hold" grpId="0" nodeType="withEffect">
+                                  <p:stCondLst>
+                                    <p:cond delay="0"/>
+                                  </p:stCondLst>
+                                  <p:childTnLst>
+                                    <p:set>
+                                      <p:cBhvr>
+                                        <p:cTn id="26" dur="1" fill="hold">
+                                          <p:stCondLst>
+                                            <p:cond delay="0"/>
+                                          </p:stCondLst>
+                                        </p:cTn>
+                                        <p:tgtEl>
+                                          <p:spTgt spid="12"/>
+                                        </p:tgtEl>
+                                        <p:attrNameLst>
+                                          <p:attrName>style.visibility</p:attrName>
+                                        </p:attrNameLst>
+                                      </p:cBhvr>
+                                      <p:to>
+                                        <p:strVal val="visible"/>
+                                      </p:to>
+                                    </p:set>
+                                  </p:childTnLst>
+                                </p:cTn>
+                              </p:par>
+                              <p:par>
+                                <p:cTn id="27" presetID="1" presetClass="entr" presetSubtype="0" fill="hold" grpId="0" nodeType="withEffect">
+                                  <p:stCondLst>
+                                    <p:cond delay="0"/>
+                                  </p:stCondLst>
+                                  <p:childTnLst>
+                                    <p:set>
+                                      <p:cBhvr>
+                                        <p:cTn id="28" dur="1" fill="hold">
+                                          <p:stCondLst>
+                                            <p:cond delay="0"/>
+                                          </p:stCondLst>
+                                        </p:cTn>
+                                        <p:tgtEl>
+                                          <p:spTgt spid="19"/>
+                                        </p:tgtEl>
+                                        <p:attrNameLst>
+                                          <p:attrName>style.visibility</p:attrName>
+                                        </p:attrNameLst>
+                                      </p:cBhvr>
+                                      <p:to>
+                                        <p:strVal val="visible"/>
+                                      </p:to>
+                                    </p:set>
+                                  </p:childTnLst>
+                                </p:cTn>
+                              </p:par>
+                            </p:childTnLst>
+                          </p:cTn>
+                        </p:par>
+                      </p:childTnLst>
+                    </p:cTn>
+                  </p:par>
+                  <p:par>
+                    <p:cTn id="29" fill="hold">
+                      <p:stCondLst>
+                        <p:cond delay="indefinite"/>
+                      </p:stCondLst>
+                      <p:childTnLst>
+                        <p:par>
+                          <p:cTn id="30" fill="hold">
+                            <p:stCondLst>
+                              <p:cond delay="0"/>
+                            </p:stCondLst>
+                            <p:childTnLst>
+                              <p:par>
+                                <p:cTn id="31" presetID="10" presetClass="entr" presetSubtype="0" fill="hold" grpId="0" nodeType="clickEffect">
+                                  <p:stCondLst>
+                                    <p:cond delay="0"/>
+                                  </p:stCondLst>
+                                  <p:childTnLst>
+                                    <p:set>
+                                      <p:cBhvr>
+                                        <p:cTn id="32" dur="1" fill="hold">
+                                          <p:stCondLst>
+                                            <p:cond delay="0"/>
+                                          </p:stCondLst>
+                                        </p:cTn>
+                                        <p:tgtEl>
+                                          <p:spTgt spid="23"/>
+                                        </p:tgtEl>
+                                        <p:attrNameLst>
+                                          <p:attrName>style.visibility</p:attrName>
+                                        </p:attrNameLst>
+                                      </p:cBhvr>
+                                      <p:to>
+                                        <p:strVal val="visible"/>
+                                      </p:to>
+                                    </p:set>
+                                    <p:animEffect transition="in" filter="fade">
+                                      <p:cBhvr>
+                                        <p:cTn id="33" dur="500"/>
+                                        <p:tgtEl>
+                                          <p:spTgt spid="23"/>
+                                        </p:tgtEl>
+                                      </p:cBhvr>
+                                    </p:animEffect>
+                                  </p:childTnLst>
+                                </p:cTn>
+                              </p:par>
+                            </p:childTnLst>
+                          </p:cTn>
+                        </p:par>
+                      </p:childTnLst>
+                    </p:cTn>
+                  </p:par>
+                  <p:par>
+                    <p:cTn id="34" fill="hold">
+                      <p:stCondLst>
+                        <p:cond delay="indefinite"/>
+                      </p:stCondLst>
+                      <p:childTnLst>
+                        <p:par>
+                          <p:cTn id="35" fill="hold">
+                            <p:stCondLst>
+                              <p:cond delay="0"/>
+                            </p:stCondLst>
+                            <p:childTnLst>
+                              <p:par>
+                                <p:cTn id="36" presetID="1" presetClass="entr" presetSubtype="0" fill="hold" grpId="0" nodeType="clickEffect">
+                                  <p:stCondLst>
+                                    <p:cond delay="0"/>
+                                  </p:stCondLst>
+                                  <p:childTnLst>
+                                    <p:set>
+                                      <p:cBhvr>
+                                        <p:cTn id="37" dur="1" fill="hold">
+                                          <p:stCondLst>
+                                            <p:cond delay="0"/>
+                                          </p:stCondLst>
+                                        </p:cTn>
+                                        <p:tgtEl>
+                                          <p:spTgt spid="5"/>
+                                        </p:tgtEl>
+                                        <p:attrNameLst>
+                                          <p:attrName>style.visibility</p:attrName>
+                                        </p:attrNameLst>
+                                      </p:cBhvr>
+                                      <p:to>
+                                        <p:strVal val="visible"/>
+                                      </p:to>
+                                    </p:set>
+                                  </p:childTnLst>
+                                </p:cTn>
+                              </p:par>
+                            </p:childTnLst>
+                          </p:cTn>
+                        </p:par>
+                      </p:childTnLst>
+                    </p:cTn>
+                  </p:par>
+                </p:childTnLst>
+              </p:cTn>
+              <p:prevCondLst>
+                <p:cond evt="onPrev" delay="0">
+                  <p:tgtEl>
+                    <p:sldTgt/>
+                  </p:tgtEl>
+                </p:cond>
+              </p:prevCondLst>
+              <p:nextCondLst>
+                <p:cond evt="onNext" delay="0">
+                  <p:tgtEl>
+                    <p:sldTgt/>
+                  </p:tgtEl>
+                </p:cond>
+              </p:nextCondLst>
+            </p:seq>
+          </p:childTnLst>
+        </p:cTn>
+      </p:par>
+    </p:tnLst>
+    <p:bldLst>
+      <p:bldP spid="3" grpId="0"/>
+      <p:bldP spid="18" grpId="0"/>
+      <p:bldP spid="19" grpId="0"/>
+      <p:bldP spid="23" grpId="0"/>
+      <p:bldP spid="8" grpId="0"/>
+      <p:bldP spid="2" grpId="0"/>
+      <p:bldP spid="4" grpId="0"/>
+      <p:bldP spid="6" grpId="0"/>
+      <p:bldP spid="12" grpId="0"/>
+      <p:bldP spid="5" grpId="0"/>
+    </p:bldLst>
+  </p:timing>
+</p:sld>
+</file>
+
+<file path=ppt/slides/slide21.xml><?xml version="1.0" encoding="utf-8"?>
+<p:sld xmlns:a="http://schemas.openxmlformats.org/drawingml/2006/main" xmlns:r="http://schemas.openxmlformats.org/officeDocument/2006/relationships" xmlns:p="http://schemas.openxmlformats.org/presentationml/2006/main">
+  <p:cSld>
+    <p:spTree>
+      <p:nvGrpSpPr>
+        <p:cNvPr id="1" name=""/>
+        <p:cNvGrpSpPr/>
+        <p:nvPr/>
+      </p:nvGrpSpPr>
+      <p:grpSpPr>
+        <a:xfrm>
+          <a:off x="0" y="0"/>
+          <a:ext cx="0" cy="0"/>
+          <a:chOff x="0" y="0"/>
+          <a:chExt cx="0" cy="0"/>
+        </a:xfrm>
+      </p:grpSpPr>
+      <p:sp>
+        <p:nvSpPr>
           <p:cNvPr id="2" name="Title 1"/>
           <p:cNvSpPr>
             <a:spLocks noGrp="1"/>
@@ -21856,7 +22703,7 @@
           <a:p>
             <a:fld id="{60927F4E-78AB-4E26-A0B2-E6DA284CA8FF}" type="slidenum">
               <a:rPr lang="en-US" smtClean="0"/>
-              <a:t>20</a:t>
+              <a:t>21</a:t>
             </a:fld>
             <a:endParaRPr lang="en-US"/>
           </a:p>
@@ -21882,7 +22729,7 @@
 </p:sld>
 </file>
 
-<file path=ppt/slides/slide21.xml><?xml version="1.0" encoding="utf-8"?>
+<file path=ppt/slides/slide22.xml><?xml version="1.0" encoding="utf-8"?>
 <p:sld xmlns:a="http://schemas.openxmlformats.org/drawingml/2006/main" xmlns:r="http://schemas.openxmlformats.org/officeDocument/2006/relationships" xmlns:p="http://schemas.openxmlformats.org/presentationml/2006/main">
   <p:cSld>
     <p:spTree>
@@ -22790,7 +23637,7 @@
           <a:p>
             <a:fld id="{60927F4E-78AB-4E26-A0B2-E6DA284CA8FF}" type="slidenum">
               <a:rPr lang="en-US" smtClean="0"/>
-              <a:t>21</a:t>
+              <a:t>22</a:t>
             </a:fld>
             <a:endParaRPr lang="en-US"/>
           </a:p>
@@ -23485,7 +24332,7 @@
 </p:sld>
 </file>
 
-<file path=ppt/slides/slide22.xml><?xml version="1.0" encoding="utf-8"?>
+<file path=ppt/slides/slide23.xml><?xml version="1.0" encoding="utf-8"?>
 <p:sld xmlns:a="http://schemas.openxmlformats.org/drawingml/2006/main" xmlns:r="http://schemas.openxmlformats.org/officeDocument/2006/relationships" xmlns:p="http://schemas.openxmlformats.org/presentationml/2006/main">
   <p:cSld>
     <p:spTree>
@@ -23613,7 +24460,7 @@
           <a:p>
             <a:fld id="{60927F4E-78AB-4E26-A0B2-E6DA284CA8FF}" type="slidenum">
               <a:rPr lang="en-US" smtClean="0"/>
-              <a:t>22</a:t>
+              <a:t>23</a:t>
             </a:fld>
             <a:endParaRPr lang="en-US"/>
           </a:p>
@@ -23852,7 +24699,7 @@
 </p:sld>
 </file>
 
-<file path=ppt/slides/slide23.xml><?xml version="1.0" encoding="utf-8"?>
+<file path=ppt/slides/slide24.xml><?xml version="1.0" encoding="utf-8"?>
 <p:sld xmlns:a="http://schemas.openxmlformats.org/drawingml/2006/main" xmlns:r="http://schemas.openxmlformats.org/officeDocument/2006/relationships" xmlns:p="http://schemas.openxmlformats.org/presentationml/2006/main">
   <p:cSld>
     <p:spTree>
@@ -24462,7 +25309,7 @@
           <a:p>
             <a:fld id="{60927F4E-78AB-4E26-A0B2-E6DA284CA8FF}" type="slidenum">
               <a:rPr lang="en-US" smtClean="0"/>
-              <a:t>23</a:t>
+              <a:t>24</a:t>
             </a:fld>
             <a:endParaRPr lang="en-US"/>
           </a:p>
@@ -25179,7 +26026,7 @@
 </p:sld>
 </file>
 
-<file path=ppt/slides/slide24.xml><?xml version="1.0" encoding="utf-8"?>
+<file path=ppt/slides/slide25.xml><?xml version="1.0" encoding="utf-8"?>
 <p:sld xmlns:a="http://schemas.openxmlformats.org/drawingml/2006/main" xmlns:r="http://schemas.openxmlformats.org/officeDocument/2006/relationships" xmlns:p="http://schemas.openxmlformats.org/presentationml/2006/main">
   <p:cSld>
     <p:spTree>
@@ -25278,7 +26125,7 @@
           <a:p>
             <a:fld id="{60927F4E-78AB-4E26-A0B2-E6DA284CA8FF}" type="slidenum">
               <a:rPr lang="en-US" smtClean="0"/>
-              <a:t>24</a:t>
+              <a:t>25</a:t>
             </a:fld>
             <a:endParaRPr lang="en-US"/>
           </a:p>
@@ -25304,7 +26151,7 @@
 </p:sld>
 </file>
 
-<file path=ppt/slides/slide25.xml><?xml version="1.0" encoding="utf-8"?>
+<file path=ppt/slides/slide26.xml><?xml version="1.0" encoding="utf-8"?>
 <p:sld xmlns:a="http://schemas.openxmlformats.org/drawingml/2006/main" xmlns:r="http://schemas.openxmlformats.org/officeDocument/2006/relationships" xmlns:p="http://schemas.openxmlformats.org/presentationml/2006/main">
   <p:cSld>
     <p:spTree>
@@ -25710,7 +26557,7 @@
           <a:p>
             <a:fld id="{60927F4E-78AB-4E26-A0B2-E6DA284CA8FF}" type="slidenum">
               <a:rPr lang="en-US" smtClean="0"/>
-              <a:t>25</a:t>
+              <a:t>26</a:t>
             </a:fld>
             <a:endParaRPr lang="en-US"/>
           </a:p>
@@ -26190,7 +27037,7 @@
 </p:sld>
 </file>
 
-<file path=ppt/slides/slide26.xml><?xml version="1.0" encoding="utf-8"?>
+<file path=ppt/slides/slide27.xml><?xml version="1.0" encoding="utf-8"?>
 <p:sld xmlns:a="http://schemas.openxmlformats.org/drawingml/2006/main" xmlns:r="http://schemas.openxmlformats.org/officeDocument/2006/relationships" xmlns:p="http://schemas.openxmlformats.org/presentationml/2006/main">
   <p:cSld>
     <p:spTree>
@@ -26541,7 +27388,7 @@
           <a:p>
             <a:fld id="{60927F4E-78AB-4E26-A0B2-E6DA284CA8FF}" type="slidenum">
               <a:rPr lang="en-US" smtClean="0"/>
-              <a:t>26</a:t>
+              <a:t>27</a:t>
             </a:fld>
             <a:endParaRPr lang="en-US"/>
           </a:p>
@@ -26567,7 +27414,7 @@
 </p:sld>
 </file>
 
-<file path=ppt/slides/slide27.xml><?xml version="1.0" encoding="utf-8"?>
+<file path=ppt/slides/slide28.xml><?xml version="1.0" encoding="utf-8"?>
 <p:sld xmlns:a="http://schemas.openxmlformats.org/drawingml/2006/main" xmlns:r="http://schemas.openxmlformats.org/officeDocument/2006/relationships" xmlns:p="http://schemas.openxmlformats.org/presentationml/2006/main">
   <p:cSld>
     <p:spTree>
@@ -27067,7 +27914,7 @@
           <a:p>
             <a:fld id="{60927F4E-78AB-4E26-A0B2-E6DA284CA8FF}" type="slidenum">
               <a:rPr lang="en-US" smtClean="0"/>
-              <a:t>27</a:t>
+              <a:t>28</a:t>
             </a:fld>
             <a:endParaRPr lang="en-US"/>
           </a:p>
@@ -27566,7 +28413,7 @@
 </p:sld>
 </file>
 
-<file path=ppt/slides/slide28.xml><?xml version="1.0" encoding="utf-8"?>
+<file path=ppt/slides/slide29.xml><?xml version="1.0" encoding="utf-8"?>
 <p:sld xmlns:a="http://schemas.openxmlformats.org/drawingml/2006/main" xmlns:r="http://schemas.openxmlformats.org/officeDocument/2006/relationships" xmlns:p="http://schemas.openxmlformats.org/presentationml/2006/main">
   <p:cSld>
     <p:spTree>
@@ -27800,7 +28647,7 @@
           <a:p>
             <a:fld id="{60927F4E-78AB-4E26-A0B2-E6DA284CA8FF}" type="slidenum">
               <a:rPr lang="en-US" smtClean="0"/>
-              <a:t>28</a:t>
+              <a:t>29</a:t>
             </a:fld>
             <a:endParaRPr lang="en-US"/>
           </a:p>
@@ -27900,416 +28747,6 @@
                                         </p:cTn>
                                         <p:tgtEl>
                                           <p:spTgt spid="8">
-                                            <p:txEl>
-                                              <p:pRg st="0" end="0"/>
-                                            </p:txEl>
-                                          </p:spTgt>
-                                        </p:tgtEl>
-                                        <p:attrNameLst>
-                                          <p:attrName>style.visibility</p:attrName>
-                                        </p:attrNameLst>
-                                      </p:cBhvr>
-                                      <p:to>
-                                        <p:strVal val="visible"/>
-                                      </p:to>
-                                    </p:set>
-                                  </p:childTnLst>
-                                </p:cTn>
-                              </p:par>
-                            </p:childTnLst>
-                          </p:cTn>
-                        </p:par>
-                      </p:childTnLst>
-                    </p:cTn>
-                  </p:par>
-                </p:childTnLst>
-              </p:cTn>
-              <p:prevCondLst>
-                <p:cond evt="onPrev" delay="0">
-                  <p:tgtEl>
-                    <p:sldTgt/>
-                  </p:tgtEl>
-                </p:cond>
-              </p:prevCondLst>
-              <p:nextCondLst>
-                <p:cond evt="onNext" delay="0">
-                  <p:tgtEl>
-                    <p:sldTgt/>
-                  </p:tgtEl>
-                </p:cond>
-              </p:nextCondLst>
-            </p:seq>
-          </p:childTnLst>
-        </p:cTn>
-      </p:par>
-    </p:tnLst>
-  </p:timing>
-</p:sld>
-</file>
-
-<file path=ppt/slides/slide29.xml><?xml version="1.0" encoding="utf-8"?>
-<p:sld xmlns:a="http://schemas.openxmlformats.org/drawingml/2006/main" xmlns:r="http://schemas.openxmlformats.org/officeDocument/2006/relationships" xmlns:p="http://schemas.openxmlformats.org/presentationml/2006/main">
-  <p:cSld>
-    <p:spTree>
-      <p:nvGrpSpPr>
-        <p:cNvPr id="1" name=""/>
-        <p:cNvGrpSpPr/>
-        <p:nvPr/>
-      </p:nvGrpSpPr>
-      <p:grpSpPr>
-        <a:xfrm>
-          <a:off x="0" y="0"/>
-          <a:ext cx="0" cy="0"/>
-          <a:chOff x="0" y="0"/>
-          <a:chExt cx="0" cy="0"/>
-        </a:xfrm>
-      </p:grpSpPr>
-      <p:pic>
-        <p:nvPicPr>
-          <p:cNvPr id="9" name="Picture 2"/>
-          <p:cNvPicPr>
-            <a:picLocks noChangeAspect="1" noChangeArrowheads="1"/>
-          </p:cNvPicPr>
-          <p:nvPr/>
-        </p:nvPicPr>
-        <p:blipFill>
-          <a:blip r:embed="rId3">
-            <a:extLst>
-              <a:ext uri="{28A0092B-C50C-407E-A947-70E740481C1C}">
-                <a14:useLocalDpi xmlns:a14="http://schemas.microsoft.com/office/drawing/2010/main" val="0"/>
-              </a:ext>
-            </a:extLst>
-          </a:blip>
-          <a:srcRect/>
-          <a:stretch>
-            <a:fillRect/>
-          </a:stretch>
-        </p:blipFill>
-        <p:spPr bwMode="auto">
-          <a:xfrm>
-            <a:off x="4266096" y="3257730"/>
-            <a:ext cx="5030304" cy="3676470"/>
-          </a:xfrm>
-          <a:prstGeom prst="rect">
-            <a:avLst/>
-          </a:prstGeom>
-          <a:noFill/>
-          <a:ln>
-            <a:noFill/>
-          </a:ln>
-          <a:effectLst/>
-          <a:extLst>
-            <a:ext uri="{909E8E84-426E-40dd-AFC4-6F175D3DCCD1}">
-              <a14:hiddenFill xmlns:a14="http://schemas.microsoft.com/office/drawing/2010/main">
-                <a:solidFill>
-                  <a:schemeClr val="accent1"/>
-                </a:solidFill>
-              </a14:hiddenFill>
-            </a:ext>
-            <a:ext uri="{91240B29-F687-4f45-9708-019B960494DF}">
-              <a14:hiddenLine xmlns:a14="http://schemas.microsoft.com/office/drawing/2010/main" w="9525">
-                <a:solidFill>
-                  <a:schemeClr val="tx1"/>
-                </a:solidFill>
-                <a:miter lim="800000"/>
-                <a:headEnd/>
-                <a:tailEnd/>
-              </a14:hiddenLine>
-            </a:ext>
-            <a:ext uri="{AF507438-7753-43e0-B8FC-AC1667EBCBE1}">
-              <a14:hiddenEffects xmlns:a14="http://schemas.microsoft.com/office/drawing/2010/main">
-                <a:effectLst>
-                  <a:outerShdw dist="35921" dir="2700000" algn="ctr" rotWithShape="0">
-                    <a:schemeClr val="bg2"/>
-                  </a:outerShdw>
-                </a:effectLst>
-              </a14:hiddenEffects>
-            </a:ext>
-          </a:extLst>
-        </p:spPr>
-      </p:pic>
-      <p:sp>
-        <p:nvSpPr>
-          <p:cNvPr id="2" name="Title 1"/>
-          <p:cNvSpPr>
-            <a:spLocks noGrp="1"/>
-          </p:cNvSpPr>
-          <p:nvPr>
-            <p:ph type="title"/>
-          </p:nvPr>
-        </p:nvSpPr>
-        <p:spPr/>
-        <p:txBody>
-          <a:bodyPr>
-            <a:normAutofit/>
-          </a:bodyPr>
-          <a:lstStyle/>
-          <a:p>
-            <a:pPr algn="l" fontAlgn="base">
-              <a:spcAft>
-                <a:spcPct val="0"/>
-              </a:spcAft>
-            </a:pPr>
-            <a:r>
-              <a:rPr lang="en-US" b="1" dirty="0" smtClean="0">
-                <a:solidFill>
-                  <a:srgbClr val="C00000"/>
-                </a:solidFill>
-              </a:rPr>
-              <a:t>Surprise Defects</a:t>
-            </a:r>
-            <a:endParaRPr lang="en-US" b="1" dirty="0">
-              <a:solidFill>
-                <a:srgbClr val="C00000"/>
-              </a:solidFill>
-            </a:endParaRPr>
-          </a:p>
-        </p:txBody>
-      </p:sp>
-      <p:sp>
-        <p:nvSpPr>
-          <p:cNvPr id="5" name="TextBox 4"/>
-          <p:cNvSpPr txBox="1"/>
-          <p:nvPr/>
-        </p:nvSpPr>
-        <p:spPr>
-          <a:xfrm>
-            <a:off x="152400" y="1828800"/>
-            <a:ext cx="5486400" cy="1200329"/>
-          </a:xfrm>
-          <a:prstGeom prst="rect">
-            <a:avLst/>
-          </a:prstGeom>
-          <a:noFill/>
-        </p:spPr>
-        <p:txBody>
-          <a:bodyPr wrap="square" rtlCol="0">
-            <a:spAutoFit/>
-          </a:bodyPr>
-          <a:lstStyle/>
-          <a:p>
-            <a:r>
-              <a:rPr lang="en-US" sz="3600" dirty="0"/>
-              <a:t>Flag files with </a:t>
-            </a:r>
-            <a:r>
-              <a:rPr lang="en-US" sz="3600" dirty="0" smtClean="0"/>
-              <a:t>defects in </a:t>
-            </a:r>
-            <a:r>
-              <a:rPr lang="en-US" sz="3600" b="1" dirty="0"/>
-              <a:t>unexpected locations</a:t>
-            </a:r>
-          </a:p>
-        </p:txBody>
-      </p:sp>
-      <p:sp>
-        <p:nvSpPr>
-          <p:cNvPr id="10" name="TextBox 9"/>
-          <p:cNvSpPr txBox="1"/>
-          <p:nvPr/>
-        </p:nvSpPr>
-        <p:spPr>
-          <a:xfrm>
-            <a:off x="228600" y="5029200"/>
-            <a:ext cx="4037496" cy="1200329"/>
-          </a:xfrm>
-          <a:prstGeom prst="rect">
-            <a:avLst/>
-          </a:prstGeom>
-          <a:noFill/>
-        </p:spPr>
-        <p:txBody>
-          <a:bodyPr wrap="square" rtlCol="0">
-            <a:spAutoFit/>
-          </a:bodyPr>
-          <a:lstStyle/>
-          <a:p>
-            <a:r>
-              <a:rPr lang="en-US" sz="3600" dirty="0" smtClean="0"/>
-              <a:t>Catch practitioners off guard</a:t>
-            </a:r>
-            <a:endParaRPr lang="en-US" sz="3600" dirty="0"/>
-          </a:p>
-        </p:txBody>
-      </p:sp>
-      <p:sp>
-        <p:nvSpPr>
-          <p:cNvPr id="13" name="TextBox 12"/>
-          <p:cNvSpPr txBox="1"/>
-          <p:nvPr/>
-        </p:nvSpPr>
-        <p:spPr>
-          <a:xfrm>
-            <a:off x="228600" y="6211669"/>
-            <a:ext cx="4037496" cy="646331"/>
-          </a:xfrm>
-          <a:prstGeom prst="rect">
-            <a:avLst/>
-          </a:prstGeom>
-          <a:noFill/>
-        </p:spPr>
-        <p:txBody>
-          <a:bodyPr wrap="square" rtlCol="0">
-            <a:spAutoFit/>
-          </a:bodyPr>
-          <a:lstStyle/>
-          <a:p>
-            <a:r>
-              <a:rPr lang="en-US" sz="3600" dirty="0" smtClean="0"/>
-              <a:t>Interrupt schedules</a:t>
-            </a:r>
-            <a:endParaRPr lang="en-US" sz="3600" dirty="0"/>
-          </a:p>
-        </p:txBody>
-      </p:sp>
-      <p:sp>
-        <p:nvSpPr>
-          <p:cNvPr id="14" name="TextBox 13"/>
-          <p:cNvSpPr txBox="1"/>
-          <p:nvPr/>
-        </p:nvSpPr>
-        <p:spPr>
-          <a:xfrm>
-            <a:off x="228600" y="3352800"/>
-            <a:ext cx="4037496" cy="1200329"/>
-          </a:xfrm>
-          <a:prstGeom prst="rect">
-            <a:avLst/>
-          </a:prstGeom>
-          <a:noFill/>
-        </p:spPr>
-        <p:txBody>
-          <a:bodyPr wrap="square" rtlCol="0">
-            <a:spAutoFit/>
-          </a:bodyPr>
-          <a:lstStyle/>
-          <a:p>
-            <a:r>
-              <a:rPr lang="en-US" sz="3600" dirty="0" smtClean="0"/>
-              <a:t>High ratio of post-to-pre defects</a:t>
-            </a:r>
-            <a:endParaRPr lang="en-US" sz="3600" dirty="0"/>
-          </a:p>
-        </p:txBody>
-      </p:sp>
-      <p:sp>
-        <p:nvSpPr>
-          <p:cNvPr id="4" name="Slide Number Placeholder 3"/>
-          <p:cNvSpPr>
-            <a:spLocks noGrp="1"/>
-          </p:cNvSpPr>
-          <p:nvPr>
-            <p:ph type="sldNum" sz="quarter" idx="12"/>
-          </p:nvPr>
-        </p:nvSpPr>
-        <p:spPr/>
-        <p:txBody>
-          <a:bodyPr/>
-          <a:lstStyle/>
-          <a:p>
-            <a:fld id="{60927F4E-78AB-4E26-A0B2-E6DA284CA8FF}" type="slidenum">
-              <a:rPr lang="en-US" smtClean="0"/>
-              <a:t>29</a:t>
-            </a:fld>
-            <a:endParaRPr lang="en-US"/>
-          </a:p>
-        </p:txBody>
-      </p:sp>
-    </p:spTree>
-    <p:extLst>
-      <p:ext uri="{BB962C8B-B14F-4D97-AF65-F5344CB8AC3E}">
-        <p14:creationId xmlns:p14="http://schemas.microsoft.com/office/powerpoint/2010/main" val="2669059584"/>
-      </p:ext>
-    </p:extLst>
-  </p:cSld>
-  <p:clrMapOvr>
-    <a:masterClrMapping/>
-  </p:clrMapOvr>
-  <p:timing>
-    <p:tnLst>
-      <p:par>
-        <p:cTn xmlns:p14="http://schemas.microsoft.com/office/powerpoint/2010/main" id="1" dur="indefinite" restart="never" nodeType="tmRoot">
-          <p:childTnLst>
-            <p:seq concurrent="1" nextAc="seek">
-              <p:cTn id="2" dur="indefinite" nodeType="mainSeq">
-                <p:childTnLst>
-                  <p:par>
-                    <p:cTn id="3" fill="hold">
-                      <p:stCondLst>
-                        <p:cond delay="indefinite"/>
-                      </p:stCondLst>
-                      <p:childTnLst>
-                        <p:par>
-                          <p:cTn id="4" fill="hold">
-                            <p:stCondLst>
-                              <p:cond delay="0"/>
-                            </p:stCondLst>
-                            <p:childTnLst>
-                              <p:par>
-                                <p:cTn id="5" presetID="1" presetClass="entr" presetSubtype="0" fill="hold" nodeType="clickEffect">
-                                  <p:stCondLst>
-                                    <p:cond delay="0"/>
-                                  </p:stCondLst>
-                                  <p:childTnLst>
-                                    <p:set>
-                                      <p:cBhvr>
-                                        <p:cTn id="6" dur="1" fill="hold">
-                                          <p:stCondLst>
-                                            <p:cond delay="0"/>
-                                          </p:stCondLst>
-                                        </p:cTn>
-                                        <p:tgtEl>
-                                          <p:spTgt spid="10">
-                                            <p:txEl>
-                                              <p:pRg st="0" end="0"/>
-                                            </p:txEl>
-                                          </p:spTgt>
-                                        </p:tgtEl>
-                                        <p:attrNameLst>
-                                          <p:attrName>style.visibility</p:attrName>
-                                        </p:attrNameLst>
-                                      </p:cBhvr>
-                                      <p:to>
-                                        <p:strVal val="visible"/>
-                                      </p:to>
-                                    </p:set>
-                                  </p:childTnLst>
-                                </p:cTn>
-                              </p:par>
-                            </p:childTnLst>
-                          </p:cTn>
-                        </p:par>
-                      </p:childTnLst>
-                    </p:cTn>
-                  </p:par>
-                  <p:par>
-                    <p:cTn id="7" fill="hold">
-                      <p:stCondLst>
-                        <p:cond delay="indefinite"/>
-                      </p:stCondLst>
-                      <p:childTnLst>
-                        <p:par>
-                          <p:cTn id="8" fill="hold">
-                            <p:stCondLst>
-                              <p:cond delay="0"/>
-                            </p:stCondLst>
-                            <p:childTnLst>
-                              <p:par>
-                                <p:cTn id="9" presetID="1" presetClass="entr" presetSubtype="0" fill="hold" nodeType="clickEffect">
-                                  <p:stCondLst>
-                                    <p:cond delay="0"/>
-                                  </p:stCondLst>
-                                  <p:childTnLst>
-                                    <p:set>
-                                      <p:cBhvr>
-                                        <p:cTn id="10" dur="1" fill="hold">
-                                          <p:stCondLst>
-                                            <p:cond delay="0"/>
-                                          </p:stCondLst>
-                                        </p:cTn>
-                                        <p:tgtEl>
-                                          <p:spTgt spid="13">
                                             <p:txEl>
                                               <p:pRg st="0" end="0"/>
                                             </p:txEl>
@@ -28402,7 +28839,7 @@
                   <a:srgbClr val="C00000"/>
                 </a:solidFill>
               </a:rPr>
-              <a:t>Defect Prediction</a:t>
+              <a:t>Technical debt identification</a:t>
             </a:r>
             <a:endParaRPr lang="en-US" b="1" dirty="0">
               <a:solidFill>
@@ -28414,112 +28851,14 @@
       </p:sp>
       <p:sp>
         <p:nvSpPr>
-          <p:cNvPr id="41" name="Folded Corner 40"/>
-          <p:cNvSpPr/>
+          <p:cNvPr id="52" name="TextBox 51"/>
+          <p:cNvSpPr txBox="1"/>
           <p:nvPr/>
         </p:nvSpPr>
         <p:spPr>
           <a:xfrm>
-            <a:off x="7543800" y="2971800"/>
-            <a:ext cx="457200" cy="533400"/>
-          </a:xfrm>
-          <a:prstGeom prst="foldedCorner">
-            <a:avLst/>
-          </a:prstGeom>
-          <a:solidFill>
-            <a:srgbClr val="FF0000"/>
-          </a:solidFill>
-          <a:ln>
-            <a:solidFill>
-              <a:schemeClr val="tx1"/>
-            </a:solidFill>
-            <a:prstDash val="dash"/>
-          </a:ln>
-        </p:spPr>
-        <p:style>
-          <a:lnRef idx="2">
-            <a:schemeClr val="accent1">
-              <a:shade val="50000"/>
-            </a:schemeClr>
-          </a:lnRef>
-          <a:fillRef idx="1">
-            <a:schemeClr val="accent1"/>
-          </a:fillRef>
-          <a:effectRef idx="0">
-            <a:schemeClr val="accent1"/>
-          </a:effectRef>
-          <a:fontRef idx="minor">
-            <a:schemeClr val="lt1"/>
-          </a:fontRef>
-        </p:style>
-        <p:txBody>
-          <a:bodyPr rtlCol="0" anchor="ctr"/>
-          <a:lstStyle/>
-          <a:p>
-            <a:pPr algn="ctr"/>
-            <a:endParaRPr lang="en-US"/>
-          </a:p>
-        </p:txBody>
-      </p:sp>
-      <p:sp>
-        <p:nvSpPr>
-          <p:cNvPr id="42" name="Folded Corner 41"/>
-          <p:cNvSpPr/>
-          <p:nvPr/>
-        </p:nvSpPr>
-        <p:spPr>
-          <a:xfrm>
-            <a:off x="7543800" y="3657600"/>
-            <a:ext cx="457200" cy="533400"/>
-          </a:xfrm>
-          <a:prstGeom prst="foldedCorner">
-            <a:avLst/>
-          </a:prstGeom>
-          <a:solidFill>
-            <a:srgbClr val="00B050"/>
-          </a:solidFill>
-          <a:ln>
-            <a:solidFill>
-              <a:schemeClr val="tx1"/>
-            </a:solidFill>
-            <a:prstDash val="dash"/>
-          </a:ln>
-        </p:spPr>
-        <p:style>
-          <a:lnRef idx="2">
-            <a:schemeClr val="accent1">
-              <a:shade val="50000"/>
-            </a:schemeClr>
-          </a:lnRef>
-          <a:fillRef idx="1">
-            <a:schemeClr val="accent1"/>
-          </a:fillRef>
-          <a:effectRef idx="0">
-            <a:schemeClr val="accent1"/>
-          </a:effectRef>
-          <a:fontRef idx="minor">
-            <a:schemeClr val="lt1"/>
-          </a:fontRef>
-        </p:style>
-        <p:txBody>
-          <a:bodyPr rtlCol="0" anchor="ctr"/>
-          <a:lstStyle/>
-          <a:p>
-            <a:pPr algn="ctr"/>
-            <a:endParaRPr lang="en-US"/>
-          </a:p>
-        </p:txBody>
-      </p:sp>
-      <p:sp>
-        <p:nvSpPr>
-          <p:cNvPr id="43" name="TextBox 42"/>
-          <p:cNvSpPr txBox="1"/>
-          <p:nvPr/>
-        </p:nvSpPr>
-        <p:spPr>
-          <a:xfrm>
-            <a:off x="6876018" y="3059668"/>
-            <a:ext cx="572593" cy="461665"/>
+            <a:off x="1102952" y="4262735"/>
+            <a:ext cx="2049359" cy="461665"/>
           </a:xfrm>
           <a:prstGeom prst="rect">
             <a:avLst/>
@@ -28534,7 +28873,7 @@
           <a:p>
             <a:r>
               <a:rPr lang="en-US" sz="2400" dirty="0" smtClean="0"/>
-              <a:t>0.8</a:t>
+              <a:t>Duplicate code</a:t>
             </a:r>
             <a:endParaRPr lang="en-US" sz="2400" dirty="0"/>
           </a:p>
@@ -28542,14 +28881,14 @@
       </p:sp>
       <p:sp>
         <p:nvSpPr>
-          <p:cNvPr id="44" name="TextBox 43"/>
+          <p:cNvPr id="53" name="TextBox 52"/>
           <p:cNvSpPr txBox="1"/>
           <p:nvPr/>
         </p:nvSpPr>
         <p:spPr>
           <a:xfrm>
-            <a:off x="6876018" y="3669268"/>
-            <a:ext cx="572593" cy="461665"/>
+            <a:off x="6172200" y="3962400"/>
+            <a:ext cx="1962496" cy="830997"/>
           </a:xfrm>
           <a:prstGeom prst="rect">
             <a:avLst/>
@@ -28564,7 +28903,13 @@
           <a:p>
             <a:r>
               <a:rPr lang="en-US" sz="2400" dirty="0" smtClean="0"/>
-              <a:t>0.1</a:t>
+              <a:t>Self-Admitted </a:t>
+            </a:r>
+          </a:p>
+          <a:p>
+            <a:r>
+              <a:rPr lang="en-US" sz="2400" dirty="0" smtClean="0"/>
+              <a:t>technical debt</a:t>
             </a:r>
             <a:endParaRPr lang="en-US" sz="2400" dirty="0"/>
           </a:p>
@@ -28572,60 +28917,14 @@
       </p:sp>
       <p:sp>
         <p:nvSpPr>
-          <p:cNvPr id="49" name="Rectangle 48"/>
-          <p:cNvSpPr/>
+          <p:cNvPr id="55" name="TextBox 54"/>
+          <p:cNvSpPr txBox="1"/>
           <p:nvPr/>
         </p:nvSpPr>
         <p:spPr>
           <a:xfrm>
-            <a:off x="3806729" y="3048000"/>
-            <a:ext cx="2133600" cy="1447800"/>
-          </a:xfrm>
-          <a:prstGeom prst="rect">
-            <a:avLst/>
-          </a:prstGeom>
-          <a:noFill/>
-          <a:ln>
-            <a:solidFill>
-              <a:schemeClr val="tx1"/>
-            </a:solidFill>
-          </a:ln>
-        </p:spPr>
-        <p:style>
-          <a:lnRef idx="2">
-            <a:schemeClr val="accent1">
-              <a:shade val="50000"/>
-            </a:schemeClr>
-          </a:lnRef>
-          <a:fillRef idx="1">
-            <a:schemeClr val="accent1"/>
-          </a:fillRef>
-          <a:effectRef idx="0">
-            <a:schemeClr val="accent1"/>
-          </a:effectRef>
-          <a:fontRef idx="minor">
-            <a:schemeClr val="lt1"/>
-          </a:fontRef>
-        </p:style>
-        <p:txBody>
-          <a:bodyPr rtlCol="0" anchor="ctr"/>
-          <a:lstStyle/>
-          <a:p>
-            <a:pPr algn="ctr"/>
-            <a:endParaRPr lang="en-US"/>
-          </a:p>
-        </p:txBody>
-      </p:sp>
-      <p:sp>
-        <p:nvSpPr>
-          <p:cNvPr id="50" name="TextBox 49"/>
-          <p:cNvSpPr txBox="1"/>
-          <p:nvPr/>
-        </p:nvSpPr>
-        <p:spPr>
-          <a:xfrm>
-            <a:off x="4040101" y="3276600"/>
-            <a:ext cx="1672317" cy="954107"/>
+            <a:off x="1102952" y="3500735"/>
+            <a:ext cx="1361370" cy="461665"/>
           </a:xfrm>
           <a:prstGeom prst="rect">
             <a:avLst/>
@@ -28638,77 +28937,24 @@
           </a:bodyPr>
           <a:lstStyle/>
           <a:p>
-            <a:pPr algn="ctr"/>
-            <a:r>
-              <a:rPr lang="en-US" sz="2800" dirty="0" smtClean="0"/>
-              <a:t>Prediction</a:t>
-            </a:r>
-          </a:p>
-          <a:p>
-            <a:pPr algn="ctr"/>
-            <a:r>
-              <a:rPr lang="en-US" sz="2800" dirty="0" smtClean="0"/>
-              <a:t>Model</a:t>
-            </a:r>
-          </a:p>
-        </p:txBody>
-      </p:sp>
-      <p:sp>
-        <p:nvSpPr>
-          <p:cNvPr id="51" name="Right Arrow 50"/>
-          <p:cNvSpPr/>
+            <a:r>
+              <a:rPr lang="en-US" sz="2400" dirty="0" smtClean="0"/>
+              <a:t>God class</a:t>
+            </a:r>
+            <a:endParaRPr lang="en-US" sz="2400" dirty="0"/>
+          </a:p>
+        </p:txBody>
+      </p:sp>
+      <p:sp>
+        <p:nvSpPr>
+          <p:cNvPr id="58" name="TextBox 57"/>
+          <p:cNvSpPr txBox="1"/>
           <p:nvPr/>
         </p:nvSpPr>
         <p:spPr>
           <a:xfrm>
-            <a:off x="3048000" y="3581400"/>
-            <a:ext cx="745548" cy="260424"/>
-          </a:xfrm>
-          <a:prstGeom prst="rightArrow">
-            <a:avLst/>
-          </a:prstGeom>
-          <a:solidFill>
-            <a:schemeClr val="tx1"/>
-          </a:solidFill>
-          <a:ln>
-            <a:noFill/>
-          </a:ln>
-        </p:spPr>
-        <p:style>
-          <a:lnRef idx="2">
-            <a:schemeClr val="accent1">
-              <a:shade val="50000"/>
-            </a:schemeClr>
-          </a:lnRef>
-          <a:fillRef idx="1">
-            <a:schemeClr val="accent1"/>
-          </a:fillRef>
-          <a:effectRef idx="0">
-            <a:schemeClr val="accent1"/>
-          </a:effectRef>
-          <a:fontRef idx="minor">
-            <a:schemeClr val="lt1"/>
-          </a:fontRef>
-        </p:style>
-        <p:txBody>
-          <a:bodyPr rtlCol="0" anchor="ctr"/>
-          <a:lstStyle/>
-          <a:p>
-            <a:pPr algn="ctr"/>
-            <a:endParaRPr lang="en-US"/>
-          </a:p>
-        </p:txBody>
-      </p:sp>
-      <p:sp>
-        <p:nvSpPr>
-          <p:cNvPr id="52" name="TextBox 51"/>
-          <p:cNvSpPr txBox="1"/>
-          <p:nvPr/>
-        </p:nvSpPr>
-        <p:spPr>
-          <a:xfrm>
-            <a:off x="1295400" y="2995136"/>
-            <a:ext cx="665054" cy="461665"/>
+            <a:off x="716171" y="2444115"/>
+            <a:ext cx="1958113" cy="523220"/>
           </a:xfrm>
           <a:prstGeom prst="rect">
             <a:avLst/>
@@ -28722,23 +28968,23 @@
           <a:lstStyle/>
           <a:p>
             <a:r>
-              <a:rPr lang="en-US" sz="2400" dirty="0" smtClean="0"/>
-              <a:t>Size</a:t>
-            </a:r>
-            <a:endParaRPr lang="en-US" sz="2400" dirty="0"/>
-          </a:p>
-        </p:txBody>
-      </p:sp>
-      <p:sp>
-        <p:nvSpPr>
-          <p:cNvPr id="53" name="TextBox 52"/>
+              <a:rPr lang="en-US" sz="2800" b="1" dirty="0" smtClean="0"/>
+              <a:t>Code smells</a:t>
+            </a:r>
+            <a:endParaRPr lang="en-US" b="1" dirty="0"/>
+          </a:p>
+        </p:txBody>
+      </p:sp>
+      <p:sp>
+        <p:nvSpPr>
+          <p:cNvPr id="59" name="TextBox 58"/>
           <p:cNvSpPr txBox="1"/>
           <p:nvPr/>
         </p:nvSpPr>
         <p:spPr>
-          <a:xfrm>
-            <a:off x="609600" y="4110335"/>
-            <a:ext cx="2573910" cy="461665"/>
+          <a:xfrm rot="19522128">
+            <a:off x="4832472" y="2122253"/>
+            <a:ext cx="1981200" cy="461665"/>
           </a:xfrm>
           <a:prstGeom prst="rect">
             <a:avLst/>
@@ -28746,14 +28992,14 @@
           <a:noFill/>
         </p:spPr>
         <p:txBody>
-          <a:bodyPr wrap="none" rtlCol="0">
+          <a:bodyPr wrap="square" rtlCol="0">
             <a:spAutoFit/>
           </a:bodyPr>
           <a:lstStyle/>
           <a:p>
             <a:r>
               <a:rPr lang="en-US" sz="2400" dirty="0" smtClean="0"/>
-              <a:t>Pre-release defects</a:t>
+              <a:t>More recently</a:t>
             </a:r>
             <a:endParaRPr lang="en-US" sz="2400" dirty="0"/>
           </a:p>
@@ -28761,14 +29007,14 @@
       </p:sp>
       <p:sp>
         <p:nvSpPr>
-          <p:cNvPr id="54" name="TextBox 53"/>
+          <p:cNvPr id="60" name="TextBox 59"/>
           <p:cNvSpPr txBox="1"/>
           <p:nvPr/>
         </p:nvSpPr>
         <p:spPr>
           <a:xfrm>
-            <a:off x="1557892" y="4343400"/>
-            <a:ext cx="242374" cy="646331"/>
+            <a:off x="5903552" y="2433935"/>
+            <a:ext cx="2630848" cy="523220"/>
           </a:xfrm>
           <a:prstGeom prst="rect">
             <a:avLst/>
@@ -28781,221 +29027,11 @@
           </a:bodyPr>
           <a:lstStyle/>
           <a:p>
-            <a:pPr algn="ctr"/>
-            <a:r>
-              <a:rPr lang="en-US" dirty="0" smtClean="0"/>
-              <a:t>.</a:t>
-            </a:r>
-          </a:p>
-          <a:p>
-            <a:pPr algn="ctr"/>
-            <a:r>
-              <a:rPr lang="en-US" dirty="0" smtClean="0"/>
-              <a:t>.</a:t>
-            </a:r>
-          </a:p>
-        </p:txBody>
-      </p:sp>
-      <p:sp>
-        <p:nvSpPr>
-          <p:cNvPr id="55" name="TextBox 54"/>
-          <p:cNvSpPr txBox="1"/>
-          <p:nvPr/>
-        </p:nvSpPr>
-        <p:spPr>
-          <a:xfrm>
-            <a:off x="990600" y="3729335"/>
-            <a:ext cx="1582613" cy="461665"/>
-          </a:xfrm>
-          <a:prstGeom prst="rect">
-            <a:avLst/>
-          </a:prstGeom>
-          <a:noFill/>
-        </p:spPr>
-        <p:txBody>
-          <a:bodyPr wrap="none" rtlCol="0">
-            <a:spAutoFit/>
-          </a:bodyPr>
-          <a:lstStyle/>
-          <a:p>
-            <a:r>
-              <a:rPr lang="en-US" sz="2400" dirty="0" smtClean="0"/>
-              <a:t>Complexity</a:t>
-            </a:r>
-            <a:endParaRPr lang="en-US" sz="2400" dirty="0"/>
-          </a:p>
-        </p:txBody>
-      </p:sp>
-      <p:sp>
-        <p:nvSpPr>
-          <p:cNvPr id="56" name="Right Arrow 55"/>
-          <p:cNvSpPr/>
-          <p:nvPr/>
-        </p:nvSpPr>
-        <p:spPr>
-          <a:xfrm>
-            <a:off x="5943600" y="3581400"/>
-            <a:ext cx="762000" cy="297597"/>
-          </a:xfrm>
-          <a:prstGeom prst="rightArrow">
-            <a:avLst/>
-          </a:prstGeom>
-          <a:solidFill>
-            <a:schemeClr val="tx1"/>
-          </a:solidFill>
-          <a:ln>
-            <a:noFill/>
-          </a:ln>
-        </p:spPr>
-        <p:style>
-          <a:lnRef idx="2">
-            <a:schemeClr val="accent1">
-              <a:shade val="50000"/>
-            </a:schemeClr>
-          </a:lnRef>
-          <a:fillRef idx="1">
-            <a:schemeClr val="accent1"/>
-          </a:fillRef>
-          <a:effectRef idx="0">
-            <a:schemeClr val="accent1"/>
-          </a:effectRef>
-          <a:fontRef idx="minor">
-            <a:schemeClr val="lt1"/>
-          </a:fontRef>
-        </p:style>
-        <p:txBody>
-          <a:bodyPr rtlCol="0" anchor="ctr"/>
-          <a:lstStyle/>
-          <a:p>
-            <a:pPr algn="ctr"/>
-            <a:endParaRPr lang="en-US"/>
-          </a:p>
-        </p:txBody>
-      </p:sp>
-      <p:sp>
-        <p:nvSpPr>
-          <p:cNvPr id="58" name="TextBox 57"/>
-          <p:cNvSpPr txBox="1"/>
-          <p:nvPr/>
-        </p:nvSpPr>
-        <p:spPr>
-          <a:xfrm>
-            <a:off x="756219" y="1991380"/>
-            <a:ext cx="2291781" cy="523220"/>
-          </a:xfrm>
-          <a:prstGeom prst="rect">
-            <a:avLst/>
-          </a:prstGeom>
-          <a:noFill/>
-        </p:spPr>
-        <p:txBody>
-          <a:bodyPr wrap="none" rtlCol="0">
-            <a:spAutoFit/>
-          </a:bodyPr>
-          <a:lstStyle/>
-          <a:p>
             <a:r>
               <a:rPr lang="en-US" sz="2800" b="1" dirty="0" smtClean="0"/>
-              <a:t>Input: Metrics</a:t>
+              <a:t>Code Comments</a:t>
             </a:r>
             <a:endParaRPr lang="en-US" b="1" dirty="0"/>
-          </a:p>
-        </p:txBody>
-      </p:sp>
-      <p:sp>
-        <p:nvSpPr>
-          <p:cNvPr id="59" name="TextBox 58"/>
-          <p:cNvSpPr txBox="1"/>
-          <p:nvPr/>
-        </p:nvSpPr>
-        <p:spPr>
-          <a:xfrm>
-            <a:off x="1261360" y="3352800"/>
-            <a:ext cx="941283" cy="461665"/>
-          </a:xfrm>
-          <a:prstGeom prst="rect">
-            <a:avLst/>
-          </a:prstGeom>
-          <a:noFill/>
-        </p:spPr>
-        <p:txBody>
-          <a:bodyPr wrap="none" rtlCol="0">
-            <a:spAutoFit/>
-          </a:bodyPr>
-          <a:lstStyle/>
-          <a:p>
-            <a:r>
-              <a:rPr lang="en-US" sz="2400" dirty="0" smtClean="0"/>
-              <a:t>Churn</a:t>
-            </a:r>
-            <a:endParaRPr lang="en-US" sz="2400" dirty="0"/>
-          </a:p>
-        </p:txBody>
-      </p:sp>
-      <p:sp>
-        <p:nvSpPr>
-          <p:cNvPr id="60" name="TextBox 59"/>
-          <p:cNvSpPr txBox="1"/>
-          <p:nvPr/>
-        </p:nvSpPr>
-        <p:spPr>
-          <a:xfrm>
-            <a:off x="5943600" y="1981200"/>
-            <a:ext cx="2914580" cy="523220"/>
-          </a:xfrm>
-          <a:prstGeom prst="rect">
-            <a:avLst/>
-          </a:prstGeom>
-          <a:noFill/>
-        </p:spPr>
-        <p:txBody>
-          <a:bodyPr wrap="none" rtlCol="0">
-            <a:spAutoFit/>
-          </a:bodyPr>
-          <a:lstStyle/>
-          <a:p>
-            <a:r>
-              <a:rPr lang="en-US" sz="2800" b="1" dirty="0" smtClean="0"/>
-              <a:t>Output: Risk [0..1]</a:t>
-            </a:r>
-            <a:endParaRPr lang="en-US" b="1" dirty="0"/>
-          </a:p>
-        </p:txBody>
-      </p:sp>
-      <p:sp>
-        <p:nvSpPr>
-          <p:cNvPr id="61" name="TextBox 60"/>
-          <p:cNvSpPr txBox="1"/>
-          <p:nvPr/>
-        </p:nvSpPr>
-        <p:spPr>
-          <a:xfrm>
-            <a:off x="7315200" y="4648200"/>
-            <a:ext cx="242374" cy="646331"/>
-          </a:xfrm>
-          <a:prstGeom prst="rect">
-            <a:avLst/>
-          </a:prstGeom>
-          <a:noFill/>
-        </p:spPr>
-        <p:txBody>
-          <a:bodyPr wrap="none" rtlCol="0">
-            <a:spAutoFit/>
-          </a:bodyPr>
-          <a:lstStyle/>
-          <a:p>
-            <a:pPr algn="ctr"/>
-            <a:r>
-              <a:rPr lang="en-US" dirty="0" smtClean="0"/>
-              <a:t>.</a:t>
-            </a:r>
-          </a:p>
-          <a:p>
-            <a:pPr algn="ctr"/>
-            <a:r>
-              <a:rPr lang="en-US" dirty="0" smtClean="0"/>
-              <a:t>.</a:t>
-            </a:r>
           </a:p>
         </p:txBody>
       </p:sp>
@@ -29007,7 +29043,7 @@
         </p:nvGrpSpPr>
         <p:grpSpPr>
           <a:xfrm>
-            <a:off x="1130170" y="5187265"/>
+            <a:off x="1130170" y="6619190"/>
             <a:ext cx="7543801" cy="1296085"/>
             <a:chOff x="838200" y="4723715"/>
             <a:chExt cx="7543801" cy="1296085"/>
@@ -29121,7 +29157,12 @@
             <p:ph type="sldNum" sz="quarter" idx="12"/>
           </p:nvPr>
         </p:nvSpPr>
-        <p:spPr/>
+        <p:spPr>
+          <a:xfrm>
+            <a:off x="6553200" y="7788275"/>
+            <a:ext cx="2133600" cy="365125"/>
+          </a:xfrm>
+        </p:spPr>
         <p:txBody>
           <a:bodyPr/>
           <a:lstStyle/>
@@ -29131,6 +29172,126 @@
               <a:t>3</a:t>
             </a:fld>
             <a:endParaRPr lang="en-US"/>
+          </a:p>
+        </p:txBody>
+      </p:sp>
+      <p:sp>
+        <p:nvSpPr>
+          <p:cNvPr id="23" name="TextBox 22"/>
+          <p:cNvSpPr txBox="1"/>
+          <p:nvPr/>
+        </p:nvSpPr>
+        <p:spPr>
+          <a:xfrm>
+            <a:off x="1483952" y="2891135"/>
+            <a:ext cx="1981200" cy="461665"/>
+          </a:xfrm>
+          <a:prstGeom prst="rect">
+            <a:avLst/>
+          </a:prstGeom>
+          <a:noFill/>
+        </p:spPr>
+        <p:txBody>
+          <a:bodyPr wrap="square" rtlCol="0">
+            <a:spAutoFit/>
+          </a:bodyPr>
+          <a:lstStyle/>
+          <a:p>
+            <a:r>
+              <a:rPr lang="en-US" sz="2400" dirty="0" smtClean="0"/>
+              <a:t>Metrics based</a:t>
+            </a:r>
+            <a:endParaRPr lang="en-US" sz="2400" dirty="0"/>
+          </a:p>
+        </p:txBody>
+      </p:sp>
+      <p:sp>
+        <p:nvSpPr>
+          <p:cNvPr id="24" name="TextBox 23"/>
+          <p:cNvSpPr txBox="1"/>
+          <p:nvPr/>
+        </p:nvSpPr>
+        <p:spPr>
+          <a:xfrm>
+            <a:off x="1102952" y="3881735"/>
+            <a:ext cx="1430500" cy="461665"/>
+          </a:xfrm>
+          <a:prstGeom prst="rect">
+            <a:avLst/>
+          </a:prstGeom>
+          <a:noFill/>
+        </p:spPr>
+        <p:txBody>
+          <a:bodyPr wrap="none" rtlCol="0">
+            <a:spAutoFit/>
+          </a:bodyPr>
+          <a:lstStyle/>
+          <a:p>
+            <a:r>
+              <a:rPr lang="en-US" sz="2400" dirty="0" smtClean="0"/>
+              <a:t>Data class</a:t>
+            </a:r>
+            <a:endParaRPr lang="en-US" sz="2400" dirty="0"/>
+          </a:p>
+        </p:txBody>
+      </p:sp>
+      <p:sp>
+        <p:nvSpPr>
+          <p:cNvPr id="29" name="TextBox 28"/>
+          <p:cNvSpPr txBox="1"/>
+          <p:nvPr/>
+        </p:nvSpPr>
+        <p:spPr>
+          <a:xfrm>
+            <a:off x="6019800" y="3048000"/>
+            <a:ext cx="2534468" cy="461665"/>
+          </a:xfrm>
+          <a:prstGeom prst="rect">
+            <a:avLst/>
+          </a:prstGeom>
+          <a:noFill/>
+        </p:spPr>
+        <p:txBody>
+          <a:bodyPr wrap="none" rtlCol="0">
+            <a:spAutoFit/>
+          </a:bodyPr>
+          <a:lstStyle/>
+          <a:p>
+            <a:r>
+              <a:rPr lang="en-US" sz="2400" dirty="0" smtClean="0"/>
+              <a:t>Comment Patterns</a:t>
+            </a:r>
+            <a:endParaRPr lang="en-US" sz="2400" dirty="0"/>
+          </a:p>
+        </p:txBody>
+      </p:sp>
+      <p:sp>
+        <p:nvSpPr>
+          <p:cNvPr id="30" name="TextBox 29"/>
+          <p:cNvSpPr txBox="1"/>
+          <p:nvPr/>
+        </p:nvSpPr>
+        <p:spPr>
+          <a:xfrm>
+            <a:off x="4114800" y="4034135"/>
+            <a:ext cx="1430500" cy="461665"/>
+          </a:xfrm>
+          <a:prstGeom prst="rect">
+            <a:avLst/>
+          </a:prstGeom>
+          <a:noFill/>
+        </p:spPr>
+        <p:txBody>
+          <a:bodyPr wrap="none" rtlCol="0">
+            <a:spAutoFit/>
+          </a:bodyPr>
+          <a:lstStyle/>
+          <a:p>
+            <a:r>
+              <a:rPr lang="en-US" sz="2400" dirty="0" smtClean="0"/>
+              <a:t>Data class</a:t>
+            </a:r>
+            <a:endParaRPr lang="en-US" sz="2400" dirty="0"/>
           </a:p>
         </p:txBody>
       </p:sp>
@@ -29165,7 +29326,7 @@
                             </p:stCondLst>
                             <p:childTnLst>
                               <p:par>
-                                <p:cTn id="5" presetID="10" presetClass="entr" presetSubtype="0" fill="hold" grpId="0" nodeType="clickEffect">
+                                <p:cTn id="5" presetID="2" presetClass="entr" presetSubtype="4" fill="hold" nodeType="clickEffect">
                                   <p:stCondLst>
                                     <p:cond delay="0"/>
                                   </p:stCondLst>
@@ -29173,585 +29334,6 @@
                                     <p:set>
                                       <p:cBhvr>
                                         <p:cTn id="6" dur="1" fill="hold">
-                                          <p:stCondLst>
-                                            <p:cond delay="0"/>
-                                          </p:stCondLst>
-                                        </p:cTn>
-                                        <p:tgtEl>
-                                          <p:spTgt spid="52"/>
-                                        </p:tgtEl>
-                                        <p:attrNameLst>
-                                          <p:attrName>style.visibility</p:attrName>
-                                        </p:attrNameLst>
-                                      </p:cBhvr>
-                                      <p:to>
-                                        <p:strVal val="visible"/>
-                                      </p:to>
-                                    </p:set>
-                                    <p:animEffect transition="in" filter="fade">
-                                      <p:cBhvr>
-                                        <p:cTn id="7" dur="500"/>
-                                        <p:tgtEl>
-                                          <p:spTgt spid="52"/>
-                                        </p:tgtEl>
-                                      </p:cBhvr>
-                                    </p:animEffect>
-                                  </p:childTnLst>
-                                </p:cTn>
-                              </p:par>
-                              <p:par>
-                                <p:cTn id="8" presetID="10" presetClass="entr" presetSubtype="0" fill="hold" grpId="0" nodeType="withEffect">
-                                  <p:stCondLst>
-                                    <p:cond delay="0"/>
-                                  </p:stCondLst>
-                                  <p:childTnLst>
-                                    <p:set>
-                                      <p:cBhvr>
-                                        <p:cTn id="9" dur="1" fill="hold">
-                                          <p:stCondLst>
-                                            <p:cond delay="0"/>
-                                          </p:stCondLst>
-                                        </p:cTn>
-                                        <p:tgtEl>
-                                          <p:spTgt spid="53"/>
-                                        </p:tgtEl>
-                                        <p:attrNameLst>
-                                          <p:attrName>style.visibility</p:attrName>
-                                        </p:attrNameLst>
-                                      </p:cBhvr>
-                                      <p:to>
-                                        <p:strVal val="visible"/>
-                                      </p:to>
-                                    </p:set>
-                                    <p:animEffect transition="in" filter="fade">
-                                      <p:cBhvr>
-                                        <p:cTn id="10" dur="500"/>
-                                        <p:tgtEl>
-                                          <p:spTgt spid="53"/>
-                                        </p:tgtEl>
-                                      </p:cBhvr>
-                                    </p:animEffect>
-                                  </p:childTnLst>
-                                </p:cTn>
-                              </p:par>
-                              <p:par>
-                                <p:cTn id="11" presetID="10" presetClass="entr" presetSubtype="0" fill="hold" grpId="0" nodeType="withEffect">
-                                  <p:stCondLst>
-                                    <p:cond delay="0"/>
-                                  </p:stCondLst>
-                                  <p:childTnLst>
-                                    <p:set>
-                                      <p:cBhvr>
-                                        <p:cTn id="12" dur="1" fill="hold">
-                                          <p:stCondLst>
-                                            <p:cond delay="0"/>
-                                          </p:stCondLst>
-                                        </p:cTn>
-                                        <p:tgtEl>
-                                          <p:spTgt spid="54"/>
-                                        </p:tgtEl>
-                                        <p:attrNameLst>
-                                          <p:attrName>style.visibility</p:attrName>
-                                        </p:attrNameLst>
-                                      </p:cBhvr>
-                                      <p:to>
-                                        <p:strVal val="visible"/>
-                                      </p:to>
-                                    </p:set>
-                                    <p:animEffect transition="in" filter="fade">
-                                      <p:cBhvr>
-                                        <p:cTn id="13" dur="500"/>
-                                        <p:tgtEl>
-                                          <p:spTgt spid="54"/>
-                                        </p:tgtEl>
-                                      </p:cBhvr>
-                                    </p:animEffect>
-                                  </p:childTnLst>
-                                </p:cTn>
-                              </p:par>
-                              <p:par>
-                                <p:cTn id="14" presetID="10" presetClass="entr" presetSubtype="0" fill="hold" grpId="0" nodeType="withEffect">
-                                  <p:stCondLst>
-                                    <p:cond delay="0"/>
-                                  </p:stCondLst>
-                                  <p:childTnLst>
-                                    <p:set>
-                                      <p:cBhvr>
-                                        <p:cTn id="15" dur="1" fill="hold">
-                                          <p:stCondLst>
-                                            <p:cond delay="0"/>
-                                          </p:stCondLst>
-                                        </p:cTn>
-                                        <p:tgtEl>
-                                          <p:spTgt spid="55"/>
-                                        </p:tgtEl>
-                                        <p:attrNameLst>
-                                          <p:attrName>style.visibility</p:attrName>
-                                        </p:attrNameLst>
-                                      </p:cBhvr>
-                                      <p:to>
-                                        <p:strVal val="visible"/>
-                                      </p:to>
-                                    </p:set>
-                                    <p:animEffect transition="in" filter="fade">
-                                      <p:cBhvr>
-                                        <p:cTn id="16" dur="500"/>
-                                        <p:tgtEl>
-                                          <p:spTgt spid="55"/>
-                                        </p:tgtEl>
-                                      </p:cBhvr>
-                                    </p:animEffect>
-                                  </p:childTnLst>
-                                </p:cTn>
-                              </p:par>
-                              <p:par>
-                                <p:cTn id="17" presetID="10" presetClass="entr" presetSubtype="0" fill="hold" grpId="0" nodeType="withEffect">
-                                  <p:stCondLst>
-                                    <p:cond delay="0"/>
-                                  </p:stCondLst>
-                                  <p:childTnLst>
-                                    <p:set>
-                                      <p:cBhvr>
-                                        <p:cTn id="18" dur="1" fill="hold">
-                                          <p:stCondLst>
-                                            <p:cond delay="0"/>
-                                          </p:stCondLst>
-                                        </p:cTn>
-                                        <p:tgtEl>
-                                          <p:spTgt spid="58"/>
-                                        </p:tgtEl>
-                                        <p:attrNameLst>
-                                          <p:attrName>style.visibility</p:attrName>
-                                        </p:attrNameLst>
-                                      </p:cBhvr>
-                                      <p:to>
-                                        <p:strVal val="visible"/>
-                                      </p:to>
-                                    </p:set>
-                                    <p:animEffect transition="in" filter="fade">
-                                      <p:cBhvr>
-                                        <p:cTn id="19" dur="500"/>
-                                        <p:tgtEl>
-                                          <p:spTgt spid="58"/>
-                                        </p:tgtEl>
-                                      </p:cBhvr>
-                                    </p:animEffect>
-                                  </p:childTnLst>
-                                </p:cTn>
-                              </p:par>
-                              <p:par>
-                                <p:cTn id="20" presetID="10" presetClass="entr" presetSubtype="0" fill="hold" grpId="0" nodeType="withEffect">
-                                  <p:stCondLst>
-                                    <p:cond delay="0"/>
-                                  </p:stCondLst>
-                                  <p:childTnLst>
-                                    <p:set>
-                                      <p:cBhvr>
-                                        <p:cTn id="21" dur="1" fill="hold">
-                                          <p:stCondLst>
-                                            <p:cond delay="0"/>
-                                          </p:stCondLst>
-                                        </p:cTn>
-                                        <p:tgtEl>
-                                          <p:spTgt spid="59"/>
-                                        </p:tgtEl>
-                                        <p:attrNameLst>
-                                          <p:attrName>style.visibility</p:attrName>
-                                        </p:attrNameLst>
-                                      </p:cBhvr>
-                                      <p:to>
-                                        <p:strVal val="visible"/>
-                                      </p:to>
-                                    </p:set>
-                                    <p:animEffect transition="in" filter="fade">
-                                      <p:cBhvr>
-                                        <p:cTn id="22" dur="500"/>
-                                        <p:tgtEl>
-                                          <p:spTgt spid="59"/>
-                                        </p:tgtEl>
-                                      </p:cBhvr>
-                                    </p:animEffect>
-                                  </p:childTnLst>
-                                </p:cTn>
-                              </p:par>
-                            </p:childTnLst>
-                          </p:cTn>
-                        </p:par>
-                      </p:childTnLst>
-                    </p:cTn>
-                  </p:par>
-                  <p:par>
-                    <p:cTn id="23" fill="hold">
-                      <p:stCondLst>
-                        <p:cond delay="indefinite"/>
-                      </p:stCondLst>
-                      <p:childTnLst>
-                        <p:par>
-                          <p:cTn id="24" fill="hold">
-                            <p:stCondLst>
-                              <p:cond delay="0"/>
-                            </p:stCondLst>
-                            <p:childTnLst>
-                              <p:par>
-                                <p:cTn id="25" presetID="10" presetClass="entr" presetSubtype="0" fill="hold" grpId="0" nodeType="clickEffect">
-                                  <p:stCondLst>
-                                    <p:cond delay="0"/>
-                                  </p:stCondLst>
-                                  <p:childTnLst>
-                                    <p:set>
-                                      <p:cBhvr>
-                                        <p:cTn id="26" dur="1" fill="hold">
-                                          <p:stCondLst>
-                                            <p:cond delay="0"/>
-                                          </p:stCondLst>
-                                        </p:cTn>
-                                        <p:tgtEl>
-                                          <p:spTgt spid="49"/>
-                                        </p:tgtEl>
-                                        <p:attrNameLst>
-                                          <p:attrName>style.visibility</p:attrName>
-                                        </p:attrNameLst>
-                                      </p:cBhvr>
-                                      <p:to>
-                                        <p:strVal val="visible"/>
-                                      </p:to>
-                                    </p:set>
-                                    <p:animEffect transition="in" filter="fade">
-                                      <p:cBhvr>
-                                        <p:cTn id="27" dur="500"/>
-                                        <p:tgtEl>
-                                          <p:spTgt spid="49"/>
-                                        </p:tgtEl>
-                                      </p:cBhvr>
-                                    </p:animEffect>
-                                  </p:childTnLst>
-                                </p:cTn>
-                              </p:par>
-                              <p:par>
-                                <p:cTn id="28" presetID="10" presetClass="entr" presetSubtype="0" fill="hold" grpId="0" nodeType="withEffect">
-                                  <p:stCondLst>
-                                    <p:cond delay="0"/>
-                                  </p:stCondLst>
-                                  <p:childTnLst>
-                                    <p:set>
-                                      <p:cBhvr>
-                                        <p:cTn id="29" dur="1" fill="hold">
-                                          <p:stCondLst>
-                                            <p:cond delay="0"/>
-                                          </p:stCondLst>
-                                        </p:cTn>
-                                        <p:tgtEl>
-                                          <p:spTgt spid="50"/>
-                                        </p:tgtEl>
-                                        <p:attrNameLst>
-                                          <p:attrName>style.visibility</p:attrName>
-                                        </p:attrNameLst>
-                                      </p:cBhvr>
-                                      <p:to>
-                                        <p:strVal val="visible"/>
-                                      </p:to>
-                                    </p:set>
-                                    <p:animEffect transition="in" filter="fade">
-                                      <p:cBhvr>
-                                        <p:cTn id="30" dur="500"/>
-                                        <p:tgtEl>
-                                          <p:spTgt spid="50"/>
-                                        </p:tgtEl>
-                                      </p:cBhvr>
-                                    </p:animEffect>
-                                  </p:childTnLst>
-                                </p:cTn>
-                              </p:par>
-                              <p:par>
-                                <p:cTn id="31" presetID="10" presetClass="entr" presetSubtype="0" fill="hold" grpId="0" nodeType="withEffect">
-                                  <p:stCondLst>
-                                    <p:cond delay="0"/>
-                                  </p:stCondLst>
-                                  <p:childTnLst>
-                                    <p:set>
-                                      <p:cBhvr>
-                                        <p:cTn id="32" dur="1" fill="hold">
-                                          <p:stCondLst>
-                                            <p:cond delay="0"/>
-                                          </p:stCondLst>
-                                        </p:cTn>
-                                        <p:tgtEl>
-                                          <p:spTgt spid="51"/>
-                                        </p:tgtEl>
-                                        <p:attrNameLst>
-                                          <p:attrName>style.visibility</p:attrName>
-                                        </p:attrNameLst>
-                                      </p:cBhvr>
-                                      <p:to>
-                                        <p:strVal val="visible"/>
-                                      </p:to>
-                                    </p:set>
-                                    <p:animEffect transition="in" filter="fade">
-                                      <p:cBhvr>
-                                        <p:cTn id="33" dur="500"/>
-                                        <p:tgtEl>
-                                          <p:spTgt spid="51"/>
-                                        </p:tgtEl>
-                                      </p:cBhvr>
-                                    </p:animEffect>
-                                  </p:childTnLst>
-                                </p:cTn>
-                              </p:par>
-                            </p:childTnLst>
-                          </p:cTn>
-                        </p:par>
-                      </p:childTnLst>
-                    </p:cTn>
-                  </p:par>
-                  <p:par>
-                    <p:cTn id="34" fill="hold">
-                      <p:stCondLst>
-                        <p:cond delay="indefinite"/>
-                      </p:stCondLst>
-                      <p:childTnLst>
-                        <p:par>
-                          <p:cTn id="35" fill="hold">
-                            <p:stCondLst>
-                              <p:cond delay="0"/>
-                            </p:stCondLst>
-                            <p:childTnLst>
-                              <p:par>
-                                <p:cTn id="36" presetID="10" presetClass="entr" presetSubtype="0" fill="hold" grpId="0" nodeType="clickEffect">
-                                  <p:stCondLst>
-                                    <p:cond delay="0"/>
-                                  </p:stCondLst>
-                                  <p:childTnLst>
-                                    <p:set>
-                                      <p:cBhvr>
-                                        <p:cTn id="37" dur="1" fill="hold">
-                                          <p:stCondLst>
-                                            <p:cond delay="0"/>
-                                          </p:stCondLst>
-                                        </p:cTn>
-                                        <p:tgtEl>
-                                          <p:spTgt spid="41"/>
-                                        </p:tgtEl>
-                                        <p:attrNameLst>
-                                          <p:attrName>style.visibility</p:attrName>
-                                        </p:attrNameLst>
-                                      </p:cBhvr>
-                                      <p:to>
-                                        <p:strVal val="visible"/>
-                                      </p:to>
-                                    </p:set>
-                                    <p:animEffect transition="in" filter="fade">
-                                      <p:cBhvr>
-                                        <p:cTn id="38" dur="500"/>
-                                        <p:tgtEl>
-                                          <p:spTgt spid="41"/>
-                                        </p:tgtEl>
-                                      </p:cBhvr>
-                                    </p:animEffect>
-                                  </p:childTnLst>
-                                </p:cTn>
-                              </p:par>
-                              <p:par>
-                                <p:cTn id="39" presetID="10" presetClass="entr" presetSubtype="0" fill="hold" grpId="0" nodeType="withEffect">
-                                  <p:stCondLst>
-                                    <p:cond delay="0"/>
-                                  </p:stCondLst>
-                                  <p:childTnLst>
-                                    <p:set>
-                                      <p:cBhvr>
-                                        <p:cTn id="40" dur="1" fill="hold">
-                                          <p:stCondLst>
-                                            <p:cond delay="0"/>
-                                          </p:stCondLst>
-                                        </p:cTn>
-                                        <p:tgtEl>
-                                          <p:spTgt spid="42"/>
-                                        </p:tgtEl>
-                                        <p:attrNameLst>
-                                          <p:attrName>style.visibility</p:attrName>
-                                        </p:attrNameLst>
-                                      </p:cBhvr>
-                                      <p:to>
-                                        <p:strVal val="visible"/>
-                                      </p:to>
-                                    </p:set>
-                                    <p:animEffect transition="in" filter="fade">
-                                      <p:cBhvr>
-                                        <p:cTn id="41" dur="500"/>
-                                        <p:tgtEl>
-                                          <p:spTgt spid="42"/>
-                                        </p:tgtEl>
-                                      </p:cBhvr>
-                                    </p:animEffect>
-                                  </p:childTnLst>
-                                </p:cTn>
-                              </p:par>
-                              <p:par>
-                                <p:cTn id="42" presetID="10" presetClass="entr" presetSubtype="0" fill="hold" grpId="0" nodeType="withEffect">
-                                  <p:stCondLst>
-                                    <p:cond delay="0"/>
-                                  </p:stCondLst>
-                                  <p:childTnLst>
-                                    <p:set>
-                                      <p:cBhvr>
-                                        <p:cTn id="43" dur="1" fill="hold">
-                                          <p:stCondLst>
-                                            <p:cond delay="0"/>
-                                          </p:stCondLst>
-                                        </p:cTn>
-                                        <p:tgtEl>
-                                          <p:spTgt spid="43"/>
-                                        </p:tgtEl>
-                                        <p:attrNameLst>
-                                          <p:attrName>style.visibility</p:attrName>
-                                        </p:attrNameLst>
-                                      </p:cBhvr>
-                                      <p:to>
-                                        <p:strVal val="visible"/>
-                                      </p:to>
-                                    </p:set>
-                                    <p:animEffect transition="in" filter="fade">
-                                      <p:cBhvr>
-                                        <p:cTn id="44" dur="500"/>
-                                        <p:tgtEl>
-                                          <p:spTgt spid="43"/>
-                                        </p:tgtEl>
-                                      </p:cBhvr>
-                                    </p:animEffect>
-                                  </p:childTnLst>
-                                </p:cTn>
-                              </p:par>
-                              <p:par>
-                                <p:cTn id="45" presetID="10" presetClass="entr" presetSubtype="0" fill="hold" grpId="0" nodeType="withEffect">
-                                  <p:stCondLst>
-                                    <p:cond delay="0"/>
-                                  </p:stCondLst>
-                                  <p:childTnLst>
-                                    <p:set>
-                                      <p:cBhvr>
-                                        <p:cTn id="46" dur="1" fill="hold">
-                                          <p:stCondLst>
-                                            <p:cond delay="0"/>
-                                          </p:stCondLst>
-                                        </p:cTn>
-                                        <p:tgtEl>
-                                          <p:spTgt spid="44"/>
-                                        </p:tgtEl>
-                                        <p:attrNameLst>
-                                          <p:attrName>style.visibility</p:attrName>
-                                        </p:attrNameLst>
-                                      </p:cBhvr>
-                                      <p:to>
-                                        <p:strVal val="visible"/>
-                                      </p:to>
-                                    </p:set>
-                                    <p:animEffect transition="in" filter="fade">
-                                      <p:cBhvr>
-                                        <p:cTn id="47" dur="500"/>
-                                        <p:tgtEl>
-                                          <p:spTgt spid="44"/>
-                                        </p:tgtEl>
-                                      </p:cBhvr>
-                                    </p:animEffect>
-                                  </p:childTnLst>
-                                </p:cTn>
-                              </p:par>
-                              <p:par>
-                                <p:cTn id="48" presetID="10" presetClass="entr" presetSubtype="0" fill="hold" grpId="0" nodeType="withEffect">
-                                  <p:stCondLst>
-                                    <p:cond delay="0"/>
-                                  </p:stCondLst>
-                                  <p:childTnLst>
-                                    <p:set>
-                                      <p:cBhvr>
-                                        <p:cTn id="49" dur="1" fill="hold">
-                                          <p:stCondLst>
-                                            <p:cond delay="0"/>
-                                          </p:stCondLst>
-                                        </p:cTn>
-                                        <p:tgtEl>
-                                          <p:spTgt spid="56"/>
-                                        </p:tgtEl>
-                                        <p:attrNameLst>
-                                          <p:attrName>style.visibility</p:attrName>
-                                        </p:attrNameLst>
-                                      </p:cBhvr>
-                                      <p:to>
-                                        <p:strVal val="visible"/>
-                                      </p:to>
-                                    </p:set>
-                                    <p:animEffect transition="in" filter="fade">
-                                      <p:cBhvr>
-                                        <p:cTn id="50" dur="500"/>
-                                        <p:tgtEl>
-                                          <p:spTgt spid="56"/>
-                                        </p:tgtEl>
-                                      </p:cBhvr>
-                                    </p:animEffect>
-                                  </p:childTnLst>
-                                </p:cTn>
-                              </p:par>
-                              <p:par>
-                                <p:cTn id="51" presetID="10" presetClass="entr" presetSubtype="0" fill="hold" grpId="0" nodeType="withEffect">
-                                  <p:stCondLst>
-                                    <p:cond delay="0"/>
-                                  </p:stCondLst>
-                                  <p:childTnLst>
-                                    <p:set>
-                                      <p:cBhvr>
-                                        <p:cTn id="52" dur="1" fill="hold">
-                                          <p:stCondLst>
-                                            <p:cond delay="0"/>
-                                          </p:stCondLst>
-                                        </p:cTn>
-                                        <p:tgtEl>
-                                          <p:spTgt spid="60"/>
-                                        </p:tgtEl>
-                                        <p:attrNameLst>
-                                          <p:attrName>style.visibility</p:attrName>
-                                        </p:attrNameLst>
-                                      </p:cBhvr>
-                                      <p:to>
-                                        <p:strVal val="visible"/>
-                                      </p:to>
-                                    </p:set>
-                                    <p:animEffect transition="in" filter="fade">
-                                      <p:cBhvr>
-                                        <p:cTn id="53" dur="500"/>
-                                        <p:tgtEl>
-                                          <p:spTgt spid="60"/>
-                                        </p:tgtEl>
-                                      </p:cBhvr>
-                                    </p:animEffect>
-                                  </p:childTnLst>
-                                </p:cTn>
-                              </p:par>
-                            </p:childTnLst>
-                          </p:cTn>
-                        </p:par>
-                      </p:childTnLst>
-                    </p:cTn>
-                  </p:par>
-                  <p:par>
-                    <p:cTn id="54" fill="hold">
-                      <p:stCondLst>
-                        <p:cond delay="indefinite"/>
-                      </p:stCondLst>
-                      <p:childTnLst>
-                        <p:par>
-                          <p:cTn id="55" fill="hold">
-                            <p:stCondLst>
-                              <p:cond delay="0"/>
-                            </p:stCondLst>
-                            <p:childTnLst>
-                              <p:par>
-                                <p:cTn id="56" presetID="2" presetClass="entr" presetSubtype="4" fill="hold" nodeType="clickEffect">
-                                  <p:stCondLst>
-                                    <p:cond delay="0"/>
-                                  </p:stCondLst>
-                                  <p:childTnLst>
-                                    <p:set>
-                                      <p:cBhvr>
-                                        <p:cTn id="57" dur="1" fill="hold">
                                           <p:stCondLst>
                                             <p:cond delay="0"/>
                                           </p:stCondLst>
@@ -29769,7 +29351,7 @@
                                     </p:set>
                                     <p:anim calcmode="lin" valueType="num">
                                       <p:cBhvr additive="base">
-                                        <p:cTn id="58" dur="500" fill="hold"/>
+                                        <p:cTn id="7" dur="500" fill="hold"/>
                                         <p:tgtEl>
                                           <p:spTgt spid="26"/>
                                         </p:tgtEl>
@@ -29792,7 +29374,7 @@
                                     </p:anim>
                                     <p:anim calcmode="lin" valueType="num">
                                       <p:cBhvr additive="base">
-                                        <p:cTn id="59" dur="500" fill="hold"/>
+                                        <p:cTn id="8" dur="500" fill="hold"/>
                                         <p:tgtEl>
                                           <p:spTgt spid="26"/>
                                         </p:tgtEl>
@@ -29843,28 +29425,421 @@
         </p:cTn>
       </p:par>
     </p:tnLst>
-    <p:bldLst>
-      <p:bldP spid="41" grpId="0" animBg="1"/>
-      <p:bldP spid="42" grpId="0" animBg="1"/>
-      <p:bldP spid="43" grpId="0"/>
-      <p:bldP spid="44" grpId="0"/>
-      <p:bldP spid="49" grpId="0" animBg="1"/>
-      <p:bldP spid="50" grpId="0"/>
-      <p:bldP spid="51" grpId="0" animBg="1"/>
-      <p:bldP spid="52" grpId="0"/>
-      <p:bldP spid="53" grpId="0"/>
-      <p:bldP spid="54" grpId="0"/>
-      <p:bldP spid="55" grpId="0"/>
-      <p:bldP spid="56" grpId="0" animBg="1"/>
-      <p:bldP spid="58" grpId="0"/>
-      <p:bldP spid="59" grpId="0"/>
-      <p:bldP spid="60" grpId="0"/>
-    </p:bldLst>
   </p:timing>
 </p:sld>
 </file>
 
 <file path=ppt/slides/slide30.xml><?xml version="1.0" encoding="utf-8"?>
+<p:sld xmlns:a="http://schemas.openxmlformats.org/drawingml/2006/main" xmlns:r="http://schemas.openxmlformats.org/officeDocument/2006/relationships" xmlns:p="http://schemas.openxmlformats.org/presentationml/2006/main">
+  <p:cSld>
+    <p:spTree>
+      <p:nvGrpSpPr>
+        <p:cNvPr id="1" name=""/>
+        <p:cNvGrpSpPr/>
+        <p:nvPr/>
+      </p:nvGrpSpPr>
+      <p:grpSpPr>
+        <a:xfrm>
+          <a:off x="0" y="0"/>
+          <a:ext cx="0" cy="0"/>
+          <a:chOff x="0" y="0"/>
+          <a:chExt cx="0" cy="0"/>
+        </a:xfrm>
+      </p:grpSpPr>
+      <p:pic>
+        <p:nvPicPr>
+          <p:cNvPr id="9" name="Picture 2"/>
+          <p:cNvPicPr>
+            <a:picLocks noChangeAspect="1" noChangeArrowheads="1"/>
+          </p:cNvPicPr>
+          <p:nvPr/>
+        </p:nvPicPr>
+        <p:blipFill>
+          <a:blip r:embed="rId3">
+            <a:extLst>
+              <a:ext uri="{28A0092B-C50C-407E-A947-70E740481C1C}">
+                <a14:useLocalDpi xmlns:a14="http://schemas.microsoft.com/office/drawing/2010/main" val="0"/>
+              </a:ext>
+            </a:extLst>
+          </a:blip>
+          <a:srcRect/>
+          <a:stretch>
+            <a:fillRect/>
+          </a:stretch>
+        </p:blipFill>
+        <p:spPr bwMode="auto">
+          <a:xfrm>
+            <a:off x="4266096" y="3257730"/>
+            <a:ext cx="5030304" cy="3676470"/>
+          </a:xfrm>
+          <a:prstGeom prst="rect">
+            <a:avLst/>
+          </a:prstGeom>
+          <a:noFill/>
+          <a:ln>
+            <a:noFill/>
+          </a:ln>
+          <a:effectLst/>
+          <a:extLst>
+            <a:ext uri="{909E8E84-426E-40dd-AFC4-6F175D3DCCD1}">
+              <a14:hiddenFill xmlns:a14="http://schemas.microsoft.com/office/drawing/2010/main">
+                <a:solidFill>
+                  <a:schemeClr val="accent1"/>
+                </a:solidFill>
+              </a14:hiddenFill>
+            </a:ext>
+            <a:ext uri="{91240B29-F687-4f45-9708-019B960494DF}">
+              <a14:hiddenLine xmlns:a14="http://schemas.microsoft.com/office/drawing/2010/main" w="9525">
+                <a:solidFill>
+                  <a:schemeClr val="tx1"/>
+                </a:solidFill>
+                <a:miter lim="800000"/>
+                <a:headEnd/>
+                <a:tailEnd/>
+              </a14:hiddenLine>
+            </a:ext>
+            <a:ext uri="{AF507438-7753-43e0-B8FC-AC1667EBCBE1}">
+              <a14:hiddenEffects xmlns:a14="http://schemas.microsoft.com/office/drawing/2010/main">
+                <a:effectLst>
+                  <a:outerShdw dist="35921" dir="2700000" algn="ctr" rotWithShape="0">
+                    <a:schemeClr val="bg2"/>
+                  </a:outerShdw>
+                </a:effectLst>
+              </a14:hiddenEffects>
+            </a:ext>
+          </a:extLst>
+        </p:spPr>
+      </p:pic>
+      <p:sp>
+        <p:nvSpPr>
+          <p:cNvPr id="2" name="Title 1"/>
+          <p:cNvSpPr>
+            <a:spLocks noGrp="1"/>
+          </p:cNvSpPr>
+          <p:nvPr>
+            <p:ph type="title"/>
+          </p:nvPr>
+        </p:nvSpPr>
+        <p:spPr/>
+        <p:txBody>
+          <a:bodyPr>
+            <a:normAutofit/>
+          </a:bodyPr>
+          <a:lstStyle/>
+          <a:p>
+            <a:pPr algn="l" fontAlgn="base">
+              <a:spcAft>
+                <a:spcPct val="0"/>
+              </a:spcAft>
+            </a:pPr>
+            <a:r>
+              <a:rPr lang="en-US" b="1" dirty="0" smtClean="0">
+                <a:solidFill>
+                  <a:srgbClr val="C00000"/>
+                </a:solidFill>
+              </a:rPr>
+              <a:t>Surprise Defects</a:t>
+            </a:r>
+            <a:endParaRPr lang="en-US" b="1" dirty="0">
+              <a:solidFill>
+                <a:srgbClr val="C00000"/>
+              </a:solidFill>
+            </a:endParaRPr>
+          </a:p>
+        </p:txBody>
+      </p:sp>
+      <p:sp>
+        <p:nvSpPr>
+          <p:cNvPr id="5" name="TextBox 4"/>
+          <p:cNvSpPr txBox="1"/>
+          <p:nvPr/>
+        </p:nvSpPr>
+        <p:spPr>
+          <a:xfrm>
+            <a:off x="152400" y="1828800"/>
+            <a:ext cx="5486400" cy="1200329"/>
+          </a:xfrm>
+          <a:prstGeom prst="rect">
+            <a:avLst/>
+          </a:prstGeom>
+          <a:noFill/>
+        </p:spPr>
+        <p:txBody>
+          <a:bodyPr wrap="square" rtlCol="0">
+            <a:spAutoFit/>
+          </a:bodyPr>
+          <a:lstStyle/>
+          <a:p>
+            <a:r>
+              <a:rPr lang="en-US" sz="3600" dirty="0"/>
+              <a:t>Flag files with </a:t>
+            </a:r>
+            <a:r>
+              <a:rPr lang="en-US" sz="3600" dirty="0" smtClean="0"/>
+              <a:t>defects in </a:t>
+            </a:r>
+            <a:r>
+              <a:rPr lang="en-US" sz="3600" b="1" dirty="0"/>
+              <a:t>unexpected locations</a:t>
+            </a:r>
+          </a:p>
+        </p:txBody>
+      </p:sp>
+      <p:sp>
+        <p:nvSpPr>
+          <p:cNvPr id="10" name="TextBox 9"/>
+          <p:cNvSpPr txBox="1"/>
+          <p:nvPr/>
+        </p:nvSpPr>
+        <p:spPr>
+          <a:xfrm>
+            <a:off x="228600" y="5029200"/>
+            <a:ext cx="4037496" cy="1200329"/>
+          </a:xfrm>
+          <a:prstGeom prst="rect">
+            <a:avLst/>
+          </a:prstGeom>
+          <a:noFill/>
+        </p:spPr>
+        <p:txBody>
+          <a:bodyPr wrap="square" rtlCol="0">
+            <a:spAutoFit/>
+          </a:bodyPr>
+          <a:lstStyle/>
+          <a:p>
+            <a:r>
+              <a:rPr lang="en-US" sz="3600" dirty="0" smtClean="0"/>
+              <a:t>Catch practitioners off guard</a:t>
+            </a:r>
+            <a:endParaRPr lang="en-US" sz="3600" dirty="0"/>
+          </a:p>
+        </p:txBody>
+      </p:sp>
+      <p:sp>
+        <p:nvSpPr>
+          <p:cNvPr id="13" name="TextBox 12"/>
+          <p:cNvSpPr txBox="1"/>
+          <p:nvPr/>
+        </p:nvSpPr>
+        <p:spPr>
+          <a:xfrm>
+            <a:off x="228600" y="6211669"/>
+            <a:ext cx="4037496" cy="646331"/>
+          </a:xfrm>
+          <a:prstGeom prst="rect">
+            <a:avLst/>
+          </a:prstGeom>
+          <a:noFill/>
+        </p:spPr>
+        <p:txBody>
+          <a:bodyPr wrap="square" rtlCol="0">
+            <a:spAutoFit/>
+          </a:bodyPr>
+          <a:lstStyle/>
+          <a:p>
+            <a:r>
+              <a:rPr lang="en-US" sz="3600" dirty="0" smtClean="0"/>
+              <a:t>Interrupt schedules</a:t>
+            </a:r>
+            <a:endParaRPr lang="en-US" sz="3600" dirty="0"/>
+          </a:p>
+        </p:txBody>
+      </p:sp>
+      <p:sp>
+        <p:nvSpPr>
+          <p:cNvPr id="14" name="TextBox 13"/>
+          <p:cNvSpPr txBox="1"/>
+          <p:nvPr/>
+        </p:nvSpPr>
+        <p:spPr>
+          <a:xfrm>
+            <a:off x="228600" y="3352800"/>
+            <a:ext cx="4037496" cy="1200329"/>
+          </a:xfrm>
+          <a:prstGeom prst="rect">
+            <a:avLst/>
+          </a:prstGeom>
+          <a:noFill/>
+        </p:spPr>
+        <p:txBody>
+          <a:bodyPr wrap="square" rtlCol="0">
+            <a:spAutoFit/>
+          </a:bodyPr>
+          <a:lstStyle/>
+          <a:p>
+            <a:r>
+              <a:rPr lang="en-US" sz="3600" dirty="0" smtClean="0"/>
+              <a:t>High ratio of post-to-pre defects</a:t>
+            </a:r>
+            <a:endParaRPr lang="en-US" sz="3600" dirty="0"/>
+          </a:p>
+        </p:txBody>
+      </p:sp>
+      <p:sp>
+        <p:nvSpPr>
+          <p:cNvPr id="4" name="Slide Number Placeholder 3"/>
+          <p:cNvSpPr>
+            <a:spLocks noGrp="1"/>
+          </p:cNvSpPr>
+          <p:nvPr>
+            <p:ph type="sldNum" sz="quarter" idx="12"/>
+          </p:nvPr>
+        </p:nvSpPr>
+        <p:spPr/>
+        <p:txBody>
+          <a:bodyPr/>
+          <a:lstStyle/>
+          <a:p>
+            <a:fld id="{60927F4E-78AB-4E26-A0B2-E6DA284CA8FF}" type="slidenum">
+              <a:rPr lang="en-US" smtClean="0"/>
+              <a:t>30</a:t>
+            </a:fld>
+            <a:endParaRPr lang="en-US"/>
+          </a:p>
+        </p:txBody>
+      </p:sp>
+    </p:spTree>
+    <p:extLst>
+      <p:ext uri="{BB962C8B-B14F-4D97-AF65-F5344CB8AC3E}">
+        <p14:creationId xmlns:p14="http://schemas.microsoft.com/office/powerpoint/2010/main" val="2669059584"/>
+      </p:ext>
+    </p:extLst>
+  </p:cSld>
+  <p:clrMapOvr>
+    <a:masterClrMapping/>
+  </p:clrMapOvr>
+  <p:timing>
+    <p:tnLst>
+      <p:par>
+        <p:cTn xmlns:p14="http://schemas.microsoft.com/office/powerpoint/2010/main" id="1" dur="indefinite" restart="never" nodeType="tmRoot">
+          <p:childTnLst>
+            <p:seq concurrent="1" nextAc="seek">
+              <p:cTn id="2" dur="indefinite" nodeType="mainSeq">
+                <p:childTnLst>
+                  <p:par>
+                    <p:cTn id="3" fill="hold">
+                      <p:stCondLst>
+                        <p:cond delay="indefinite"/>
+                      </p:stCondLst>
+                      <p:childTnLst>
+                        <p:par>
+                          <p:cTn id="4" fill="hold">
+                            <p:stCondLst>
+                              <p:cond delay="0"/>
+                            </p:stCondLst>
+                            <p:childTnLst>
+                              <p:par>
+                                <p:cTn id="5" presetID="1" presetClass="entr" presetSubtype="0" fill="hold" nodeType="clickEffect">
+                                  <p:stCondLst>
+                                    <p:cond delay="0"/>
+                                  </p:stCondLst>
+                                  <p:childTnLst>
+                                    <p:set>
+                                      <p:cBhvr>
+                                        <p:cTn id="6" dur="1" fill="hold">
+                                          <p:stCondLst>
+                                            <p:cond delay="0"/>
+                                          </p:stCondLst>
+                                        </p:cTn>
+                                        <p:tgtEl>
+                                          <p:spTgt spid="10">
+                                            <p:txEl>
+                                              <p:pRg st="0" end="0"/>
+                                            </p:txEl>
+                                          </p:spTgt>
+                                        </p:tgtEl>
+                                        <p:attrNameLst>
+                                          <p:attrName>style.visibility</p:attrName>
+                                        </p:attrNameLst>
+                                      </p:cBhvr>
+                                      <p:to>
+                                        <p:strVal val="visible"/>
+                                      </p:to>
+                                    </p:set>
+                                  </p:childTnLst>
+                                </p:cTn>
+                              </p:par>
+                            </p:childTnLst>
+                          </p:cTn>
+                        </p:par>
+                      </p:childTnLst>
+                    </p:cTn>
+                  </p:par>
+                  <p:par>
+                    <p:cTn id="7" fill="hold">
+                      <p:stCondLst>
+                        <p:cond delay="indefinite"/>
+                      </p:stCondLst>
+                      <p:childTnLst>
+                        <p:par>
+                          <p:cTn id="8" fill="hold">
+                            <p:stCondLst>
+                              <p:cond delay="0"/>
+                            </p:stCondLst>
+                            <p:childTnLst>
+                              <p:par>
+                                <p:cTn id="9" presetID="1" presetClass="entr" presetSubtype="0" fill="hold" nodeType="clickEffect">
+                                  <p:stCondLst>
+                                    <p:cond delay="0"/>
+                                  </p:stCondLst>
+                                  <p:childTnLst>
+                                    <p:set>
+                                      <p:cBhvr>
+                                        <p:cTn id="10" dur="1" fill="hold">
+                                          <p:stCondLst>
+                                            <p:cond delay="0"/>
+                                          </p:stCondLst>
+                                        </p:cTn>
+                                        <p:tgtEl>
+                                          <p:spTgt spid="13">
+                                            <p:txEl>
+                                              <p:pRg st="0" end="0"/>
+                                            </p:txEl>
+                                          </p:spTgt>
+                                        </p:tgtEl>
+                                        <p:attrNameLst>
+                                          <p:attrName>style.visibility</p:attrName>
+                                        </p:attrNameLst>
+                                      </p:cBhvr>
+                                      <p:to>
+                                        <p:strVal val="visible"/>
+                                      </p:to>
+                                    </p:set>
+                                  </p:childTnLst>
+                                </p:cTn>
+                              </p:par>
+                            </p:childTnLst>
+                          </p:cTn>
+                        </p:par>
+                      </p:childTnLst>
+                    </p:cTn>
+                  </p:par>
+                </p:childTnLst>
+              </p:cTn>
+              <p:prevCondLst>
+                <p:cond evt="onPrev" delay="0">
+                  <p:tgtEl>
+                    <p:sldTgt/>
+                  </p:tgtEl>
+                </p:cond>
+              </p:prevCondLst>
+              <p:nextCondLst>
+                <p:cond evt="onNext" delay="0">
+                  <p:tgtEl>
+                    <p:sldTgt/>
+                  </p:tgtEl>
+                </p:cond>
+              </p:nextCondLst>
+            </p:seq>
+          </p:childTnLst>
+        </p:cTn>
+      </p:par>
+    </p:tnLst>
+  </p:timing>
+</p:sld>
+</file>
+
+<file path=ppt/slides/slide31.xml><?xml version="1.0" encoding="utf-8"?>
 <p:sld xmlns:a="http://schemas.openxmlformats.org/drawingml/2006/main" xmlns:r="http://schemas.openxmlformats.org/officeDocument/2006/relationships" xmlns:p="http://schemas.openxmlformats.org/presentationml/2006/main">
   <p:cSld>
     <p:spTree>
@@ -30363,7 +30338,7 @@
           <a:p>
             <a:fld id="{60927F4E-78AB-4E26-A0B2-E6DA284CA8FF}" type="slidenum">
               <a:rPr lang="en-US" smtClean="0"/>
-              <a:t>30</a:t>
+              <a:t>31</a:t>
             </a:fld>
             <a:endParaRPr lang="en-US"/>
           </a:p>
@@ -30828,7 +30803,7 @@
 </p:sld>
 </file>
 
-<file path=ppt/slides/slide31.xml><?xml version="1.0" encoding="utf-8"?>
+<file path=ppt/slides/slide32.xml><?xml version="1.0" encoding="utf-8"?>
 <p:sld xmlns:a="http://schemas.openxmlformats.org/drawingml/2006/main" xmlns:r="http://schemas.openxmlformats.org/officeDocument/2006/relationships" xmlns:p="http://schemas.openxmlformats.org/presentationml/2006/main">
   <p:cSld>
     <p:spTree>
@@ -32830,7 +32805,7 @@
           <a:p>
             <a:fld id="{60927F4E-78AB-4E26-A0B2-E6DA284CA8FF}" type="slidenum">
               <a:rPr lang="en-US" smtClean="0"/>
-              <a:t>31</a:t>
+              <a:t>32</a:t>
             </a:fld>
             <a:endParaRPr lang="en-US"/>
           </a:p>
@@ -33151,7 +33126,7 @@
 </p:sld>
 </file>
 
-<file path=ppt/slides/slide32.xml><?xml version="1.0" encoding="utf-8"?>
+<file path=ppt/slides/slide33.xml><?xml version="1.0" encoding="utf-8"?>
 <p:sld xmlns:a="http://schemas.openxmlformats.org/drawingml/2006/main" xmlns:r="http://schemas.openxmlformats.org/officeDocument/2006/relationships" xmlns:p="http://schemas.openxmlformats.org/presentationml/2006/main">
   <p:cSld>
     <p:spTree>
@@ -36681,7 +36656,7 @@
           <a:p>
             <a:fld id="{60927F4E-78AB-4E26-A0B2-E6DA284CA8FF}" type="slidenum">
               <a:rPr lang="en-US" smtClean="0"/>
-              <a:t>32</a:t>
+              <a:t>33</a:t>
             </a:fld>
             <a:endParaRPr lang="en-US"/>
           </a:p>
@@ -36993,7 +36968,7 @@
 </p:sld>
 </file>
 
-<file path=ppt/slides/slide33.xml><?xml version="1.0" encoding="utf-8"?>
+<file path=ppt/slides/slide34.xml><?xml version="1.0" encoding="utf-8"?>
 <p:sld xmlns:a="http://schemas.openxmlformats.org/drawingml/2006/main" xmlns:r="http://schemas.openxmlformats.org/officeDocument/2006/relationships" xmlns:p="http://schemas.openxmlformats.org/presentationml/2006/main">
   <p:cSld>
     <p:spTree>
@@ -37227,7 +37202,7 @@
           <a:p>
             <a:fld id="{60927F4E-78AB-4E26-A0B2-E6DA284CA8FF}" type="slidenum">
               <a:rPr lang="en-US" smtClean="0"/>
-              <a:t>33</a:t>
+              <a:t>34</a:t>
             </a:fld>
             <a:endParaRPr lang="en-US"/>
           </a:p>
@@ -37374,7 +37349,7 @@
 </p:sld>
 </file>
 
-<file path=ppt/slides/slide34.xml><?xml version="1.0" encoding="utf-8"?>
+<file path=ppt/slides/slide35.xml><?xml version="1.0" encoding="utf-8"?>
 <p:sld xmlns:a="http://schemas.openxmlformats.org/drawingml/2006/main" xmlns:r="http://schemas.openxmlformats.org/officeDocument/2006/relationships" xmlns:p="http://schemas.openxmlformats.org/presentationml/2006/main">
   <p:cSld>
     <p:spTree>
@@ -37637,7 +37612,7 @@
           <a:p>
             <a:fld id="{60927F4E-78AB-4E26-A0B2-E6DA284CA8FF}" type="slidenum">
               <a:rPr lang="en-US" smtClean="0"/>
-              <a:t>34</a:t>
+              <a:t>35</a:t>
             </a:fld>
             <a:endParaRPr lang="en-US"/>
           </a:p>
@@ -37784,7 +37759,7 @@
 </p:sld>
 </file>
 
-<file path=ppt/slides/slide35.xml><?xml version="1.0" encoding="utf-8"?>
+<file path=ppt/slides/slide36.xml><?xml version="1.0" encoding="utf-8"?>
 <p:sld xmlns:a="http://schemas.openxmlformats.org/drawingml/2006/main" xmlns:r="http://schemas.openxmlformats.org/officeDocument/2006/relationships" xmlns:p="http://schemas.openxmlformats.org/presentationml/2006/main">
   <p:cSld>
     <p:spTree>
@@ -39240,7 +39215,7 @@
           <a:p>
             <a:fld id="{60927F4E-78AB-4E26-A0B2-E6DA284CA8FF}" type="slidenum">
               <a:rPr lang="en-US" smtClean="0"/>
-              <a:t>35</a:t>
+              <a:t>36</a:t>
             </a:fld>
             <a:endParaRPr lang="en-US"/>
           </a:p>
@@ -41628,7 +41603,7 @@
 </p:sld>
 </file>
 
-<file path=ppt/slides/slide36.xml><?xml version="1.0" encoding="utf-8"?>
+<file path=ppt/slides/slide37.xml><?xml version="1.0" encoding="utf-8"?>
 <p:sld xmlns:a="http://schemas.openxmlformats.org/drawingml/2006/main" xmlns:r="http://schemas.openxmlformats.org/officeDocument/2006/relationships" xmlns:p="http://schemas.openxmlformats.org/presentationml/2006/main">
   <p:cSld>
     <p:spTree>
@@ -42090,7 +42065,7 @@
           <a:p>
             <a:fld id="{60927F4E-78AB-4E26-A0B2-E6DA284CA8FF}" type="slidenum">
               <a:rPr lang="en-US" smtClean="0"/>
-              <a:t>36</a:t>
+              <a:t>37</a:t>
             </a:fld>
             <a:endParaRPr lang="en-US"/>
           </a:p>
@@ -42516,7 +42491,7 @@
 </p:sld>
 </file>
 
-<file path=ppt/slides/slide37.xml><?xml version="1.0" encoding="utf-8"?>
+<file path=ppt/slides/slide38.xml><?xml version="1.0" encoding="utf-8"?>
 <p:sld xmlns:a="http://schemas.openxmlformats.org/drawingml/2006/main" xmlns:r="http://schemas.openxmlformats.org/officeDocument/2006/relationships" xmlns:p="http://schemas.openxmlformats.org/presentationml/2006/main">
   <p:cSld>
     <p:spTree>
@@ -42787,7 +42762,7 @@
           <a:p>
             <a:fld id="{60927F4E-78AB-4E26-A0B2-E6DA284CA8FF}" type="slidenum">
               <a:rPr lang="en-US" smtClean="0"/>
-              <a:t>37</a:t>
+              <a:t>38</a:t>
             </a:fld>
             <a:endParaRPr lang="en-US"/>
           </a:p>
@@ -43018,7 +42993,7 @@
 </p:sld>
 </file>
 
-<file path=ppt/slides/slide38.xml><?xml version="1.0" encoding="utf-8"?>
+<file path=ppt/slides/slide39.xml><?xml version="1.0" encoding="utf-8"?>
 <p:sld xmlns:a="http://schemas.openxmlformats.org/drawingml/2006/main" xmlns:r="http://schemas.openxmlformats.org/officeDocument/2006/relationships" xmlns:p="http://schemas.openxmlformats.org/presentationml/2006/main">
   <p:cSld>
     <p:spTree>
@@ -43526,7 +43501,7 @@
               </a:lstStyle>
               <a:p>
                 <a14:m>
-                  <m:oMathPara xmlns:m="http://schemas.openxmlformats.org/officeDocument/2006/math" xmlns="">
+                  <m:oMathPara xmlns="" xmlns:m="http://schemas.openxmlformats.org/officeDocument/2006/math">
                     <m:oMathParaPr>
                       <m:jc m:val="centerGroup"/>
                     </m:oMathParaPr>
@@ -43734,7 +43709,7 @@
               </a:lstStyle>
               <a:p>
                 <a14:m>
-                  <m:oMathPara xmlns:m="http://schemas.openxmlformats.org/officeDocument/2006/math" xmlns="">
+                  <m:oMathPara xmlns="" xmlns:m="http://schemas.openxmlformats.org/officeDocument/2006/math">
                     <m:oMathParaPr>
                       <m:jc m:val="centerGroup"/>
                     </m:oMathParaPr>
@@ -44387,7 +44362,7 @@
           <a:p>
             <a:fld id="{60927F4E-78AB-4E26-A0B2-E6DA284CA8FF}" type="slidenum">
               <a:rPr lang="en-US" smtClean="0"/>
-              <a:t>38</a:t>
+              <a:t>39</a:t>
             </a:fld>
             <a:endParaRPr lang="en-US"/>
           </a:p>
@@ -45233,6 +45208,1513 @@
             <p:ph type="title"/>
           </p:nvPr>
         </p:nvSpPr>
+        <p:spPr/>
+        <p:txBody>
+          <a:bodyPr>
+            <a:normAutofit/>
+          </a:bodyPr>
+          <a:lstStyle/>
+          <a:p>
+            <a:pPr algn="l" fontAlgn="base">
+              <a:spcAft>
+                <a:spcPct val="0"/>
+              </a:spcAft>
+            </a:pPr>
+            <a:r>
+              <a:rPr lang="en-US" b="1" dirty="0" smtClean="0">
+                <a:solidFill>
+                  <a:srgbClr val="C00000"/>
+                </a:solidFill>
+              </a:rPr>
+              <a:t>Technical debt identification</a:t>
+            </a:r>
+            <a:endParaRPr lang="en-US" b="1" dirty="0">
+              <a:solidFill>
+                <a:srgbClr val="C00000"/>
+              </a:solidFill>
+            </a:endParaRPr>
+          </a:p>
+        </p:txBody>
+      </p:sp>
+      <p:sp>
+        <p:nvSpPr>
+          <p:cNvPr id="41" name="Folded Corner 40"/>
+          <p:cNvSpPr/>
+          <p:nvPr/>
+        </p:nvSpPr>
+        <p:spPr>
+          <a:xfrm>
+            <a:off x="7543800" y="2971800"/>
+            <a:ext cx="457200" cy="533400"/>
+          </a:xfrm>
+          <a:prstGeom prst="foldedCorner">
+            <a:avLst/>
+          </a:prstGeom>
+          <a:solidFill>
+            <a:srgbClr val="FF0000"/>
+          </a:solidFill>
+          <a:ln>
+            <a:solidFill>
+              <a:schemeClr val="tx1"/>
+            </a:solidFill>
+            <a:prstDash val="dash"/>
+          </a:ln>
+        </p:spPr>
+        <p:style>
+          <a:lnRef idx="2">
+            <a:schemeClr val="accent1">
+              <a:shade val="50000"/>
+            </a:schemeClr>
+          </a:lnRef>
+          <a:fillRef idx="1">
+            <a:schemeClr val="accent1"/>
+          </a:fillRef>
+          <a:effectRef idx="0">
+            <a:schemeClr val="accent1"/>
+          </a:effectRef>
+          <a:fontRef idx="minor">
+            <a:schemeClr val="lt1"/>
+          </a:fontRef>
+        </p:style>
+        <p:txBody>
+          <a:bodyPr rtlCol="0" anchor="ctr"/>
+          <a:lstStyle/>
+          <a:p>
+            <a:pPr algn="ctr"/>
+            <a:endParaRPr lang="en-US"/>
+          </a:p>
+        </p:txBody>
+      </p:sp>
+      <p:sp>
+        <p:nvSpPr>
+          <p:cNvPr id="42" name="Folded Corner 41"/>
+          <p:cNvSpPr/>
+          <p:nvPr/>
+        </p:nvSpPr>
+        <p:spPr>
+          <a:xfrm>
+            <a:off x="7543800" y="3657600"/>
+            <a:ext cx="457200" cy="533400"/>
+          </a:xfrm>
+          <a:prstGeom prst="foldedCorner">
+            <a:avLst/>
+          </a:prstGeom>
+          <a:solidFill>
+            <a:srgbClr val="00B050"/>
+          </a:solidFill>
+          <a:ln>
+            <a:solidFill>
+              <a:schemeClr val="tx1"/>
+            </a:solidFill>
+            <a:prstDash val="dash"/>
+          </a:ln>
+        </p:spPr>
+        <p:style>
+          <a:lnRef idx="2">
+            <a:schemeClr val="accent1">
+              <a:shade val="50000"/>
+            </a:schemeClr>
+          </a:lnRef>
+          <a:fillRef idx="1">
+            <a:schemeClr val="accent1"/>
+          </a:fillRef>
+          <a:effectRef idx="0">
+            <a:schemeClr val="accent1"/>
+          </a:effectRef>
+          <a:fontRef idx="minor">
+            <a:schemeClr val="lt1"/>
+          </a:fontRef>
+        </p:style>
+        <p:txBody>
+          <a:bodyPr rtlCol="0" anchor="ctr"/>
+          <a:lstStyle/>
+          <a:p>
+            <a:pPr algn="ctr"/>
+            <a:endParaRPr lang="en-US"/>
+          </a:p>
+        </p:txBody>
+      </p:sp>
+      <p:sp>
+        <p:nvSpPr>
+          <p:cNvPr id="43" name="TextBox 42"/>
+          <p:cNvSpPr txBox="1"/>
+          <p:nvPr/>
+        </p:nvSpPr>
+        <p:spPr>
+          <a:xfrm>
+            <a:off x="6876018" y="3059668"/>
+            <a:ext cx="572593" cy="461665"/>
+          </a:xfrm>
+          <a:prstGeom prst="rect">
+            <a:avLst/>
+          </a:prstGeom>
+          <a:noFill/>
+        </p:spPr>
+        <p:txBody>
+          <a:bodyPr wrap="none" rtlCol="0">
+            <a:spAutoFit/>
+          </a:bodyPr>
+          <a:lstStyle/>
+          <a:p>
+            <a:r>
+              <a:rPr lang="en-US" sz="2400" dirty="0" smtClean="0"/>
+              <a:t>0.8</a:t>
+            </a:r>
+            <a:endParaRPr lang="en-US" sz="2400" dirty="0"/>
+          </a:p>
+        </p:txBody>
+      </p:sp>
+      <p:sp>
+        <p:nvSpPr>
+          <p:cNvPr id="44" name="TextBox 43"/>
+          <p:cNvSpPr txBox="1"/>
+          <p:nvPr/>
+        </p:nvSpPr>
+        <p:spPr>
+          <a:xfrm>
+            <a:off x="6876018" y="3669268"/>
+            <a:ext cx="572593" cy="461665"/>
+          </a:xfrm>
+          <a:prstGeom prst="rect">
+            <a:avLst/>
+          </a:prstGeom>
+          <a:noFill/>
+        </p:spPr>
+        <p:txBody>
+          <a:bodyPr wrap="none" rtlCol="0">
+            <a:spAutoFit/>
+          </a:bodyPr>
+          <a:lstStyle/>
+          <a:p>
+            <a:r>
+              <a:rPr lang="en-US" sz="2400" dirty="0" smtClean="0"/>
+              <a:t>0.1</a:t>
+            </a:r>
+            <a:endParaRPr lang="en-US" sz="2400" dirty="0"/>
+          </a:p>
+        </p:txBody>
+      </p:sp>
+      <p:sp>
+        <p:nvSpPr>
+          <p:cNvPr id="49" name="Rectangle 48"/>
+          <p:cNvSpPr/>
+          <p:nvPr/>
+        </p:nvSpPr>
+        <p:spPr>
+          <a:xfrm>
+            <a:off x="3806729" y="3048000"/>
+            <a:ext cx="2133600" cy="1447800"/>
+          </a:xfrm>
+          <a:prstGeom prst="rect">
+            <a:avLst/>
+          </a:prstGeom>
+          <a:noFill/>
+          <a:ln>
+            <a:solidFill>
+              <a:schemeClr val="tx1"/>
+            </a:solidFill>
+          </a:ln>
+        </p:spPr>
+        <p:style>
+          <a:lnRef idx="2">
+            <a:schemeClr val="accent1">
+              <a:shade val="50000"/>
+            </a:schemeClr>
+          </a:lnRef>
+          <a:fillRef idx="1">
+            <a:schemeClr val="accent1"/>
+          </a:fillRef>
+          <a:effectRef idx="0">
+            <a:schemeClr val="accent1"/>
+          </a:effectRef>
+          <a:fontRef idx="minor">
+            <a:schemeClr val="lt1"/>
+          </a:fontRef>
+        </p:style>
+        <p:txBody>
+          <a:bodyPr rtlCol="0" anchor="ctr"/>
+          <a:lstStyle/>
+          <a:p>
+            <a:pPr algn="ctr"/>
+            <a:endParaRPr lang="en-US"/>
+          </a:p>
+        </p:txBody>
+      </p:sp>
+      <p:sp>
+        <p:nvSpPr>
+          <p:cNvPr id="50" name="TextBox 49"/>
+          <p:cNvSpPr txBox="1"/>
+          <p:nvPr/>
+        </p:nvSpPr>
+        <p:spPr>
+          <a:xfrm>
+            <a:off x="4040101" y="3276600"/>
+            <a:ext cx="1672317" cy="954107"/>
+          </a:xfrm>
+          <a:prstGeom prst="rect">
+            <a:avLst/>
+          </a:prstGeom>
+          <a:noFill/>
+        </p:spPr>
+        <p:txBody>
+          <a:bodyPr wrap="none" rtlCol="0">
+            <a:spAutoFit/>
+          </a:bodyPr>
+          <a:lstStyle/>
+          <a:p>
+            <a:pPr algn="ctr"/>
+            <a:r>
+              <a:rPr lang="en-US" sz="2800" dirty="0" smtClean="0"/>
+              <a:t>Prediction</a:t>
+            </a:r>
+          </a:p>
+          <a:p>
+            <a:pPr algn="ctr"/>
+            <a:r>
+              <a:rPr lang="en-US" sz="2800" dirty="0" smtClean="0"/>
+              <a:t>Model</a:t>
+            </a:r>
+          </a:p>
+        </p:txBody>
+      </p:sp>
+      <p:sp>
+        <p:nvSpPr>
+          <p:cNvPr id="51" name="Right Arrow 50"/>
+          <p:cNvSpPr/>
+          <p:nvPr/>
+        </p:nvSpPr>
+        <p:spPr>
+          <a:xfrm>
+            <a:off x="3048000" y="3581400"/>
+            <a:ext cx="745548" cy="260424"/>
+          </a:xfrm>
+          <a:prstGeom prst="rightArrow">
+            <a:avLst/>
+          </a:prstGeom>
+          <a:solidFill>
+            <a:schemeClr val="tx1"/>
+          </a:solidFill>
+          <a:ln>
+            <a:noFill/>
+          </a:ln>
+        </p:spPr>
+        <p:style>
+          <a:lnRef idx="2">
+            <a:schemeClr val="accent1">
+              <a:shade val="50000"/>
+            </a:schemeClr>
+          </a:lnRef>
+          <a:fillRef idx="1">
+            <a:schemeClr val="accent1"/>
+          </a:fillRef>
+          <a:effectRef idx="0">
+            <a:schemeClr val="accent1"/>
+          </a:effectRef>
+          <a:fontRef idx="minor">
+            <a:schemeClr val="lt1"/>
+          </a:fontRef>
+        </p:style>
+        <p:txBody>
+          <a:bodyPr rtlCol="0" anchor="ctr"/>
+          <a:lstStyle/>
+          <a:p>
+            <a:pPr algn="ctr"/>
+            <a:endParaRPr lang="en-US"/>
+          </a:p>
+        </p:txBody>
+      </p:sp>
+      <p:sp>
+        <p:nvSpPr>
+          <p:cNvPr id="52" name="TextBox 51"/>
+          <p:cNvSpPr txBox="1"/>
+          <p:nvPr/>
+        </p:nvSpPr>
+        <p:spPr>
+          <a:xfrm>
+            <a:off x="1295400" y="2995136"/>
+            <a:ext cx="665054" cy="461665"/>
+          </a:xfrm>
+          <a:prstGeom prst="rect">
+            <a:avLst/>
+          </a:prstGeom>
+          <a:noFill/>
+        </p:spPr>
+        <p:txBody>
+          <a:bodyPr wrap="none" rtlCol="0">
+            <a:spAutoFit/>
+          </a:bodyPr>
+          <a:lstStyle/>
+          <a:p>
+            <a:r>
+              <a:rPr lang="en-US" sz="2400" dirty="0" smtClean="0"/>
+              <a:t>Size</a:t>
+            </a:r>
+            <a:endParaRPr lang="en-US" sz="2400" dirty="0"/>
+          </a:p>
+        </p:txBody>
+      </p:sp>
+      <p:sp>
+        <p:nvSpPr>
+          <p:cNvPr id="53" name="TextBox 52"/>
+          <p:cNvSpPr txBox="1"/>
+          <p:nvPr/>
+        </p:nvSpPr>
+        <p:spPr>
+          <a:xfrm>
+            <a:off x="609600" y="4110335"/>
+            <a:ext cx="2573910" cy="461665"/>
+          </a:xfrm>
+          <a:prstGeom prst="rect">
+            <a:avLst/>
+          </a:prstGeom>
+          <a:noFill/>
+        </p:spPr>
+        <p:txBody>
+          <a:bodyPr wrap="none" rtlCol="0">
+            <a:spAutoFit/>
+          </a:bodyPr>
+          <a:lstStyle/>
+          <a:p>
+            <a:r>
+              <a:rPr lang="en-US" sz="2400" dirty="0" smtClean="0"/>
+              <a:t>Pre-release defects</a:t>
+            </a:r>
+            <a:endParaRPr lang="en-US" sz="2400" dirty="0"/>
+          </a:p>
+        </p:txBody>
+      </p:sp>
+      <p:sp>
+        <p:nvSpPr>
+          <p:cNvPr id="54" name="TextBox 53"/>
+          <p:cNvSpPr txBox="1"/>
+          <p:nvPr/>
+        </p:nvSpPr>
+        <p:spPr>
+          <a:xfrm>
+            <a:off x="1557892" y="4343400"/>
+            <a:ext cx="242374" cy="646331"/>
+          </a:xfrm>
+          <a:prstGeom prst="rect">
+            <a:avLst/>
+          </a:prstGeom>
+          <a:noFill/>
+        </p:spPr>
+        <p:txBody>
+          <a:bodyPr wrap="none" rtlCol="0">
+            <a:spAutoFit/>
+          </a:bodyPr>
+          <a:lstStyle/>
+          <a:p>
+            <a:pPr algn="ctr"/>
+            <a:r>
+              <a:rPr lang="en-US" dirty="0" smtClean="0"/>
+              <a:t>.</a:t>
+            </a:r>
+          </a:p>
+          <a:p>
+            <a:pPr algn="ctr"/>
+            <a:r>
+              <a:rPr lang="en-US" dirty="0" smtClean="0"/>
+              <a:t>.</a:t>
+            </a:r>
+          </a:p>
+        </p:txBody>
+      </p:sp>
+      <p:sp>
+        <p:nvSpPr>
+          <p:cNvPr id="55" name="TextBox 54"/>
+          <p:cNvSpPr txBox="1"/>
+          <p:nvPr/>
+        </p:nvSpPr>
+        <p:spPr>
+          <a:xfrm>
+            <a:off x="990600" y="3729335"/>
+            <a:ext cx="1582613" cy="461665"/>
+          </a:xfrm>
+          <a:prstGeom prst="rect">
+            <a:avLst/>
+          </a:prstGeom>
+          <a:noFill/>
+        </p:spPr>
+        <p:txBody>
+          <a:bodyPr wrap="none" rtlCol="0">
+            <a:spAutoFit/>
+          </a:bodyPr>
+          <a:lstStyle/>
+          <a:p>
+            <a:r>
+              <a:rPr lang="en-US" sz="2400" dirty="0" smtClean="0"/>
+              <a:t>Complexity</a:t>
+            </a:r>
+            <a:endParaRPr lang="en-US" sz="2400" dirty="0"/>
+          </a:p>
+        </p:txBody>
+      </p:sp>
+      <p:sp>
+        <p:nvSpPr>
+          <p:cNvPr id="56" name="Right Arrow 55"/>
+          <p:cNvSpPr/>
+          <p:nvPr/>
+        </p:nvSpPr>
+        <p:spPr>
+          <a:xfrm>
+            <a:off x="5943600" y="3581400"/>
+            <a:ext cx="762000" cy="297597"/>
+          </a:xfrm>
+          <a:prstGeom prst="rightArrow">
+            <a:avLst/>
+          </a:prstGeom>
+          <a:solidFill>
+            <a:schemeClr val="tx1"/>
+          </a:solidFill>
+          <a:ln>
+            <a:noFill/>
+          </a:ln>
+        </p:spPr>
+        <p:style>
+          <a:lnRef idx="2">
+            <a:schemeClr val="accent1">
+              <a:shade val="50000"/>
+            </a:schemeClr>
+          </a:lnRef>
+          <a:fillRef idx="1">
+            <a:schemeClr val="accent1"/>
+          </a:fillRef>
+          <a:effectRef idx="0">
+            <a:schemeClr val="accent1"/>
+          </a:effectRef>
+          <a:fontRef idx="minor">
+            <a:schemeClr val="lt1"/>
+          </a:fontRef>
+        </p:style>
+        <p:txBody>
+          <a:bodyPr rtlCol="0" anchor="ctr"/>
+          <a:lstStyle/>
+          <a:p>
+            <a:pPr algn="ctr"/>
+            <a:endParaRPr lang="en-US"/>
+          </a:p>
+        </p:txBody>
+      </p:sp>
+      <p:sp>
+        <p:nvSpPr>
+          <p:cNvPr id="58" name="TextBox 57"/>
+          <p:cNvSpPr txBox="1"/>
+          <p:nvPr/>
+        </p:nvSpPr>
+        <p:spPr>
+          <a:xfrm>
+            <a:off x="756219" y="1991380"/>
+            <a:ext cx="2291781" cy="523220"/>
+          </a:xfrm>
+          <a:prstGeom prst="rect">
+            <a:avLst/>
+          </a:prstGeom>
+          <a:noFill/>
+        </p:spPr>
+        <p:txBody>
+          <a:bodyPr wrap="none" rtlCol="0">
+            <a:spAutoFit/>
+          </a:bodyPr>
+          <a:lstStyle/>
+          <a:p>
+            <a:r>
+              <a:rPr lang="en-US" sz="2800" b="1" dirty="0" smtClean="0"/>
+              <a:t>Input: Metrics</a:t>
+            </a:r>
+            <a:endParaRPr lang="en-US" b="1" dirty="0"/>
+          </a:p>
+        </p:txBody>
+      </p:sp>
+      <p:sp>
+        <p:nvSpPr>
+          <p:cNvPr id="59" name="TextBox 58"/>
+          <p:cNvSpPr txBox="1"/>
+          <p:nvPr/>
+        </p:nvSpPr>
+        <p:spPr>
+          <a:xfrm>
+            <a:off x="1261360" y="3352800"/>
+            <a:ext cx="941283" cy="461665"/>
+          </a:xfrm>
+          <a:prstGeom prst="rect">
+            <a:avLst/>
+          </a:prstGeom>
+          <a:noFill/>
+        </p:spPr>
+        <p:txBody>
+          <a:bodyPr wrap="none" rtlCol="0">
+            <a:spAutoFit/>
+          </a:bodyPr>
+          <a:lstStyle/>
+          <a:p>
+            <a:r>
+              <a:rPr lang="en-US" sz="2400" dirty="0" smtClean="0"/>
+              <a:t>Churn</a:t>
+            </a:r>
+            <a:endParaRPr lang="en-US" sz="2400" dirty="0"/>
+          </a:p>
+        </p:txBody>
+      </p:sp>
+      <p:sp>
+        <p:nvSpPr>
+          <p:cNvPr id="60" name="TextBox 59"/>
+          <p:cNvSpPr txBox="1"/>
+          <p:nvPr/>
+        </p:nvSpPr>
+        <p:spPr>
+          <a:xfrm>
+            <a:off x="5943600" y="1981200"/>
+            <a:ext cx="2914580" cy="523220"/>
+          </a:xfrm>
+          <a:prstGeom prst="rect">
+            <a:avLst/>
+          </a:prstGeom>
+          <a:noFill/>
+        </p:spPr>
+        <p:txBody>
+          <a:bodyPr wrap="none" rtlCol="0">
+            <a:spAutoFit/>
+          </a:bodyPr>
+          <a:lstStyle/>
+          <a:p>
+            <a:r>
+              <a:rPr lang="en-US" sz="2800" b="1" dirty="0" smtClean="0"/>
+              <a:t>Output: Risk [0..1]</a:t>
+            </a:r>
+            <a:endParaRPr lang="en-US" b="1" dirty="0"/>
+          </a:p>
+        </p:txBody>
+      </p:sp>
+      <p:sp>
+        <p:nvSpPr>
+          <p:cNvPr id="61" name="TextBox 60"/>
+          <p:cNvSpPr txBox="1"/>
+          <p:nvPr/>
+        </p:nvSpPr>
+        <p:spPr>
+          <a:xfrm>
+            <a:off x="7315200" y="4648200"/>
+            <a:ext cx="242374" cy="646331"/>
+          </a:xfrm>
+          <a:prstGeom prst="rect">
+            <a:avLst/>
+          </a:prstGeom>
+          <a:noFill/>
+        </p:spPr>
+        <p:txBody>
+          <a:bodyPr wrap="none" rtlCol="0">
+            <a:spAutoFit/>
+          </a:bodyPr>
+          <a:lstStyle/>
+          <a:p>
+            <a:pPr algn="ctr"/>
+            <a:r>
+              <a:rPr lang="en-US" dirty="0" smtClean="0"/>
+              <a:t>.</a:t>
+            </a:r>
+          </a:p>
+          <a:p>
+            <a:pPr algn="ctr"/>
+            <a:r>
+              <a:rPr lang="en-US" dirty="0" smtClean="0"/>
+              <a:t>.</a:t>
+            </a:r>
+          </a:p>
+        </p:txBody>
+      </p:sp>
+      <p:grpSp>
+        <p:nvGrpSpPr>
+          <p:cNvPr id="26" name="Group 25"/>
+          <p:cNvGrpSpPr/>
+          <p:nvPr/>
+        </p:nvGrpSpPr>
+        <p:grpSpPr>
+          <a:xfrm>
+            <a:off x="1130170" y="5187265"/>
+            <a:ext cx="7543801" cy="1296085"/>
+            <a:chOff x="838200" y="4723715"/>
+            <a:chExt cx="7543801" cy="1296085"/>
+          </a:xfrm>
+        </p:grpSpPr>
+        <p:sp>
+          <p:nvSpPr>
+            <p:cNvPr id="27" name="Rounded Rectangle 26"/>
+            <p:cNvSpPr/>
+            <p:nvPr/>
+          </p:nvSpPr>
+          <p:spPr>
+            <a:xfrm>
+              <a:off x="838200" y="4724400"/>
+              <a:ext cx="7391400" cy="1295400"/>
+            </a:xfrm>
+            <a:prstGeom prst="roundRect">
+              <a:avLst/>
+            </a:prstGeom>
+            <a:solidFill>
+              <a:srgbClr val="FF0000"/>
+            </a:solidFill>
+          </p:spPr>
+          <p:style>
+            <a:lnRef idx="2">
+              <a:schemeClr val="accent1">
+                <a:shade val="50000"/>
+              </a:schemeClr>
+            </a:lnRef>
+            <a:fillRef idx="1">
+              <a:schemeClr val="accent1"/>
+            </a:fillRef>
+            <a:effectRef idx="0">
+              <a:schemeClr val="accent1"/>
+            </a:effectRef>
+            <a:fontRef idx="minor">
+              <a:schemeClr val="lt1"/>
+            </a:fontRef>
+          </p:style>
+          <p:txBody>
+            <a:bodyPr rtlCol="0" anchor="ctr"/>
+            <a:lstStyle/>
+            <a:p>
+              <a:pPr algn="ctr"/>
+              <a:endParaRPr lang="en-US"/>
+            </a:p>
+          </p:txBody>
+        </p:sp>
+        <p:sp>
+          <p:nvSpPr>
+            <p:cNvPr id="28" name="TextBox 27"/>
+            <p:cNvSpPr txBox="1"/>
+            <p:nvPr/>
+          </p:nvSpPr>
+          <p:spPr>
+            <a:xfrm>
+              <a:off x="1003431" y="4723715"/>
+              <a:ext cx="7378570" cy="1077218"/>
+            </a:xfrm>
+            <a:prstGeom prst="rect">
+              <a:avLst/>
+            </a:prstGeom>
+            <a:noFill/>
+          </p:spPr>
+          <p:txBody>
+            <a:bodyPr wrap="square" rtlCol="0">
+              <a:spAutoFit/>
+            </a:bodyPr>
+            <a:lstStyle/>
+            <a:p>
+              <a:r>
+                <a:rPr lang="en-US" sz="3200" b="1" dirty="0" smtClean="0">
+                  <a:solidFill>
+                    <a:schemeClr val="bg1"/>
+                  </a:solidFill>
+                </a:rPr>
+                <a:t>Key Predictors: Size </a:t>
+              </a:r>
+              <a:r>
+                <a:rPr lang="en-US" sz="3200" dirty="0" smtClean="0">
+                  <a:solidFill>
+                    <a:schemeClr val="bg1"/>
+                  </a:solidFill>
+                </a:rPr>
+                <a:t>and</a:t>
+              </a:r>
+              <a:r>
+                <a:rPr lang="en-US" sz="3200" b="1" dirty="0" smtClean="0">
+                  <a:solidFill>
+                    <a:schemeClr val="bg1"/>
+                  </a:solidFill>
+                </a:rPr>
+                <a:t> pre-release defects</a:t>
+              </a:r>
+              <a:endParaRPr lang="en-US" sz="3200" b="1" dirty="0">
+                <a:solidFill>
+                  <a:schemeClr val="bg1"/>
+                </a:solidFill>
+              </a:endParaRPr>
+            </a:p>
+          </p:txBody>
+        </p:sp>
+      </p:grpSp>
+      <p:sp>
+        <p:nvSpPr>
+          <p:cNvPr id="3" name="Slide Number Placeholder 2"/>
+          <p:cNvSpPr>
+            <a:spLocks noGrp="1"/>
+          </p:cNvSpPr>
+          <p:nvPr>
+            <p:ph type="sldNum" sz="quarter" idx="12"/>
+          </p:nvPr>
+        </p:nvSpPr>
+        <p:spPr/>
+        <p:txBody>
+          <a:bodyPr/>
+          <a:lstStyle/>
+          <a:p>
+            <a:fld id="{60927F4E-78AB-4E26-A0B2-E6DA284CA8FF}" type="slidenum">
+              <a:rPr lang="en-US" smtClean="0"/>
+              <a:t>4</a:t>
+            </a:fld>
+            <a:endParaRPr lang="en-US"/>
+          </a:p>
+        </p:txBody>
+      </p:sp>
+    </p:spTree>
+    <p:extLst>
+      <p:ext uri="{BB962C8B-B14F-4D97-AF65-F5344CB8AC3E}">
+        <p14:creationId xmlns:p14="http://schemas.microsoft.com/office/powerpoint/2010/main" val="2697895158"/>
+      </p:ext>
+    </p:extLst>
+  </p:cSld>
+  <p:clrMapOvr>
+    <a:masterClrMapping/>
+  </p:clrMapOvr>
+  <p:timing>
+    <p:tnLst>
+      <p:par>
+        <p:cTn xmlns:p14="http://schemas.microsoft.com/office/powerpoint/2010/main" id="1" dur="indefinite" restart="never" nodeType="tmRoot">
+          <p:childTnLst>
+            <p:seq concurrent="1" nextAc="seek">
+              <p:cTn id="2" dur="indefinite" nodeType="mainSeq">
+                <p:childTnLst>
+                  <p:par>
+                    <p:cTn id="3" fill="hold">
+                      <p:stCondLst>
+                        <p:cond delay="indefinite"/>
+                      </p:stCondLst>
+                      <p:childTnLst>
+                        <p:par>
+                          <p:cTn id="4" fill="hold">
+                            <p:stCondLst>
+                              <p:cond delay="0"/>
+                            </p:stCondLst>
+                            <p:childTnLst>
+                              <p:par>
+                                <p:cTn id="5" presetID="10" presetClass="entr" presetSubtype="0" fill="hold" grpId="0" nodeType="clickEffect">
+                                  <p:stCondLst>
+                                    <p:cond delay="0"/>
+                                  </p:stCondLst>
+                                  <p:childTnLst>
+                                    <p:set>
+                                      <p:cBhvr>
+                                        <p:cTn id="6" dur="1" fill="hold">
+                                          <p:stCondLst>
+                                            <p:cond delay="0"/>
+                                          </p:stCondLst>
+                                        </p:cTn>
+                                        <p:tgtEl>
+                                          <p:spTgt spid="52"/>
+                                        </p:tgtEl>
+                                        <p:attrNameLst>
+                                          <p:attrName>style.visibility</p:attrName>
+                                        </p:attrNameLst>
+                                      </p:cBhvr>
+                                      <p:to>
+                                        <p:strVal val="visible"/>
+                                      </p:to>
+                                    </p:set>
+                                    <p:animEffect transition="in" filter="fade">
+                                      <p:cBhvr>
+                                        <p:cTn id="7" dur="500"/>
+                                        <p:tgtEl>
+                                          <p:spTgt spid="52"/>
+                                        </p:tgtEl>
+                                      </p:cBhvr>
+                                    </p:animEffect>
+                                  </p:childTnLst>
+                                </p:cTn>
+                              </p:par>
+                              <p:par>
+                                <p:cTn id="8" presetID="10" presetClass="entr" presetSubtype="0" fill="hold" grpId="0" nodeType="withEffect">
+                                  <p:stCondLst>
+                                    <p:cond delay="0"/>
+                                  </p:stCondLst>
+                                  <p:childTnLst>
+                                    <p:set>
+                                      <p:cBhvr>
+                                        <p:cTn id="9" dur="1" fill="hold">
+                                          <p:stCondLst>
+                                            <p:cond delay="0"/>
+                                          </p:stCondLst>
+                                        </p:cTn>
+                                        <p:tgtEl>
+                                          <p:spTgt spid="53"/>
+                                        </p:tgtEl>
+                                        <p:attrNameLst>
+                                          <p:attrName>style.visibility</p:attrName>
+                                        </p:attrNameLst>
+                                      </p:cBhvr>
+                                      <p:to>
+                                        <p:strVal val="visible"/>
+                                      </p:to>
+                                    </p:set>
+                                    <p:animEffect transition="in" filter="fade">
+                                      <p:cBhvr>
+                                        <p:cTn id="10" dur="500"/>
+                                        <p:tgtEl>
+                                          <p:spTgt spid="53"/>
+                                        </p:tgtEl>
+                                      </p:cBhvr>
+                                    </p:animEffect>
+                                  </p:childTnLst>
+                                </p:cTn>
+                              </p:par>
+                              <p:par>
+                                <p:cTn id="11" presetID="10" presetClass="entr" presetSubtype="0" fill="hold" grpId="0" nodeType="withEffect">
+                                  <p:stCondLst>
+                                    <p:cond delay="0"/>
+                                  </p:stCondLst>
+                                  <p:childTnLst>
+                                    <p:set>
+                                      <p:cBhvr>
+                                        <p:cTn id="12" dur="1" fill="hold">
+                                          <p:stCondLst>
+                                            <p:cond delay="0"/>
+                                          </p:stCondLst>
+                                        </p:cTn>
+                                        <p:tgtEl>
+                                          <p:spTgt spid="54"/>
+                                        </p:tgtEl>
+                                        <p:attrNameLst>
+                                          <p:attrName>style.visibility</p:attrName>
+                                        </p:attrNameLst>
+                                      </p:cBhvr>
+                                      <p:to>
+                                        <p:strVal val="visible"/>
+                                      </p:to>
+                                    </p:set>
+                                    <p:animEffect transition="in" filter="fade">
+                                      <p:cBhvr>
+                                        <p:cTn id="13" dur="500"/>
+                                        <p:tgtEl>
+                                          <p:spTgt spid="54"/>
+                                        </p:tgtEl>
+                                      </p:cBhvr>
+                                    </p:animEffect>
+                                  </p:childTnLst>
+                                </p:cTn>
+                              </p:par>
+                              <p:par>
+                                <p:cTn id="14" presetID="10" presetClass="entr" presetSubtype="0" fill="hold" grpId="0" nodeType="withEffect">
+                                  <p:stCondLst>
+                                    <p:cond delay="0"/>
+                                  </p:stCondLst>
+                                  <p:childTnLst>
+                                    <p:set>
+                                      <p:cBhvr>
+                                        <p:cTn id="15" dur="1" fill="hold">
+                                          <p:stCondLst>
+                                            <p:cond delay="0"/>
+                                          </p:stCondLst>
+                                        </p:cTn>
+                                        <p:tgtEl>
+                                          <p:spTgt spid="55"/>
+                                        </p:tgtEl>
+                                        <p:attrNameLst>
+                                          <p:attrName>style.visibility</p:attrName>
+                                        </p:attrNameLst>
+                                      </p:cBhvr>
+                                      <p:to>
+                                        <p:strVal val="visible"/>
+                                      </p:to>
+                                    </p:set>
+                                    <p:animEffect transition="in" filter="fade">
+                                      <p:cBhvr>
+                                        <p:cTn id="16" dur="500"/>
+                                        <p:tgtEl>
+                                          <p:spTgt spid="55"/>
+                                        </p:tgtEl>
+                                      </p:cBhvr>
+                                    </p:animEffect>
+                                  </p:childTnLst>
+                                </p:cTn>
+                              </p:par>
+                              <p:par>
+                                <p:cTn id="17" presetID="10" presetClass="entr" presetSubtype="0" fill="hold" grpId="0" nodeType="withEffect">
+                                  <p:stCondLst>
+                                    <p:cond delay="0"/>
+                                  </p:stCondLst>
+                                  <p:childTnLst>
+                                    <p:set>
+                                      <p:cBhvr>
+                                        <p:cTn id="18" dur="1" fill="hold">
+                                          <p:stCondLst>
+                                            <p:cond delay="0"/>
+                                          </p:stCondLst>
+                                        </p:cTn>
+                                        <p:tgtEl>
+                                          <p:spTgt spid="58"/>
+                                        </p:tgtEl>
+                                        <p:attrNameLst>
+                                          <p:attrName>style.visibility</p:attrName>
+                                        </p:attrNameLst>
+                                      </p:cBhvr>
+                                      <p:to>
+                                        <p:strVal val="visible"/>
+                                      </p:to>
+                                    </p:set>
+                                    <p:animEffect transition="in" filter="fade">
+                                      <p:cBhvr>
+                                        <p:cTn id="19" dur="500"/>
+                                        <p:tgtEl>
+                                          <p:spTgt spid="58"/>
+                                        </p:tgtEl>
+                                      </p:cBhvr>
+                                    </p:animEffect>
+                                  </p:childTnLst>
+                                </p:cTn>
+                              </p:par>
+                              <p:par>
+                                <p:cTn id="20" presetID="10" presetClass="entr" presetSubtype="0" fill="hold" grpId="0" nodeType="withEffect">
+                                  <p:stCondLst>
+                                    <p:cond delay="0"/>
+                                  </p:stCondLst>
+                                  <p:childTnLst>
+                                    <p:set>
+                                      <p:cBhvr>
+                                        <p:cTn id="21" dur="1" fill="hold">
+                                          <p:stCondLst>
+                                            <p:cond delay="0"/>
+                                          </p:stCondLst>
+                                        </p:cTn>
+                                        <p:tgtEl>
+                                          <p:spTgt spid="59"/>
+                                        </p:tgtEl>
+                                        <p:attrNameLst>
+                                          <p:attrName>style.visibility</p:attrName>
+                                        </p:attrNameLst>
+                                      </p:cBhvr>
+                                      <p:to>
+                                        <p:strVal val="visible"/>
+                                      </p:to>
+                                    </p:set>
+                                    <p:animEffect transition="in" filter="fade">
+                                      <p:cBhvr>
+                                        <p:cTn id="22" dur="500"/>
+                                        <p:tgtEl>
+                                          <p:spTgt spid="59"/>
+                                        </p:tgtEl>
+                                      </p:cBhvr>
+                                    </p:animEffect>
+                                  </p:childTnLst>
+                                </p:cTn>
+                              </p:par>
+                            </p:childTnLst>
+                          </p:cTn>
+                        </p:par>
+                      </p:childTnLst>
+                    </p:cTn>
+                  </p:par>
+                  <p:par>
+                    <p:cTn id="23" fill="hold">
+                      <p:stCondLst>
+                        <p:cond delay="indefinite"/>
+                      </p:stCondLst>
+                      <p:childTnLst>
+                        <p:par>
+                          <p:cTn id="24" fill="hold">
+                            <p:stCondLst>
+                              <p:cond delay="0"/>
+                            </p:stCondLst>
+                            <p:childTnLst>
+                              <p:par>
+                                <p:cTn id="25" presetID="10" presetClass="entr" presetSubtype="0" fill="hold" grpId="0" nodeType="clickEffect">
+                                  <p:stCondLst>
+                                    <p:cond delay="0"/>
+                                  </p:stCondLst>
+                                  <p:childTnLst>
+                                    <p:set>
+                                      <p:cBhvr>
+                                        <p:cTn id="26" dur="1" fill="hold">
+                                          <p:stCondLst>
+                                            <p:cond delay="0"/>
+                                          </p:stCondLst>
+                                        </p:cTn>
+                                        <p:tgtEl>
+                                          <p:spTgt spid="49"/>
+                                        </p:tgtEl>
+                                        <p:attrNameLst>
+                                          <p:attrName>style.visibility</p:attrName>
+                                        </p:attrNameLst>
+                                      </p:cBhvr>
+                                      <p:to>
+                                        <p:strVal val="visible"/>
+                                      </p:to>
+                                    </p:set>
+                                    <p:animEffect transition="in" filter="fade">
+                                      <p:cBhvr>
+                                        <p:cTn id="27" dur="500"/>
+                                        <p:tgtEl>
+                                          <p:spTgt spid="49"/>
+                                        </p:tgtEl>
+                                      </p:cBhvr>
+                                    </p:animEffect>
+                                  </p:childTnLst>
+                                </p:cTn>
+                              </p:par>
+                              <p:par>
+                                <p:cTn id="28" presetID="10" presetClass="entr" presetSubtype="0" fill="hold" grpId="0" nodeType="withEffect">
+                                  <p:stCondLst>
+                                    <p:cond delay="0"/>
+                                  </p:stCondLst>
+                                  <p:childTnLst>
+                                    <p:set>
+                                      <p:cBhvr>
+                                        <p:cTn id="29" dur="1" fill="hold">
+                                          <p:stCondLst>
+                                            <p:cond delay="0"/>
+                                          </p:stCondLst>
+                                        </p:cTn>
+                                        <p:tgtEl>
+                                          <p:spTgt spid="50"/>
+                                        </p:tgtEl>
+                                        <p:attrNameLst>
+                                          <p:attrName>style.visibility</p:attrName>
+                                        </p:attrNameLst>
+                                      </p:cBhvr>
+                                      <p:to>
+                                        <p:strVal val="visible"/>
+                                      </p:to>
+                                    </p:set>
+                                    <p:animEffect transition="in" filter="fade">
+                                      <p:cBhvr>
+                                        <p:cTn id="30" dur="500"/>
+                                        <p:tgtEl>
+                                          <p:spTgt spid="50"/>
+                                        </p:tgtEl>
+                                      </p:cBhvr>
+                                    </p:animEffect>
+                                  </p:childTnLst>
+                                </p:cTn>
+                              </p:par>
+                              <p:par>
+                                <p:cTn id="31" presetID="10" presetClass="entr" presetSubtype="0" fill="hold" grpId="0" nodeType="withEffect">
+                                  <p:stCondLst>
+                                    <p:cond delay="0"/>
+                                  </p:stCondLst>
+                                  <p:childTnLst>
+                                    <p:set>
+                                      <p:cBhvr>
+                                        <p:cTn id="32" dur="1" fill="hold">
+                                          <p:stCondLst>
+                                            <p:cond delay="0"/>
+                                          </p:stCondLst>
+                                        </p:cTn>
+                                        <p:tgtEl>
+                                          <p:spTgt spid="51"/>
+                                        </p:tgtEl>
+                                        <p:attrNameLst>
+                                          <p:attrName>style.visibility</p:attrName>
+                                        </p:attrNameLst>
+                                      </p:cBhvr>
+                                      <p:to>
+                                        <p:strVal val="visible"/>
+                                      </p:to>
+                                    </p:set>
+                                    <p:animEffect transition="in" filter="fade">
+                                      <p:cBhvr>
+                                        <p:cTn id="33" dur="500"/>
+                                        <p:tgtEl>
+                                          <p:spTgt spid="51"/>
+                                        </p:tgtEl>
+                                      </p:cBhvr>
+                                    </p:animEffect>
+                                  </p:childTnLst>
+                                </p:cTn>
+                              </p:par>
+                            </p:childTnLst>
+                          </p:cTn>
+                        </p:par>
+                      </p:childTnLst>
+                    </p:cTn>
+                  </p:par>
+                  <p:par>
+                    <p:cTn id="34" fill="hold">
+                      <p:stCondLst>
+                        <p:cond delay="indefinite"/>
+                      </p:stCondLst>
+                      <p:childTnLst>
+                        <p:par>
+                          <p:cTn id="35" fill="hold">
+                            <p:stCondLst>
+                              <p:cond delay="0"/>
+                            </p:stCondLst>
+                            <p:childTnLst>
+                              <p:par>
+                                <p:cTn id="36" presetID="10" presetClass="entr" presetSubtype="0" fill="hold" grpId="0" nodeType="clickEffect">
+                                  <p:stCondLst>
+                                    <p:cond delay="0"/>
+                                  </p:stCondLst>
+                                  <p:childTnLst>
+                                    <p:set>
+                                      <p:cBhvr>
+                                        <p:cTn id="37" dur="1" fill="hold">
+                                          <p:stCondLst>
+                                            <p:cond delay="0"/>
+                                          </p:stCondLst>
+                                        </p:cTn>
+                                        <p:tgtEl>
+                                          <p:spTgt spid="41"/>
+                                        </p:tgtEl>
+                                        <p:attrNameLst>
+                                          <p:attrName>style.visibility</p:attrName>
+                                        </p:attrNameLst>
+                                      </p:cBhvr>
+                                      <p:to>
+                                        <p:strVal val="visible"/>
+                                      </p:to>
+                                    </p:set>
+                                    <p:animEffect transition="in" filter="fade">
+                                      <p:cBhvr>
+                                        <p:cTn id="38" dur="500"/>
+                                        <p:tgtEl>
+                                          <p:spTgt spid="41"/>
+                                        </p:tgtEl>
+                                      </p:cBhvr>
+                                    </p:animEffect>
+                                  </p:childTnLst>
+                                </p:cTn>
+                              </p:par>
+                              <p:par>
+                                <p:cTn id="39" presetID="10" presetClass="entr" presetSubtype="0" fill="hold" grpId="0" nodeType="withEffect">
+                                  <p:stCondLst>
+                                    <p:cond delay="0"/>
+                                  </p:stCondLst>
+                                  <p:childTnLst>
+                                    <p:set>
+                                      <p:cBhvr>
+                                        <p:cTn id="40" dur="1" fill="hold">
+                                          <p:stCondLst>
+                                            <p:cond delay="0"/>
+                                          </p:stCondLst>
+                                        </p:cTn>
+                                        <p:tgtEl>
+                                          <p:spTgt spid="42"/>
+                                        </p:tgtEl>
+                                        <p:attrNameLst>
+                                          <p:attrName>style.visibility</p:attrName>
+                                        </p:attrNameLst>
+                                      </p:cBhvr>
+                                      <p:to>
+                                        <p:strVal val="visible"/>
+                                      </p:to>
+                                    </p:set>
+                                    <p:animEffect transition="in" filter="fade">
+                                      <p:cBhvr>
+                                        <p:cTn id="41" dur="500"/>
+                                        <p:tgtEl>
+                                          <p:spTgt spid="42"/>
+                                        </p:tgtEl>
+                                      </p:cBhvr>
+                                    </p:animEffect>
+                                  </p:childTnLst>
+                                </p:cTn>
+                              </p:par>
+                              <p:par>
+                                <p:cTn id="42" presetID="10" presetClass="entr" presetSubtype="0" fill="hold" grpId="0" nodeType="withEffect">
+                                  <p:stCondLst>
+                                    <p:cond delay="0"/>
+                                  </p:stCondLst>
+                                  <p:childTnLst>
+                                    <p:set>
+                                      <p:cBhvr>
+                                        <p:cTn id="43" dur="1" fill="hold">
+                                          <p:stCondLst>
+                                            <p:cond delay="0"/>
+                                          </p:stCondLst>
+                                        </p:cTn>
+                                        <p:tgtEl>
+                                          <p:spTgt spid="43"/>
+                                        </p:tgtEl>
+                                        <p:attrNameLst>
+                                          <p:attrName>style.visibility</p:attrName>
+                                        </p:attrNameLst>
+                                      </p:cBhvr>
+                                      <p:to>
+                                        <p:strVal val="visible"/>
+                                      </p:to>
+                                    </p:set>
+                                    <p:animEffect transition="in" filter="fade">
+                                      <p:cBhvr>
+                                        <p:cTn id="44" dur="500"/>
+                                        <p:tgtEl>
+                                          <p:spTgt spid="43"/>
+                                        </p:tgtEl>
+                                      </p:cBhvr>
+                                    </p:animEffect>
+                                  </p:childTnLst>
+                                </p:cTn>
+                              </p:par>
+                              <p:par>
+                                <p:cTn id="45" presetID="10" presetClass="entr" presetSubtype="0" fill="hold" grpId="0" nodeType="withEffect">
+                                  <p:stCondLst>
+                                    <p:cond delay="0"/>
+                                  </p:stCondLst>
+                                  <p:childTnLst>
+                                    <p:set>
+                                      <p:cBhvr>
+                                        <p:cTn id="46" dur="1" fill="hold">
+                                          <p:stCondLst>
+                                            <p:cond delay="0"/>
+                                          </p:stCondLst>
+                                        </p:cTn>
+                                        <p:tgtEl>
+                                          <p:spTgt spid="44"/>
+                                        </p:tgtEl>
+                                        <p:attrNameLst>
+                                          <p:attrName>style.visibility</p:attrName>
+                                        </p:attrNameLst>
+                                      </p:cBhvr>
+                                      <p:to>
+                                        <p:strVal val="visible"/>
+                                      </p:to>
+                                    </p:set>
+                                    <p:animEffect transition="in" filter="fade">
+                                      <p:cBhvr>
+                                        <p:cTn id="47" dur="500"/>
+                                        <p:tgtEl>
+                                          <p:spTgt spid="44"/>
+                                        </p:tgtEl>
+                                      </p:cBhvr>
+                                    </p:animEffect>
+                                  </p:childTnLst>
+                                </p:cTn>
+                              </p:par>
+                              <p:par>
+                                <p:cTn id="48" presetID="10" presetClass="entr" presetSubtype="0" fill="hold" grpId="0" nodeType="withEffect">
+                                  <p:stCondLst>
+                                    <p:cond delay="0"/>
+                                  </p:stCondLst>
+                                  <p:childTnLst>
+                                    <p:set>
+                                      <p:cBhvr>
+                                        <p:cTn id="49" dur="1" fill="hold">
+                                          <p:stCondLst>
+                                            <p:cond delay="0"/>
+                                          </p:stCondLst>
+                                        </p:cTn>
+                                        <p:tgtEl>
+                                          <p:spTgt spid="56"/>
+                                        </p:tgtEl>
+                                        <p:attrNameLst>
+                                          <p:attrName>style.visibility</p:attrName>
+                                        </p:attrNameLst>
+                                      </p:cBhvr>
+                                      <p:to>
+                                        <p:strVal val="visible"/>
+                                      </p:to>
+                                    </p:set>
+                                    <p:animEffect transition="in" filter="fade">
+                                      <p:cBhvr>
+                                        <p:cTn id="50" dur="500"/>
+                                        <p:tgtEl>
+                                          <p:spTgt spid="56"/>
+                                        </p:tgtEl>
+                                      </p:cBhvr>
+                                    </p:animEffect>
+                                  </p:childTnLst>
+                                </p:cTn>
+                              </p:par>
+                              <p:par>
+                                <p:cTn id="51" presetID="10" presetClass="entr" presetSubtype="0" fill="hold" grpId="0" nodeType="withEffect">
+                                  <p:stCondLst>
+                                    <p:cond delay="0"/>
+                                  </p:stCondLst>
+                                  <p:childTnLst>
+                                    <p:set>
+                                      <p:cBhvr>
+                                        <p:cTn id="52" dur="1" fill="hold">
+                                          <p:stCondLst>
+                                            <p:cond delay="0"/>
+                                          </p:stCondLst>
+                                        </p:cTn>
+                                        <p:tgtEl>
+                                          <p:spTgt spid="60"/>
+                                        </p:tgtEl>
+                                        <p:attrNameLst>
+                                          <p:attrName>style.visibility</p:attrName>
+                                        </p:attrNameLst>
+                                      </p:cBhvr>
+                                      <p:to>
+                                        <p:strVal val="visible"/>
+                                      </p:to>
+                                    </p:set>
+                                    <p:animEffect transition="in" filter="fade">
+                                      <p:cBhvr>
+                                        <p:cTn id="53" dur="500"/>
+                                        <p:tgtEl>
+                                          <p:spTgt spid="60"/>
+                                        </p:tgtEl>
+                                      </p:cBhvr>
+                                    </p:animEffect>
+                                  </p:childTnLst>
+                                </p:cTn>
+                              </p:par>
+                            </p:childTnLst>
+                          </p:cTn>
+                        </p:par>
+                      </p:childTnLst>
+                    </p:cTn>
+                  </p:par>
+                  <p:par>
+                    <p:cTn id="54" fill="hold">
+                      <p:stCondLst>
+                        <p:cond delay="indefinite"/>
+                      </p:stCondLst>
+                      <p:childTnLst>
+                        <p:par>
+                          <p:cTn id="55" fill="hold">
+                            <p:stCondLst>
+                              <p:cond delay="0"/>
+                            </p:stCondLst>
+                            <p:childTnLst>
+                              <p:par>
+                                <p:cTn id="56" presetID="2" presetClass="entr" presetSubtype="4" fill="hold" nodeType="clickEffect">
+                                  <p:stCondLst>
+                                    <p:cond delay="0"/>
+                                  </p:stCondLst>
+                                  <p:childTnLst>
+                                    <p:set>
+                                      <p:cBhvr>
+                                        <p:cTn id="57" dur="1" fill="hold">
+                                          <p:stCondLst>
+                                            <p:cond delay="0"/>
+                                          </p:stCondLst>
+                                        </p:cTn>
+                                        <p:tgtEl>
+                                          <p:spTgt spid="26"/>
+                                        </p:tgtEl>
+                                        <p:attrNameLst>
+                                          <p:attrName>style.visibility</p:attrName>
+                                        </p:attrNameLst>
+                                      </p:cBhvr>
+                                      <p:to>
+                                        <p:strVal val="visible"/>
+                                      </p:to>
+                                    </p:set>
+                                    <p:anim calcmode="lin" valueType="num">
+                                      <p:cBhvr additive="base">
+                                        <p:cTn id="58" dur="500" fill="hold"/>
+                                        <p:tgtEl>
+                                          <p:spTgt spid="26"/>
+                                        </p:tgtEl>
+                                        <p:attrNameLst>
+                                          <p:attrName>ppt_x</p:attrName>
+                                        </p:attrNameLst>
+                                      </p:cBhvr>
+                                      <p:tavLst>
+                                        <p:tav tm="0">
+                                          <p:val>
+                                            <p:strVal val="#ppt_x"/>
+                                          </p:val>
+                                        </p:tav>
+                                        <p:tav tm="100000">
+                                          <p:val>
+                                            <p:strVal val="#ppt_x"/>
+                                          </p:val>
+                                        </p:tav>
+                                      </p:tavLst>
+                                    </p:anim>
+                                    <p:anim calcmode="lin" valueType="num">
+                                      <p:cBhvr additive="base">
+                                        <p:cTn id="59" dur="500" fill="hold"/>
+                                        <p:tgtEl>
+                                          <p:spTgt spid="26"/>
+                                        </p:tgtEl>
+                                        <p:attrNameLst>
+                                          <p:attrName>ppt_y</p:attrName>
+                                        </p:attrNameLst>
+                                      </p:cBhvr>
+                                      <p:tavLst>
+                                        <p:tav tm="0">
+                                          <p:val>
+                                            <p:strVal val="1+#ppt_h/2"/>
+                                          </p:val>
+                                        </p:tav>
+                                        <p:tav tm="100000">
+                                          <p:val>
+                                            <p:strVal val="#ppt_y"/>
+                                          </p:val>
+                                        </p:tav>
+                                      </p:tavLst>
+                                    </p:anim>
+                                  </p:childTnLst>
+                                </p:cTn>
+                              </p:par>
+                            </p:childTnLst>
+                          </p:cTn>
+                        </p:par>
+                      </p:childTnLst>
+                    </p:cTn>
+                  </p:par>
+                </p:childTnLst>
+              </p:cTn>
+              <p:prevCondLst>
+                <p:cond evt="onPrev" delay="0">
+                  <p:tgtEl>
+                    <p:sldTgt/>
+                  </p:tgtEl>
+                </p:cond>
+              </p:prevCondLst>
+              <p:nextCondLst>
+                <p:cond evt="onNext" delay="0">
+                  <p:tgtEl>
+                    <p:sldTgt/>
+                  </p:tgtEl>
+                </p:cond>
+              </p:nextCondLst>
+            </p:seq>
+          </p:childTnLst>
+        </p:cTn>
+      </p:par>
+    </p:tnLst>
+    <p:bldLst>
+      <p:bldP spid="41" grpId="0" animBg="1"/>
+      <p:bldP spid="42" grpId="0" animBg="1"/>
+      <p:bldP spid="43" grpId="0"/>
+      <p:bldP spid="44" grpId="0"/>
+      <p:bldP spid="49" grpId="0" animBg="1"/>
+      <p:bldP spid="50" grpId="0"/>
+      <p:bldP spid="51" grpId="0" animBg="1"/>
+      <p:bldP spid="52" grpId="0"/>
+      <p:bldP spid="53" grpId="0"/>
+      <p:bldP spid="54" grpId="0"/>
+      <p:bldP spid="55" grpId="0"/>
+      <p:bldP spid="56" grpId="0" animBg="1"/>
+      <p:bldP spid="58" grpId="0"/>
+      <p:bldP spid="59" grpId="0"/>
+      <p:bldP spid="60" grpId="0"/>
+    </p:bldLst>
+  </p:timing>
+</p:sld>
+</file>
+
+<file path=ppt/slides/slide5.xml><?xml version="1.0" encoding="utf-8"?>
+<p:sld xmlns:a="http://schemas.openxmlformats.org/drawingml/2006/main" xmlns:r="http://schemas.openxmlformats.org/officeDocument/2006/relationships" xmlns:p="http://schemas.openxmlformats.org/presentationml/2006/main">
+  <p:cSld>
+    <p:spTree>
+      <p:nvGrpSpPr>
+        <p:cNvPr id="1" name=""/>
+        <p:cNvGrpSpPr/>
+        <p:nvPr/>
+      </p:nvGrpSpPr>
+      <p:grpSpPr>
+        <a:xfrm>
+          <a:off x="0" y="0"/>
+          <a:ext cx="0" cy="0"/>
+          <a:chOff x="0" y="0"/>
+          <a:chExt cx="0" cy="0"/>
+        </a:xfrm>
+      </p:grpSpPr>
+      <p:sp>
+        <p:nvSpPr>
+          <p:cNvPr id="2" name="Title 1"/>
+          <p:cNvSpPr>
+            <a:spLocks noGrp="1"/>
+          </p:cNvSpPr>
+          <p:nvPr>
+            <p:ph type="title"/>
+          </p:nvPr>
+        </p:nvSpPr>
         <p:spPr>
           <a:xfrm>
             <a:off x="76200" y="152400"/>
@@ -45434,7 +46916,7 @@
           <a:p>
             <a:fld id="{60927F4E-78AB-4E26-A0B2-E6DA284CA8FF}" type="slidenum">
               <a:rPr lang="en-US" smtClean="0"/>
-              <a:t>4</a:t>
+              <a:t>5</a:t>
             </a:fld>
             <a:endParaRPr lang="en-US"/>
           </a:p>
@@ -45768,7 +47250,7 @@
 </p:sld>
 </file>
 
-<file path=ppt/slides/slide5.xml><?xml version="1.0" encoding="utf-8"?>
+<file path=ppt/slides/slide6.xml><?xml version="1.0" encoding="utf-8"?>
 <p:sld xmlns:a="http://schemas.openxmlformats.org/drawingml/2006/main" xmlns:r="http://schemas.openxmlformats.org/officeDocument/2006/relationships" xmlns:p="http://schemas.openxmlformats.org/presentationml/2006/main">
   <p:cSld>
     <p:spTree>
@@ -46301,7 +47783,7 @@
           <a:p>
             <a:fld id="{60927F4E-78AB-4E26-A0B2-E6DA284CA8FF}" type="slidenum">
               <a:rPr lang="en-US" smtClean="0"/>
-              <a:t>5</a:t>
+              <a:t>6</a:t>
             </a:fld>
             <a:endParaRPr lang="en-US"/>
           </a:p>
@@ -46782,7 +48264,7 @@
 </p:sld>
 </file>
 
-<file path=ppt/slides/slide6.xml><?xml version="1.0" encoding="utf-8"?>
+<file path=ppt/slides/slide7.xml><?xml version="1.0" encoding="utf-8"?>
 <p:sld xmlns:a="http://schemas.openxmlformats.org/drawingml/2006/main" xmlns:r="http://schemas.openxmlformats.org/officeDocument/2006/relationships" xmlns:p="http://schemas.openxmlformats.org/presentationml/2006/main">
   <p:cSld>
     <p:spTree>
@@ -46973,7 +48455,7 @@
           <a:p>
             <a:fld id="{60927F4E-78AB-4E26-A0B2-E6DA284CA8FF}" type="slidenum">
               <a:rPr lang="en-US" smtClean="0"/>
-              <a:t>6</a:t>
+              <a:t>7</a:t>
             </a:fld>
             <a:endParaRPr lang="en-US"/>
           </a:p>
@@ -46999,7 +48481,7 @@
 </p:sld>
 </file>
 
-<file path=ppt/slides/slide7.xml><?xml version="1.0" encoding="utf-8"?>
+<file path=ppt/slides/slide8.xml><?xml version="1.0" encoding="utf-8"?>
 <p:sld xmlns:a="http://schemas.openxmlformats.org/drawingml/2006/main" xmlns:r="http://schemas.openxmlformats.org/officeDocument/2006/relationships" xmlns:p="http://schemas.openxmlformats.org/presentationml/2006/main">
   <p:cSld>
     <p:spTree>
@@ -47468,7 +48950,7 @@
           <a:p>
             <a:fld id="{60927F4E-78AB-4E26-A0B2-E6DA284CA8FF}" type="slidenum">
               <a:rPr lang="en-US" smtClean="0"/>
-              <a:t>7</a:t>
+              <a:t>8</a:t>
             </a:fld>
             <a:endParaRPr lang="en-US"/>
           </a:p>
@@ -47787,7 +49269,7 @@
 </p:sld>
 </file>
 
-<file path=ppt/slides/slide8.xml><?xml version="1.0" encoding="utf-8"?>
+<file path=ppt/slides/slide9.xml><?xml version="1.0" encoding="utf-8"?>
 <p:sld xmlns:a="http://schemas.openxmlformats.org/drawingml/2006/main" xmlns:r="http://schemas.openxmlformats.org/officeDocument/2006/relationships" xmlns:p="http://schemas.openxmlformats.org/presentationml/2006/main">
   <p:cSld>
     <p:spTree>
@@ -48510,7 +49992,7 @@
           <a:p>
             <a:fld id="{60927F4E-78AB-4E26-A0B2-E6DA284CA8FF}" type="slidenum">
               <a:rPr lang="en-US" smtClean="0"/>
-              <a:t>8</a:t>
+              <a:t>9</a:t>
             </a:fld>
             <a:endParaRPr lang="en-US"/>
           </a:p>
@@ -49401,521 +50883,6 @@
       <p:bldP spid="29" grpId="0"/>
       <p:bldP spid="31" grpId="0"/>
     </p:bldLst>
-  </p:timing>
-</p:sld>
-</file>
-
-<file path=ppt/slides/slide9.xml><?xml version="1.0" encoding="utf-8"?>
-<p:sld xmlns:a="http://schemas.openxmlformats.org/drawingml/2006/main" xmlns:r="http://schemas.openxmlformats.org/officeDocument/2006/relationships" xmlns:p="http://schemas.openxmlformats.org/presentationml/2006/main">
-  <p:cSld>
-    <p:spTree>
-      <p:nvGrpSpPr>
-        <p:cNvPr id="1" name=""/>
-        <p:cNvGrpSpPr/>
-        <p:nvPr/>
-      </p:nvGrpSpPr>
-      <p:grpSpPr>
-        <a:xfrm>
-          <a:off x="0" y="0"/>
-          <a:ext cx="0" cy="0"/>
-          <a:chOff x="0" y="0"/>
-          <a:chExt cx="0" cy="0"/>
-        </a:xfrm>
-      </p:grpSpPr>
-      <p:sp>
-        <p:nvSpPr>
-          <p:cNvPr id="2" name="Rectangle 1"/>
-          <p:cNvSpPr/>
-          <p:nvPr/>
-        </p:nvSpPr>
-        <p:spPr>
-          <a:xfrm>
-            <a:off x="4267200" y="1378803"/>
-            <a:ext cx="3657600" cy="2202597"/>
-          </a:xfrm>
-          <a:prstGeom prst="rect">
-            <a:avLst/>
-          </a:prstGeom>
-          <a:solidFill>
-            <a:schemeClr val="accent2">
-              <a:alpha val="29000"/>
-            </a:schemeClr>
-          </a:solidFill>
-        </p:spPr>
-        <p:style>
-          <a:lnRef idx="2">
-            <a:schemeClr val="accent1">
-              <a:shade val="50000"/>
-            </a:schemeClr>
-          </a:lnRef>
-          <a:fillRef idx="1">
-            <a:schemeClr val="accent1"/>
-          </a:fillRef>
-          <a:effectRef idx="0">
-            <a:schemeClr val="accent1"/>
-          </a:effectRef>
-          <a:fontRef idx="minor">
-            <a:schemeClr val="lt1"/>
-          </a:fontRef>
-        </p:style>
-        <p:txBody>
-          <a:bodyPr rtlCol="0" anchor="ctr"/>
-          <a:lstStyle/>
-          <a:p>
-            <a:pPr algn="ctr"/>
-            <a:endParaRPr lang="en-US"/>
-          </a:p>
-        </p:txBody>
-      </p:sp>
-      <p:cxnSp>
-        <p:nvCxnSpPr>
-          <p:cNvPr id="7" name="Straight Connector 6"/>
-          <p:cNvCxnSpPr/>
-          <p:nvPr/>
-        </p:nvCxnSpPr>
-        <p:spPr>
-          <a:xfrm>
-            <a:off x="609600" y="3581400"/>
-            <a:ext cx="7315200" cy="0"/>
-          </a:xfrm>
-          <a:prstGeom prst="line">
-            <a:avLst/>
-          </a:prstGeom>
-        </p:spPr>
-        <p:style>
-          <a:lnRef idx="1">
-            <a:schemeClr val="accent1"/>
-          </a:lnRef>
-          <a:fillRef idx="0">
-            <a:schemeClr val="accent1"/>
-          </a:fillRef>
-          <a:effectRef idx="0">
-            <a:schemeClr val="accent1"/>
-          </a:effectRef>
-          <a:fontRef idx="minor">
-            <a:schemeClr val="tx1"/>
-          </a:fontRef>
-        </p:style>
-      </p:cxnSp>
-      <p:cxnSp>
-        <p:nvCxnSpPr>
-          <p:cNvPr id="14" name="Straight Connector 13"/>
-          <p:cNvCxnSpPr/>
-          <p:nvPr/>
-        </p:nvCxnSpPr>
-        <p:spPr>
-          <a:xfrm>
-            <a:off x="4267200" y="1371600"/>
-            <a:ext cx="0" cy="4412397"/>
-          </a:xfrm>
-          <a:prstGeom prst="line">
-            <a:avLst/>
-          </a:prstGeom>
-        </p:spPr>
-        <p:style>
-          <a:lnRef idx="1">
-            <a:schemeClr val="accent1"/>
-          </a:lnRef>
-          <a:fillRef idx="0">
-            <a:schemeClr val="accent1"/>
-          </a:fillRef>
-          <a:effectRef idx="0">
-            <a:schemeClr val="accent1"/>
-          </a:effectRef>
-          <a:fontRef idx="minor">
-            <a:schemeClr val="tx1"/>
-          </a:fontRef>
-        </p:style>
-      </p:cxnSp>
-      <p:sp>
-        <p:nvSpPr>
-          <p:cNvPr id="16" name="TextBox 15"/>
-          <p:cNvSpPr txBox="1"/>
-          <p:nvPr/>
-        </p:nvSpPr>
-        <p:spPr>
-          <a:xfrm>
-            <a:off x="533400" y="1378803"/>
-            <a:ext cx="1436227" cy="707886"/>
-          </a:xfrm>
-          <a:prstGeom prst="rect">
-            <a:avLst/>
-          </a:prstGeom>
-          <a:noFill/>
-        </p:spPr>
-        <p:txBody>
-          <a:bodyPr wrap="none" rtlCol="0">
-            <a:spAutoFit/>
-          </a:bodyPr>
-          <a:lstStyle/>
-          <a:p>
-            <a:r>
-              <a:rPr lang="en-US" sz="4000" b="1" dirty="0" smtClean="0">
-                <a:solidFill>
-                  <a:schemeClr val="bg1">
-                    <a:lumMod val="65000"/>
-                  </a:schemeClr>
-                </a:solidFill>
-              </a:rPr>
-              <a:t>Part 1</a:t>
-            </a:r>
-            <a:endParaRPr lang="en-US" sz="4000" b="1" dirty="0">
-              <a:solidFill>
-                <a:schemeClr val="bg1">
-                  <a:lumMod val="65000"/>
-                </a:schemeClr>
-              </a:solidFill>
-            </a:endParaRPr>
-          </a:p>
-        </p:txBody>
-      </p:sp>
-      <p:sp>
-        <p:nvSpPr>
-          <p:cNvPr id="20" name="TextBox 19"/>
-          <p:cNvSpPr txBox="1"/>
-          <p:nvPr/>
-        </p:nvSpPr>
-        <p:spPr>
-          <a:xfrm>
-            <a:off x="4431173" y="1295400"/>
-            <a:ext cx="1436227" cy="707886"/>
-          </a:xfrm>
-          <a:prstGeom prst="rect">
-            <a:avLst/>
-          </a:prstGeom>
-          <a:noFill/>
-        </p:spPr>
-        <p:txBody>
-          <a:bodyPr wrap="none" rtlCol="0">
-            <a:spAutoFit/>
-          </a:bodyPr>
-          <a:lstStyle/>
-          <a:p>
-            <a:r>
-              <a:rPr lang="en-US" sz="4000" b="1" dirty="0">
-                <a:solidFill>
-                  <a:schemeClr val="bg1">
-                    <a:lumMod val="65000"/>
-                  </a:schemeClr>
-                </a:solidFill>
-              </a:rPr>
-              <a:t>Part 2</a:t>
-            </a:r>
-          </a:p>
-        </p:txBody>
-      </p:sp>
-      <p:sp>
-        <p:nvSpPr>
-          <p:cNvPr id="21" name="TextBox 20"/>
-          <p:cNvSpPr txBox="1"/>
-          <p:nvPr/>
-        </p:nvSpPr>
-        <p:spPr>
-          <a:xfrm>
-            <a:off x="533400" y="3635514"/>
-            <a:ext cx="1436227" cy="707886"/>
-          </a:xfrm>
-          <a:prstGeom prst="rect">
-            <a:avLst/>
-          </a:prstGeom>
-          <a:noFill/>
-        </p:spPr>
-        <p:txBody>
-          <a:bodyPr wrap="none" rtlCol="0">
-            <a:spAutoFit/>
-          </a:bodyPr>
-          <a:lstStyle/>
-          <a:p>
-            <a:r>
-              <a:rPr lang="en-US" sz="4000" b="1" dirty="0">
-                <a:solidFill>
-                  <a:schemeClr val="bg1">
-                    <a:lumMod val="65000"/>
-                  </a:schemeClr>
-                </a:solidFill>
-              </a:rPr>
-              <a:t>Part 3</a:t>
-            </a:r>
-          </a:p>
-        </p:txBody>
-      </p:sp>
-      <p:sp>
-        <p:nvSpPr>
-          <p:cNvPr id="22" name="TextBox 21"/>
-          <p:cNvSpPr txBox="1"/>
-          <p:nvPr/>
-        </p:nvSpPr>
-        <p:spPr>
-          <a:xfrm>
-            <a:off x="4419600" y="3635514"/>
-            <a:ext cx="1436227" cy="707886"/>
-          </a:xfrm>
-          <a:prstGeom prst="rect">
-            <a:avLst/>
-          </a:prstGeom>
-          <a:noFill/>
-        </p:spPr>
-        <p:txBody>
-          <a:bodyPr wrap="none" rtlCol="0">
-            <a:spAutoFit/>
-          </a:bodyPr>
-          <a:lstStyle/>
-          <a:p>
-            <a:r>
-              <a:rPr lang="en-US" sz="4000" b="1" dirty="0">
-                <a:solidFill>
-                  <a:schemeClr val="bg1">
-                    <a:lumMod val="65000"/>
-                  </a:schemeClr>
-                </a:solidFill>
-              </a:rPr>
-              <a:t>Part 4</a:t>
-            </a:r>
-          </a:p>
-        </p:txBody>
-      </p:sp>
-      <p:sp>
-        <p:nvSpPr>
-          <p:cNvPr id="17" name="TextBox 16"/>
-          <p:cNvSpPr txBox="1"/>
-          <p:nvPr/>
-        </p:nvSpPr>
-        <p:spPr>
-          <a:xfrm>
-            <a:off x="609600" y="2369403"/>
-            <a:ext cx="3429000" cy="830997"/>
-          </a:xfrm>
-          <a:prstGeom prst="rect">
-            <a:avLst/>
-          </a:prstGeom>
-          <a:noFill/>
-        </p:spPr>
-        <p:txBody>
-          <a:bodyPr wrap="square" rtlCol="0">
-            <a:spAutoFit/>
-          </a:bodyPr>
-          <a:lstStyle/>
-          <a:p>
-            <a:r>
-              <a:rPr lang="en-US" sz="2400" b="1" dirty="0" smtClean="0">
-                <a:solidFill>
-                  <a:schemeClr val="bg1">
-                    <a:lumMod val="65000"/>
-                  </a:schemeClr>
-                </a:solidFill>
-              </a:rPr>
-              <a:t>Exploratory Study of Breakages and Surprises</a:t>
-            </a:r>
-            <a:endParaRPr lang="en-US" sz="2400" b="1" dirty="0">
-              <a:solidFill>
-                <a:schemeClr val="bg1">
-                  <a:lumMod val="65000"/>
-                </a:schemeClr>
-              </a:solidFill>
-            </a:endParaRPr>
-          </a:p>
-        </p:txBody>
-      </p:sp>
-      <p:sp>
-        <p:nvSpPr>
-          <p:cNvPr id="24" name="TextBox 23"/>
-          <p:cNvSpPr txBox="1"/>
-          <p:nvPr/>
-        </p:nvSpPr>
-        <p:spPr>
-          <a:xfrm>
-            <a:off x="4267200" y="2369403"/>
-            <a:ext cx="3810000" cy="1015663"/>
-          </a:xfrm>
-          <a:prstGeom prst="rect">
-            <a:avLst/>
-          </a:prstGeom>
-          <a:noFill/>
-        </p:spPr>
-        <p:txBody>
-          <a:bodyPr wrap="square" rtlCol="0">
-            <a:spAutoFit/>
-          </a:bodyPr>
-          <a:lstStyle/>
-          <a:p>
-            <a:r>
-              <a:rPr lang="en-US" sz="3200" b="1" dirty="0" smtClean="0"/>
-              <a:t>Prediction</a:t>
-            </a:r>
-            <a:r>
-              <a:rPr lang="en-US" sz="2800" dirty="0" smtClean="0"/>
-              <a:t> of Breakages and Surprises</a:t>
-            </a:r>
-            <a:endParaRPr lang="en-US" sz="2800" dirty="0"/>
-          </a:p>
-        </p:txBody>
-      </p:sp>
-      <p:sp>
-        <p:nvSpPr>
-          <p:cNvPr id="25" name="TextBox 24"/>
-          <p:cNvSpPr txBox="1"/>
-          <p:nvPr/>
-        </p:nvSpPr>
-        <p:spPr>
-          <a:xfrm>
-            <a:off x="609600" y="4648200"/>
-            <a:ext cx="3429000" cy="1200329"/>
-          </a:xfrm>
-          <a:prstGeom prst="rect">
-            <a:avLst/>
-          </a:prstGeom>
-          <a:noFill/>
-        </p:spPr>
-        <p:txBody>
-          <a:bodyPr wrap="square" rtlCol="0">
-            <a:spAutoFit/>
-          </a:bodyPr>
-          <a:lstStyle/>
-          <a:p>
-            <a:r>
-              <a:rPr lang="en-US" sz="2400" b="1" dirty="0" smtClean="0">
-                <a:solidFill>
-                  <a:schemeClr val="bg1">
-                    <a:lumMod val="65000"/>
-                  </a:schemeClr>
-                </a:solidFill>
-              </a:rPr>
-              <a:t>Understanding Prediction Models of Breakages and Surprises</a:t>
-            </a:r>
-            <a:endParaRPr lang="en-US" sz="2400" b="1" dirty="0">
-              <a:solidFill>
-                <a:schemeClr val="bg1">
-                  <a:lumMod val="65000"/>
-                </a:schemeClr>
-              </a:solidFill>
-            </a:endParaRPr>
-          </a:p>
-        </p:txBody>
-      </p:sp>
-      <p:sp>
-        <p:nvSpPr>
-          <p:cNvPr id="26" name="TextBox 25"/>
-          <p:cNvSpPr txBox="1"/>
-          <p:nvPr/>
-        </p:nvSpPr>
-        <p:spPr>
-          <a:xfrm>
-            <a:off x="4648200" y="4648200"/>
-            <a:ext cx="3429000" cy="830997"/>
-          </a:xfrm>
-          <a:prstGeom prst="rect">
-            <a:avLst/>
-          </a:prstGeom>
-          <a:noFill/>
-        </p:spPr>
-        <p:txBody>
-          <a:bodyPr wrap="square" rtlCol="0">
-            <a:spAutoFit/>
-          </a:bodyPr>
-          <a:lstStyle/>
-          <a:p>
-            <a:r>
-              <a:rPr lang="en-US" sz="2400" b="1" dirty="0" smtClean="0">
-                <a:solidFill>
-                  <a:schemeClr val="bg1">
-                    <a:lumMod val="65000"/>
-                  </a:schemeClr>
-                </a:solidFill>
-              </a:rPr>
-              <a:t>Value of Focusing on Breakages and Surprises</a:t>
-            </a:r>
-            <a:endParaRPr lang="en-US" sz="2400" b="1" dirty="0">
-              <a:solidFill>
-                <a:schemeClr val="bg1">
-                  <a:lumMod val="65000"/>
-                </a:schemeClr>
-              </a:solidFill>
-            </a:endParaRPr>
-          </a:p>
-        </p:txBody>
-      </p:sp>
-      <p:sp>
-        <p:nvSpPr>
-          <p:cNvPr id="27" name="Title 1"/>
-          <p:cNvSpPr>
-            <a:spLocks noGrp="1"/>
-          </p:cNvSpPr>
-          <p:nvPr>
-            <p:ph type="title"/>
-          </p:nvPr>
-        </p:nvSpPr>
-        <p:spPr>
-          <a:xfrm>
-            <a:off x="152400" y="76200"/>
-            <a:ext cx="8458200" cy="1143000"/>
-          </a:xfrm>
-        </p:spPr>
-        <p:txBody>
-          <a:bodyPr>
-            <a:normAutofit/>
-          </a:bodyPr>
-          <a:lstStyle/>
-          <a:p>
-            <a:pPr algn="l" fontAlgn="base">
-              <a:spcAft>
-                <a:spcPct val="0"/>
-              </a:spcAft>
-            </a:pPr>
-            <a:r>
-              <a:rPr lang="en-US" b="1" dirty="0" smtClean="0">
-                <a:solidFill>
-                  <a:srgbClr val="C00000"/>
-                </a:solidFill>
-              </a:rPr>
-              <a:t>Predicting Breakages and Surprises</a:t>
-            </a:r>
-            <a:endParaRPr lang="en-US" b="1" dirty="0">
-              <a:solidFill>
-                <a:srgbClr val="C00000"/>
-              </a:solidFill>
-            </a:endParaRPr>
-          </a:p>
-        </p:txBody>
-      </p:sp>
-      <p:sp>
-        <p:nvSpPr>
-          <p:cNvPr id="3" name="Slide Number Placeholder 2"/>
-          <p:cNvSpPr>
-            <a:spLocks noGrp="1"/>
-          </p:cNvSpPr>
-          <p:nvPr>
-            <p:ph type="sldNum" sz="quarter" idx="12"/>
-          </p:nvPr>
-        </p:nvSpPr>
-        <p:spPr/>
-        <p:txBody>
-          <a:bodyPr/>
-          <a:lstStyle/>
-          <a:p>
-            <a:fld id="{60927F4E-78AB-4E26-A0B2-E6DA284CA8FF}" type="slidenum">
-              <a:rPr lang="en-US" smtClean="0"/>
-              <a:t>9</a:t>
-            </a:fld>
-            <a:endParaRPr lang="en-US"/>
-          </a:p>
-        </p:txBody>
-      </p:sp>
-    </p:spTree>
-    <p:extLst>
-      <p:ext uri="{BB962C8B-B14F-4D97-AF65-F5344CB8AC3E}">
-        <p14:creationId xmlns:p14="http://schemas.microsoft.com/office/powerpoint/2010/main" val="1310236955"/>
-      </p:ext>
-    </p:extLst>
-  </p:cSld>
-  <p:clrMapOvr>
-    <a:masterClrMapping/>
-  </p:clrMapOvr>
-  <p:timing>
-    <p:tnLst>
-      <p:par>
-        <p:cTn xmlns:p14="http://schemas.microsoft.com/office/powerpoint/2010/main" id="1" dur="indefinite" restart="never" nodeType="tmRoot"/>
-      </p:par>
-    </p:tnLst>
   </p:timing>
 </p:sld>
 </file>
